--- a/Preview_1.pptx
+++ b/Preview_1.pptx
@@ -21,58 +21,67 @@
     <p:sldId id="265" r:id="rId16"/>
     <p:sldId id="266" r:id="rId17"/>
     <p:sldId id="267" r:id="rId18"/>
+    <p:sldId id="268" r:id="rId19"/>
+    <p:sldId id="269" r:id="rId20"/>
   </p:sldIdLst>
   <p:sldSz cy="5143500" cx="9144000"/>
   <p:notesSz cx="6858000" cy="9144000"/>
   <p:embeddedFontLst>
     <p:embeddedFont>
+      <p:font typeface="Raleway"/>
+      <p:regular r:id="rId21"/>
+      <p:bold r:id="rId22"/>
+      <p:italic r:id="rId23"/>
+      <p:boldItalic r:id="rId24"/>
+    </p:embeddedFont>
+    <p:embeddedFont>
       <p:font typeface="Roboto"/>
-      <p:regular r:id="rId19"/>
-      <p:bold r:id="rId20"/>
-      <p:italic r:id="rId21"/>
-      <p:boldItalic r:id="rId22"/>
+      <p:regular r:id="rId25"/>
+      <p:bold r:id="rId26"/>
+      <p:italic r:id="rId27"/>
+      <p:boldItalic r:id="rId28"/>
     </p:embeddedFont>
     <p:embeddedFont>
       <p:font typeface="Plus Jakarta Sans"/>
-      <p:regular r:id="rId23"/>
-      <p:bold r:id="rId24"/>
-      <p:italic r:id="rId25"/>
-      <p:boldItalic r:id="rId26"/>
+      <p:regular r:id="rId29"/>
+      <p:bold r:id="rId30"/>
+      <p:italic r:id="rId31"/>
+      <p:boldItalic r:id="rId32"/>
     </p:embeddedFont>
     <p:embeddedFont>
       <p:font typeface="Montserrat"/>
-      <p:regular r:id="rId27"/>
-      <p:bold r:id="rId28"/>
-      <p:italic r:id="rId29"/>
-      <p:boldItalic r:id="rId30"/>
+      <p:regular r:id="rId33"/>
+      <p:bold r:id="rId34"/>
+      <p:italic r:id="rId35"/>
+      <p:boldItalic r:id="rId36"/>
     </p:embeddedFont>
     <p:embeddedFont>
       <p:font typeface="Lato"/>
-      <p:regular r:id="rId31"/>
-      <p:bold r:id="rId32"/>
-      <p:italic r:id="rId33"/>
-      <p:boldItalic r:id="rId34"/>
+      <p:regular r:id="rId37"/>
+      <p:bold r:id="rId38"/>
+      <p:italic r:id="rId39"/>
+      <p:boldItalic r:id="rId40"/>
     </p:embeddedFont>
     <p:embeddedFont>
       <p:font typeface="Montserrat Medium"/>
-      <p:regular r:id="rId35"/>
-      <p:bold r:id="rId36"/>
-      <p:italic r:id="rId37"/>
-      <p:boldItalic r:id="rId38"/>
+      <p:regular r:id="rId41"/>
+      <p:bold r:id="rId42"/>
+      <p:italic r:id="rId43"/>
+      <p:boldItalic r:id="rId44"/>
     </p:embeddedFont>
     <p:embeddedFont>
       <p:font typeface="Poppins SemiBold"/>
-      <p:regular r:id="rId39"/>
-      <p:bold r:id="rId40"/>
-      <p:italic r:id="rId41"/>
-      <p:boldItalic r:id="rId42"/>
+      <p:regular r:id="rId45"/>
+      <p:bold r:id="rId46"/>
+      <p:italic r:id="rId47"/>
+      <p:boldItalic r:id="rId48"/>
     </p:embeddedFont>
     <p:embeddedFont>
       <p:font typeface="Open Sans"/>
-      <p:regular r:id="rId43"/>
-      <p:bold r:id="rId44"/>
-      <p:italic r:id="rId45"/>
-      <p:boldItalic r:id="rId46"/>
+      <p:regular r:id="rId49"/>
+      <p:bold r:id="rId50"/>
+      <p:italic r:id="rId51"/>
+      <p:boldItalic r:id="rId52"/>
     </p:embeddedFont>
   </p:embeddedFontLst>
   <p:defaultTextStyle>
@@ -871,7 +880,7 @@
   <p:cSld>
     <p:spTree>
       <p:nvGrpSpPr>
-        <p:cNvPr id="162" name="Shape 162"/>
+        <p:cNvPr id="170" name="Shape 170"/>
         <p:cNvGrpSpPr/>
         <p:nvPr/>
       </p:nvGrpSpPr>
@@ -885,7 +894,7 @@
       </p:grpSpPr>
       <p:sp>
         <p:nvSpPr>
-          <p:cNvPr id="163" name="Google Shape;163;g383c06826de_2_104:notes"/>
+          <p:cNvPr id="171" name="Google Shape;171;g383c06826de_2_86:notes"/>
           <p:cNvSpPr txBox="1"/>
           <p:nvPr>
             <p:ph idx="1" type="body"/>
@@ -932,7 +941,7 @@
       </p:sp>
       <p:sp>
         <p:nvSpPr>
-          <p:cNvPr id="164" name="Google Shape;164;g383c06826de_2_104:notes"/>
+          <p:cNvPr id="172" name="Google Shape;172;g383c06826de_2_86:notes"/>
           <p:cNvSpPr/>
           <p:nvPr>
             <p:ph idx="2" type="sldImg"/>
@@ -988,7 +997,7 @@
   <p:cSld>
     <p:spTree>
       <p:nvGrpSpPr>
-        <p:cNvPr id="169" name="Shape 169"/>
+        <p:cNvPr id="177" name="Shape 177"/>
         <p:cNvGrpSpPr/>
         <p:nvPr/>
       </p:nvGrpSpPr>
@@ -1002,7 +1011,7 @@
       </p:grpSpPr>
       <p:sp>
         <p:nvSpPr>
-          <p:cNvPr id="170" name="Google Shape;170;g383c06826de_0_1:notes"/>
+          <p:cNvPr id="178" name="Google Shape;178;g383c06826de_2_92:notes"/>
           <p:cNvSpPr txBox="1"/>
           <p:nvPr>
             <p:ph idx="1" type="body"/>
@@ -1011,7 +1020,7 @@
         <p:spPr>
           <a:xfrm>
             <a:off x="685800" y="4400550"/>
-            <a:ext cx="5486400" cy="3600600"/>
+            <a:ext cx="5486400" cy="3600450"/>
           </a:xfrm>
           <a:prstGeom prst="rect">
             <a:avLst/>
@@ -1049,7 +1058,7 @@
       </p:sp>
       <p:sp>
         <p:nvSpPr>
-          <p:cNvPr id="171" name="Google Shape;171;g383c06826de_0_1:notes"/>
+          <p:cNvPr id="179" name="Google Shape;179;g383c06826de_2_92:notes"/>
           <p:cNvSpPr/>
           <p:nvPr>
             <p:ph idx="2" type="sldImg"/>
@@ -1105,7 +1114,7 @@
   <p:cSld>
     <p:spTree>
       <p:nvGrpSpPr>
-        <p:cNvPr id="178" name="Shape 178"/>
+        <p:cNvPr id="184" name="Shape 184"/>
         <p:cNvGrpSpPr/>
         <p:nvPr/>
       </p:nvGrpSpPr>
@@ -1119,7 +1128,241 @@
       </p:grpSpPr>
       <p:sp>
         <p:nvSpPr>
-          <p:cNvPr id="179" name="Google Shape;179;g383c06826de_2_110:notes"/>
+          <p:cNvPr id="185" name="Google Shape;185;g383c06826de_2_104:notes"/>
+          <p:cNvSpPr txBox="1"/>
+          <p:nvPr>
+            <p:ph idx="1" type="body"/>
+          </p:nvPr>
+        </p:nvSpPr>
+        <p:spPr>
+          <a:xfrm>
+            <a:off x="685800" y="4400550"/>
+            <a:ext cx="5486400" cy="3600450"/>
+          </a:xfrm>
+          <a:prstGeom prst="rect">
+            <a:avLst/>
+          </a:prstGeom>
+          <a:noFill/>
+          <a:ln>
+            <a:noFill/>
+          </a:ln>
+        </p:spPr>
+        <p:txBody>
+          <a:bodyPr anchorCtr="0" anchor="t" bIns="91425" lIns="91425" spcFirstLastPara="1" rIns="91425" wrap="square" tIns="91425">
+            <a:noAutofit/>
+          </a:bodyPr>
+          <a:lstStyle/>
+          <a:p>
+            <a:pPr indent="0" lvl="0" marL="0" rtl="0" algn="l">
+              <a:lnSpc>
+                <a:spcPct val="100000"/>
+              </a:lnSpc>
+              <a:spcBef>
+                <a:spcPts val="0"/>
+              </a:spcBef>
+              <a:spcAft>
+                <a:spcPts val="0"/>
+              </a:spcAft>
+              <a:buSzPts val="1100"/>
+              <a:buNone/>
+            </a:pPr>
+            <a:r>
+              <a:t/>
+            </a:r>
+            <a:endParaRPr/>
+          </a:p>
+        </p:txBody>
+      </p:sp>
+      <p:sp>
+        <p:nvSpPr>
+          <p:cNvPr id="186" name="Google Shape;186;g383c06826de_2_104:notes"/>
+          <p:cNvSpPr/>
+          <p:nvPr>
+            <p:ph idx="2" type="sldImg"/>
+          </p:nvPr>
+        </p:nvSpPr>
+        <p:spPr>
+          <a:xfrm>
+            <a:off x="685800" y="1143000"/>
+            <a:ext cx="5486400" cy="3086100"/>
+          </a:xfrm>
+          <a:custGeom>
+            <a:rect b="b" l="l" r="r" t="t"/>
+            <a:pathLst>
+              <a:path extrusionOk="0" h="120000" w="120000">
+                <a:moveTo>
+                  <a:pt x="0" y="0"/>
+                </a:moveTo>
+                <a:lnTo>
+                  <a:pt x="120000" y="0"/>
+                </a:lnTo>
+                <a:lnTo>
+                  <a:pt x="120000" y="120000"/>
+                </a:lnTo>
+                <a:lnTo>
+                  <a:pt x="0" y="120000"/>
+                </a:lnTo>
+                <a:close/>
+              </a:path>
+            </a:pathLst>
+          </a:custGeom>
+          <a:noFill/>
+          <a:ln cap="flat" cmpd="sng" w="9525">
+            <a:solidFill>
+              <a:srgbClr val="000000"/>
+            </a:solidFill>
+            <a:prstDash val="solid"/>
+            <a:round/>
+            <a:headEnd len="sm" w="sm" type="none"/>
+            <a:tailEnd len="sm" w="sm" type="none"/>
+          </a:ln>
+        </p:spPr>
+      </p:sp>
+    </p:spTree>
+  </p:cSld>
+  <p:clrMapOvr>
+    <a:masterClrMapping/>
+  </p:clrMapOvr>
+</p:notes>
+</file>
+
+<file path=ppt/notesSlides/notesSlide13.xml><?xml version="1.0" encoding="utf-8"?>
+<p:notes xmlns:a="http://schemas.openxmlformats.org/drawingml/2006/main" xmlns:r="http://schemas.openxmlformats.org/officeDocument/2006/relationships" xmlns:mc="http://schemas.openxmlformats.org/markup-compatibility/2006" xmlns:mv="urn:schemas-microsoft-com:mac:vml" xmlns:p="http://schemas.openxmlformats.org/presentationml/2006/main" xmlns:c="http://schemas.openxmlformats.org/drawingml/2006/chart" xmlns:dgm="http://schemas.openxmlformats.org/drawingml/2006/diagram" xmlns:o="urn:schemas-microsoft-com:office:office" xmlns:v="urn:schemas-microsoft-com:vml" xmlns:pvml="urn:schemas-microsoft-com:office:powerpoint" xmlns:com="http://schemas.openxmlformats.org/drawingml/2006/compatibility" xmlns:p14="http://schemas.microsoft.com/office/powerpoint/2010/main" xmlns:p15="http://schemas.microsoft.com/office/powerpoint/2012/main" xmlns:ahyp="http://schemas.microsoft.com/office/drawing/2018/hyperlinkcolor" showMasterPhAnim="0" showMasterSp="0">
+  <p:cSld>
+    <p:spTree>
+      <p:nvGrpSpPr>
+        <p:cNvPr id="191" name="Shape 191"/>
+        <p:cNvGrpSpPr/>
+        <p:nvPr/>
+      </p:nvGrpSpPr>
+      <p:grpSpPr>
+        <a:xfrm>
+          <a:off x="0" y="0"/>
+          <a:ext cx="0" cy="0"/>
+          <a:chOff x="0" y="0"/>
+          <a:chExt cx="0" cy="0"/>
+        </a:xfrm>
+      </p:grpSpPr>
+      <p:sp>
+        <p:nvSpPr>
+          <p:cNvPr id="192" name="Google Shape;192;g383c06826de_0_1:notes"/>
+          <p:cNvSpPr txBox="1"/>
+          <p:nvPr>
+            <p:ph idx="1" type="body"/>
+          </p:nvPr>
+        </p:nvSpPr>
+        <p:spPr>
+          <a:xfrm>
+            <a:off x="685800" y="4400550"/>
+            <a:ext cx="5486400" cy="3600600"/>
+          </a:xfrm>
+          <a:prstGeom prst="rect">
+            <a:avLst/>
+          </a:prstGeom>
+          <a:noFill/>
+          <a:ln>
+            <a:noFill/>
+          </a:ln>
+        </p:spPr>
+        <p:txBody>
+          <a:bodyPr anchorCtr="0" anchor="t" bIns="91425" lIns="91425" spcFirstLastPara="1" rIns="91425" wrap="square" tIns="91425">
+            <a:noAutofit/>
+          </a:bodyPr>
+          <a:lstStyle/>
+          <a:p>
+            <a:pPr indent="0" lvl="0" marL="0" rtl="0" algn="l">
+              <a:lnSpc>
+                <a:spcPct val="100000"/>
+              </a:lnSpc>
+              <a:spcBef>
+                <a:spcPts val="0"/>
+              </a:spcBef>
+              <a:spcAft>
+                <a:spcPts val="0"/>
+              </a:spcAft>
+              <a:buSzPts val="1100"/>
+              <a:buNone/>
+            </a:pPr>
+            <a:r>
+              <a:t/>
+            </a:r>
+            <a:endParaRPr/>
+          </a:p>
+        </p:txBody>
+      </p:sp>
+      <p:sp>
+        <p:nvSpPr>
+          <p:cNvPr id="193" name="Google Shape;193;g383c06826de_0_1:notes"/>
+          <p:cNvSpPr/>
+          <p:nvPr>
+            <p:ph idx="2" type="sldImg"/>
+          </p:nvPr>
+        </p:nvSpPr>
+        <p:spPr>
+          <a:xfrm>
+            <a:off x="685800" y="1143000"/>
+            <a:ext cx="5486400" cy="3086100"/>
+          </a:xfrm>
+          <a:custGeom>
+            <a:rect b="b" l="l" r="r" t="t"/>
+            <a:pathLst>
+              <a:path extrusionOk="0" h="120000" w="120000">
+                <a:moveTo>
+                  <a:pt x="0" y="0"/>
+                </a:moveTo>
+                <a:lnTo>
+                  <a:pt x="120000" y="0"/>
+                </a:lnTo>
+                <a:lnTo>
+                  <a:pt x="120000" y="120000"/>
+                </a:lnTo>
+                <a:lnTo>
+                  <a:pt x="0" y="120000"/>
+                </a:lnTo>
+                <a:close/>
+              </a:path>
+            </a:pathLst>
+          </a:custGeom>
+          <a:noFill/>
+          <a:ln cap="flat" cmpd="sng" w="9525">
+            <a:solidFill>
+              <a:srgbClr val="000000"/>
+            </a:solidFill>
+            <a:prstDash val="solid"/>
+            <a:round/>
+            <a:headEnd len="sm" w="sm" type="none"/>
+            <a:tailEnd len="sm" w="sm" type="none"/>
+          </a:ln>
+        </p:spPr>
+      </p:sp>
+    </p:spTree>
+  </p:cSld>
+  <p:clrMapOvr>
+    <a:masterClrMapping/>
+  </p:clrMapOvr>
+</p:notes>
+</file>
+
+<file path=ppt/notesSlides/notesSlide14.xml><?xml version="1.0" encoding="utf-8"?>
+<p:notes xmlns:a="http://schemas.openxmlformats.org/drawingml/2006/main" xmlns:r="http://schemas.openxmlformats.org/officeDocument/2006/relationships" xmlns:mc="http://schemas.openxmlformats.org/markup-compatibility/2006" xmlns:mv="urn:schemas-microsoft-com:mac:vml" xmlns:p="http://schemas.openxmlformats.org/presentationml/2006/main" xmlns:c="http://schemas.openxmlformats.org/drawingml/2006/chart" xmlns:dgm="http://schemas.openxmlformats.org/drawingml/2006/diagram" xmlns:o="urn:schemas-microsoft-com:office:office" xmlns:v="urn:schemas-microsoft-com:vml" xmlns:pvml="urn:schemas-microsoft-com:office:powerpoint" xmlns:com="http://schemas.openxmlformats.org/drawingml/2006/compatibility" xmlns:p14="http://schemas.microsoft.com/office/powerpoint/2010/main" xmlns:p15="http://schemas.microsoft.com/office/powerpoint/2012/main" xmlns:ahyp="http://schemas.microsoft.com/office/drawing/2018/hyperlinkcolor" showMasterPhAnim="0" showMasterSp="0">
+  <p:cSld>
+    <p:spTree>
+      <p:nvGrpSpPr>
+        <p:cNvPr id="200" name="Shape 200"/>
+        <p:cNvGrpSpPr/>
+        <p:nvPr/>
+      </p:nvGrpSpPr>
+      <p:grpSpPr>
+        <a:xfrm>
+          <a:off x="0" y="0"/>
+          <a:ext cx="0" cy="0"/>
+          <a:chOff x="0" y="0"/>
+          <a:chExt cx="0" cy="0"/>
+        </a:xfrm>
+      </p:grpSpPr>
+      <p:sp>
+        <p:nvSpPr>
+          <p:cNvPr id="201" name="Google Shape;201;g383c06826de_2_110:notes"/>
           <p:cNvSpPr txBox="1"/>
           <p:nvPr>
             <p:ph idx="1" type="body"/>
@@ -1166,7 +1409,7 @@
       </p:sp>
       <p:sp>
         <p:nvSpPr>
-          <p:cNvPr id="180" name="Google Shape;180;g383c06826de_2_110:notes"/>
+          <p:cNvPr id="202" name="Google Shape;202;g383c06826de_2_110:notes"/>
           <p:cNvSpPr/>
           <p:nvPr>
             <p:ph idx="2" type="sldImg"/>
@@ -1456,7 +1699,7 @@
   <p:cSld>
     <p:spTree>
       <p:nvGrpSpPr>
-        <p:cNvPr id="118" name="Shape 118"/>
+        <p:cNvPr id="119" name="Shape 119"/>
         <p:cNvGrpSpPr/>
         <p:nvPr/>
       </p:nvGrpSpPr>
@@ -1470,7 +1713,7 @@
       </p:grpSpPr>
       <p:sp>
         <p:nvSpPr>
-          <p:cNvPr id="119" name="Google Shape;119;g383c06826de_2_66:notes"/>
+          <p:cNvPr id="120" name="Google Shape;120;g383c06826de_2_66:notes"/>
           <p:cNvSpPr txBox="1"/>
           <p:nvPr>
             <p:ph idx="1" type="body"/>
@@ -1517,7 +1760,7 @@
       </p:sp>
       <p:sp>
         <p:nvSpPr>
-          <p:cNvPr id="120" name="Google Shape;120;g383c06826de_2_66:notes"/>
+          <p:cNvPr id="121" name="Google Shape;121;g383c06826de_2_66:notes"/>
           <p:cNvSpPr/>
           <p:nvPr>
             <p:ph idx="2" type="sldImg"/>
@@ -1573,7 +1816,7 @@
   <p:cSld>
     <p:spTree>
       <p:nvGrpSpPr>
-        <p:cNvPr id="125" name="Shape 125"/>
+        <p:cNvPr id="126" name="Shape 126"/>
         <p:cNvGrpSpPr/>
         <p:nvPr/>
       </p:nvGrpSpPr>
@@ -1587,7 +1830,7 @@
       </p:grpSpPr>
       <p:sp>
         <p:nvSpPr>
-          <p:cNvPr id="126" name="Google Shape;126;g383c06826de_2_72:notes"/>
+          <p:cNvPr id="127" name="Google Shape;127;g383c6824025_0_7:notes"/>
           <p:cNvSpPr txBox="1"/>
           <p:nvPr>
             <p:ph idx="1" type="body"/>
@@ -1596,7 +1839,7 @@
         <p:spPr>
           <a:xfrm>
             <a:off x="685800" y="4400550"/>
-            <a:ext cx="5486400" cy="3600450"/>
+            <a:ext cx="5486400" cy="3600600"/>
           </a:xfrm>
           <a:prstGeom prst="rect">
             <a:avLst/>
@@ -1634,7 +1877,7 @@
       </p:sp>
       <p:sp>
         <p:nvSpPr>
-          <p:cNvPr id="127" name="Google Shape;127;g383c06826de_2_72:notes"/>
+          <p:cNvPr id="128" name="Google Shape;128;g383c6824025_0_7:notes"/>
           <p:cNvSpPr/>
           <p:nvPr>
             <p:ph idx="2" type="sldImg"/>
@@ -1704,7 +1947,7 @@
       </p:grpSpPr>
       <p:sp>
         <p:nvSpPr>
-          <p:cNvPr id="134" name="Google Shape;134;g383c06826de_2_79:notes"/>
+          <p:cNvPr id="134" name="Google Shape;134;g383c6824025_0_1:notes"/>
           <p:cNvSpPr txBox="1"/>
           <p:nvPr>
             <p:ph idx="1" type="body"/>
@@ -1713,7 +1956,7 @@
         <p:spPr>
           <a:xfrm>
             <a:off x="685800" y="4400550"/>
-            <a:ext cx="5486400" cy="3600450"/>
+            <a:ext cx="5486400" cy="3600600"/>
           </a:xfrm>
           <a:prstGeom prst="rect">
             <a:avLst/>
@@ -1751,7 +1994,7 @@
       </p:sp>
       <p:sp>
         <p:nvSpPr>
-          <p:cNvPr id="135" name="Google Shape;135;g383c06826de_2_79:notes"/>
+          <p:cNvPr id="135" name="Google Shape;135;g383c6824025_0_1:notes"/>
           <p:cNvSpPr/>
           <p:nvPr>
             <p:ph idx="2" type="sldImg"/>
@@ -1807,7 +2050,7 @@
   <p:cSld>
     <p:spTree>
       <p:nvGrpSpPr>
-        <p:cNvPr id="141" name="Shape 141"/>
+        <p:cNvPr id="140" name="Shape 140"/>
         <p:cNvGrpSpPr/>
         <p:nvPr/>
       </p:nvGrpSpPr>
@@ -1821,7 +2064,7 @@
       </p:grpSpPr>
       <p:sp>
         <p:nvSpPr>
-          <p:cNvPr id="142" name="Google Shape;142;g383c06826de_2_86:notes"/>
+          <p:cNvPr id="141" name="Google Shape;141;g383c06826de_2_72:notes"/>
           <p:cNvSpPr txBox="1"/>
           <p:nvPr>
             <p:ph idx="1" type="body"/>
@@ -1868,7 +2111,7 @@
       </p:sp>
       <p:sp>
         <p:nvSpPr>
-          <p:cNvPr id="143" name="Google Shape;143;g383c06826de_2_86:notes"/>
+          <p:cNvPr id="142" name="Google Shape;142;g383c06826de_2_72:notes"/>
           <p:cNvSpPr/>
           <p:nvPr>
             <p:ph idx="2" type="sldImg"/>
@@ -1924,7 +2167,7 @@
   <p:cSld>
     <p:spTree>
       <p:nvGrpSpPr>
-        <p:cNvPr id="148" name="Shape 148"/>
+        <p:cNvPr id="150" name="Shape 150"/>
         <p:cNvGrpSpPr/>
         <p:nvPr/>
       </p:nvGrpSpPr>
@@ -1938,7 +2181,7 @@
       </p:grpSpPr>
       <p:sp>
         <p:nvSpPr>
-          <p:cNvPr id="149" name="Google Shape;149;g383c06826de_2_92:notes"/>
+          <p:cNvPr id="151" name="Google Shape;151;g383c06826de_2_79:notes"/>
           <p:cNvSpPr txBox="1"/>
           <p:nvPr>
             <p:ph idx="1" type="body"/>
@@ -1985,7 +2228,7 @@
       </p:sp>
       <p:sp>
         <p:nvSpPr>
-          <p:cNvPr id="150" name="Google Shape;150;g383c06826de_2_92:notes"/>
+          <p:cNvPr id="152" name="Google Shape;152;g383c06826de_2_79:notes"/>
           <p:cNvSpPr/>
           <p:nvPr>
             <p:ph idx="2" type="sldImg"/>
@@ -2041,7 +2284,7 @@
   <p:cSld>
     <p:spTree>
       <p:nvGrpSpPr>
-        <p:cNvPr id="155" name="Shape 155"/>
+        <p:cNvPr id="158" name="Shape 158"/>
         <p:cNvGrpSpPr/>
         <p:nvPr/>
       </p:nvGrpSpPr>
@@ -2055,7 +2298,7 @@
       </p:grpSpPr>
       <p:sp>
         <p:nvSpPr>
-          <p:cNvPr id="156" name="Google Shape;156;g383c06826de_2_98:notes"/>
+          <p:cNvPr id="159" name="Google Shape;159;g383c06826de_2_98:notes"/>
           <p:cNvSpPr txBox="1"/>
           <p:nvPr>
             <p:ph idx="1" type="body"/>
@@ -2102,7 +2345,7 @@
       </p:sp>
       <p:sp>
         <p:nvSpPr>
-          <p:cNvPr id="157" name="Google Shape;157;g383c06826de_2_98:notes"/>
+          <p:cNvPr id="160" name="Google Shape;160;g383c06826de_2_98:notes"/>
           <p:cNvSpPr/>
           <p:nvPr>
             <p:ph idx="2" type="sldImg"/>
@@ -12130,7 +12373,7 @@
   <p:cSld>
     <p:spTree>
       <p:nvGrpSpPr>
-        <p:cNvPr id="165" name="Shape 165"/>
+        <p:cNvPr id="173" name="Shape 173"/>
         <p:cNvGrpSpPr/>
         <p:nvPr/>
       </p:nvGrpSpPr>
@@ -12144,7 +12387,7 @@
       </p:grpSpPr>
       <p:sp>
         <p:nvSpPr>
-          <p:cNvPr id="166" name="Google Shape;166;p32"/>
+          <p:cNvPr id="174" name="Google Shape;174;p32"/>
           <p:cNvSpPr txBox="1"/>
           <p:nvPr>
             <p:ph idx="12" type="sldNum"/>
@@ -12192,7 +12435,7 @@
       </p:sp>
       <p:sp>
         <p:nvSpPr>
-          <p:cNvPr id="167" name="Google Shape;167;p32"/>
+          <p:cNvPr id="175" name="Google Shape;175;p32"/>
           <p:cNvSpPr txBox="1"/>
           <p:nvPr/>
         </p:nvSpPr>
@@ -12242,7 +12485,28 @@
                 <a:cs typeface="Montserrat"/>
                 <a:sym typeface="Montserrat"/>
               </a:rPr>
-              <a:t>Conclusion &amp; Future Work</a:t>
+              <a:t>Implementation and Results – Iteration </a:t>
+            </a:r>
+            <a:r>
+              <a:rPr b="1" lang="en-GB" sz="1800">
+                <a:latin typeface="Montserrat"/>
+                <a:ea typeface="Montserrat"/>
+                <a:cs typeface="Montserrat"/>
+                <a:sym typeface="Montserrat"/>
+              </a:rPr>
+              <a:t>2</a:t>
+            </a:r>
+            <a:r>
+              <a:rPr b="1" i="0" lang="en-GB" sz="1800" u="none" cap="none" strike="noStrike">
+                <a:solidFill>
+                  <a:srgbClr val="000000"/>
+                </a:solidFill>
+                <a:latin typeface="Montserrat"/>
+                <a:ea typeface="Montserrat"/>
+                <a:cs typeface="Montserrat"/>
+                <a:sym typeface="Montserrat"/>
+              </a:rPr>
+              <a:t> </a:t>
             </a:r>
             <a:endParaRPr b="0" i="0" sz="1100" u="none" cap="none" strike="noStrike">
               <a:solidFill>
@@ -12258,7 +12522,7 @@
       </p:sp>
       <p:sp>
         <p:nvSpPr>
-          <p:cNvPr id="168" name="Google Shape;168;p32"/>
+          <p:cNvPr id="176" name="Google Shape;176;p32"/>
           <p:cNvSpPr txBox="1"/>
           <p:nvPr/>
         </p:nvSpPr>
@@ -12308,212 +12572,19 @@
                 <a:cs typeface="Verdana"/>
                 <a:sym typeface="Verdana"/>
               </a:rPr>
-              <a:t>Summary and Conclusion </a:t>
-            </a:r>
-            <a:endParaRPr b="0" i="0" sz="1100" u="none" cap="none" strike="noStrike">
-              <a:solidFill>
-                <a:srgbClr val="000000"/>
-              </a:solidFill>
-              <a:latin typeface="Arial"/>
-              <a:ea typeface="Arial"/>
-              <a:cs typeface="Arial"/>
-              <a:sym typeface="Arial"/>
-            </a:endParaRPr>
-          </a:p>
-          <a:p>
-            <a:pPr indent="0" lvl="0" marL="0" marR="0" rtl="0" algn="l">
-              <a:lnSpc>
-                <a:spcPct val="100000"/>
-              </a:lnSpc>
-              <a:spcBef>
-                <a:spcPts val="0"/>
-              </a:spcBef>
-              <a:spcAft>
-                <a:spcPts val="0"/>
-              </a:spcAft>
-              <a:buClr>
-                <a:srgbClr val="000000"/>
-              </a:buClr>
-              <a:buSzPts val="1100"/>
-              <a:buFont typeface="Arial"/>
-              <a:buNone/>
-            </a:pPr>
-            <a:r>
-              <a:t/>
-            </a:r>
-            <a:endParaRPr b="0" i="0" sz="1100" u="none" cap="none" strike="noStrike">
-              <a:solidFill>
-                <a:srgbClr val="000000"/>
-              </a:solidFill>
-              <a:latin typeface="Verdana"/>
-              <a:ea typeface="Verdana"/>
-              <a:cs typeface="Verdana"/>
-              <a:sym typeface="Verdana"/>
-            </a:endParaRPr>
-          </a:p>
-          <a:p>
-            <a:pPr indent="0" lvl="0" marL="0" rtl="0" algn="l">
-              <a:spcBef>
-                <a:spcPts val="0"/>
-              </a:spcBef>
-              <a:spcAft>
-                <a:spcPts val="0"/>
-              </a:spcAft>
-              <a:buNone/>
-            </a:pPr>
-            <a:r>
-              <a:rPr lang="en-GB">
-                <a:solidFill>
-                  <a:schemeClr val="dk1"/>
-                </a:solidFill>
-                <a:latin typeface="Lato"/>
-                <a:ea typeface="Lato"/>
-                <a:cs typeface="Lato"/>
-                <a:sym typeface="Lato"/>
+              <a:t>Iteration </a:t>
+            </a:r>
+            <a:r>
+              <a:rPr b="1" lang="en-GB" sz="1100">
+                <a:latin typeface="Verdana"/>
+                <a:ea typeface="Verdana"/>
+                <a:cs typeface="Verdana"/>
+                <a:sym typeface="Verdana"/>
               </a:rPr>
-              <a:t>The proposed system using ICP algorithm with RANSAC algorithm for proper preprocessing and alignment of the cloudpoint, which gives the extrinsic calibration parameters of the LiDAR to the vehicle, bringing the vehicle perception credibility in a good state with a reduced/optimal metrics, improving its localization and navigation.</a:t>
-            </a:r>
-            <a:endParaRPr>
-              <a:solidFill>
-                <a:schemeClr val="dk1"/>
-              </a:solidFill>
-              <a:latin typeface="Lato"/>
-              <a:ea typeface="Lato"/>
-              <a:cs typeface="Lato"/>
-              <a:sym typeface="Lato"/>
-            </a:endParaRPr>
-          </a:p>
-          <a:p>
-            <a:pPr indent="0" lvl="0" marL="0" rtl="0" algn="l">
-              <a:spcBef>
-                <a:spcPts val="0"/>
-              </a:spcBef>
-              <a:spcAft>
-                <a:spcPts val="0"/>
-              </a:spcAft>
-              <a:buNone/>
-            </a:pPr>
-            <a:r>
-              <a:t/>
-            </a:r>
-            <a:endParaRPr>
-              <a:solidFill>
-                <a:schemeClr val="dk1"/>
-              </a:solidFill>
-              <a:latin typeface="Lato"/>
-              <a:ea typeface="Lato"/>
-              <a:cs typeface="Lato"/>
-              <a:sym typeface="Lato"/>
-            </a:endParaRPr>
-          </a:p>
-          <a:p>
-            <a:pPr indent="0" lvl="0" marL="0" rtl="0" algn="l">
-              <a:spcBef>
-                <a:spcPts val="0"/>
-              </a:spcBef>
-              <a:spcAft>
-                <a:spcPts val="0"/>
-              </a:spcAft>
-              <a:buNone/>
-            </a:pPr>
-            <a:r>
-              <a:rPr lang="en-GB">
-                <a:solidFill>
-                  <a:schemeClr val="dk1"/>
-                </a:solidFill>
-                <a:latin typeface="Lato"/>
-                <a:ea typeface="Lato"/>
-                <a:cs typeface="Lato"/>
-                <a:sym typeface="Lato"/>
-              </a:rPr>
-              <a:t>LiDAR calibration is essential for ensuring accurate spatial perception and sensor fusion in autonomous vehicles, particularly when integrated with modalities like mmWave radar or other sensors. Precise calibration minimizes misalignment, reduces environmental noise, and enhances object detection reliability across dynamic conditions.</a:t>
-            </a:r>
-            <a:endParaRPr b="0" i="0" sz="700" u="none" cap="none" strike="noStrike">
-              <a:solidFill>
-                <a:schemeClr val="dk1"/>
-              </a:solidFill>
-              <a:latin typeface="Verdana"/>
-              <a:ea typeface="Verdana"/>
-              <a:cs typeface="Verdana"/>
-              <a:sym typeface="Verdana"/>
-            </a:endParaRPr>
-          </a:p>
-          <a:p>
-            <a:pPr indent="0" lvl="0" marL="0" marR="0" rtl="0" algn="l">
-              <a:lnSpc>
-                <a:spcPct val="100000"/>
-              </a:lnSpc>
-              <a:spcBef>
-                <a:spcPts val="0"/>
-              </a:spcBef>
-              <a:spcAft>
-                <a:spcPts val="0"/>
-              </a:spcAft>
-              <a:buClr>
-                <a:srgbClr val="000000"/>
-              </a:buClr>
-              <a:buSzPts val="1100"/>
-              <a:buFont typeface="Arial"/>
-              <a:buNone/>
-            </a:pPr>
-            <a:r>
-              <a:t/>
-            </a:r>
-            <a:endParaRPr sz="1100">
-              <a:latin typeface="Verdana"/>
-              <a:ea typeface="Verdana"/>
-              <a:cs typeface="Verdana"/>
-              <a:sym typeface="Verdana"/>
-            </a:endParaRPr>
-          </a:p>
-          <a:p>
-            <a:pPr indent="0" lvl="0" marL="0" marR="0" rtl="0" algn="l">
-              <a:lnSpc>
-                <a:spcPct val="100000"/>
-              </a:lnSpc>
-              <a:spcBef>
-                <a:spcPts val="0"/>
-              </a:spcBef>
-              <a:spcAft>
-                <a:spcPts val="0"/>
-              </a:spcAft>
-              <a:buClr>
-                <a:srgbClr val="000000"/>
-              </a:buClr>
-              <a:buSzPts val="1100"/>
-              <a:buFont typeface="Arial"/>
-              <a:buNone/>
-            </a:pPr>
-            <a:r>
-              <a:t/>
-            </a:r>
-            <a:endParaRPr sz="1100">
-              <a:latin typeface="Verdana"/>
-              <a:ea typeface="Verdana"/>
-              <a:cs typeface="Verdana"/>
-              <a:sym typeface="Verdana"/>
-            </a:endParaRPr>
-          </a:p>
-          <a:p>
-            <a:pPr indent="0" lvl="0" marL="0" marR="0" rtl="0" algn="l">
-              <a:lnSpc>
-                <a:spcPct val="100000"/>
-              </a:lnSpc>
-              <a:spcBef>
-                <a:spcPts val="0"/>
-              </a:spcBef>
-              <a:spcAft>
-                <a:spcPts val="0"/>
-              </a:spcAft>
-              <a:buClr>
-                <a:srgbClr val="000000"/>
-              </a:buClr>
-              <a:buSzPts val="1100"/>
-              <a:buFont typeface="Arial"/>
-              <a:buNone/>
-            </a:pPr>
-            <a:r>
-              <a:rPr b="1" i="0" lang="en-GB" sz="1500" u="none" cap="none" strike="noStrike">
+              <a:t>2</a:t>
+            </a:r>
+            <a:r>
+              <a:rPr b="1" i="0" lang="en-GB" sz="1100" u="none" cap="none" strike="noStrike">
                 <a:solidFill>
                   <a:srgbClr val="000000"/>
                 </a:solidFill>
@@ -12522,9 +12593,9 @@
                 <a:cs typeface="Verdana"/>
                 <a:sym typeface="Verdana"/>
               </a:rPr>
-              <a:t>Future Work</a:t>
-            </a:r>
-            <a:endParaRPr b="0" i="0" sz="1500" u="none" cap="none" strike="noStrike">
+              <a:t> : Results </a:t>
+            </a:r>
+            <a:endParaRPr b="0" i="0" sz="1100" u="none" cap="none" strike="noStrike">
               <a:solidFill>
                 <a:srgbClr val="000000"/>
               </a:solidFill>
@@ -12555,7 +12626,10 @@
             <a:r>
               <a:t/>
             </a:r>
-            <a:endParaRPr sz="1100">
+            <a:endParaRPr b="0" i="0" sz="1100" u="none" cap="none" strike="noStrike">
+              <a:solidFill>
+                <a:srgbClr val="000000"/>
+              </a:solidFill>
               <a:latin typeface="Verdana"/>
               <a:ea typeface="Verdana"/>
               <a:cs typeface="Verdana"/>
@@ -12563,7 +12637,7 @@
             </a:endParaRPr>
           </a:p>
           <a:p>
-            <a:pPr indent="0" lvl="0" marL="0" marR="0" rtl="0" algn="l">
+            <a:pPr indent="-152400" lvl="0" marL="215900" marR="0" rtl="0" algn="l">
               <a:lnSpc>
                 <a:spcPct val="100000"/>
               </a:lnSpc>
@@ -12581,15 +12655,43 @@
               <a:buNone/>
             </a:pPr>
             <a:r>
-              <a:rPr lang="en-GB" sz="1100">
-                <a:latin typeface="Verdana"/>
-                <a:ea typeface="Verdana"/>
-                <a:cs typeface="Verdana"/>
-                <a:sym typeface="Verdana"/>
-              </a:rPr>
-              <a:t>Pair-pair calibration, ike LiDAR to LiDAR,etc, of each model to enable mutual metrics validation and distinct homogeneous calibration</a:t>
-            </a:r>
-            <a:endParaRPr sz="1100">
+              <a:t/>
+            </a:r>
+            <a:endParaRPr b="0" i="0" sz="1100" u="none" cap="none" strike="noStrike">
+              <a:solidFill>
+                <a:srgbClr val="000000"/>
+              </a:solidFill>
+              <a:latin typeface="Verdana"/>
+              <a:ea typeface="Verdana"/>
+              <a:cs typeface="Verdana"/>
+              <a:sym typeface="Verdana"/>
+            </a:endParaRPr>
+          </a:p>
+          <a:p>
+            <a:pPr indent="0" lvl="0" marL="0" marR="0" rtl="0" algn="l">
+              <a:lnSpc>
+                <a:spcPct val="100000"/>
+              </a:lnSpc>
+              <a:spcBef>
+                <a:spcPts val="0"/>
+              </a:spcBef>
+              <a:spcAft>
+                <a:spcPts val="0"/>
+              </a:spcAft>
+              <a:buClr>
+                <a:srgbClr val="000000"/>
+              </a:buClr>
+              <a:buSzPts val="1100"/>
+              <a:buFont typeface="Arial"/>
+              <a:buNone/>
+            </a:pPr>
+            <a:r>
+              <a:t/>
+            </a:r>
+            <a:endParaRPr b="0" i="0" sz="1100" u="none" cap="none" strike="noStrike">
+              <a:solidFill>
+                <a:srgbClr val="000000"/>
+              </a:solidFill>
               <a:latin typeface="Verdana"/>
               <a:ea typeface="Verdana"/>
               <a:cs typeface="Verdana"/>
@@ -12611,7 +12713,7 @@
   <p:cSld>
     <p:spTree>
       <p:nvGrpSpPr>
-        <p:cNvPr id="172" name="Shape 172"/>
+        <p:cNvPr id="180" name="Shape 180"/>
         <p:cNvGrpSpPr/>
         <p:nvPr/>
       </p:nvGrpSpPr>
@@ -12625,7 +12727,828 @@
       </p:grpSpPr>
       <p:sp>
         <p:nvSpPr>
-          <p:cNvPr id="173" name="Google Shape;173;p33"/>
+          <p:cNvPr id="181" name="Google Shape;181;p33"/>
+          <p:cNvSpPr txBox="1"/>
+          <p:nvPr>
+            <p:ph idx="12" type="sldNum"/>
+          </p:nvPr>
+        </p:nvSpPr>
+        <p:spPr>
+          <a:xfrm>
+            <a:off x="7086599" y="4869656"/>
+            <a:ext cx="2057400" cy="273844"/>
+          </a:xfrm>
+          <a:prstGeom prst="rect">
+            <a:avLst/>
+          </a:prstGeom>
+          <a:noFill/>
+          <a:ln>
+            <a:noFill/>
+          </a:ln>
+        </p:spPr>
+        <p:txBody>
+          <a:bodyPr anchorCtr="0" anchor="ctr" bIns="34275" lIns="68575" spcFirstLastPara="1" rIns="68575" wrap="square" tIns="34275">
+            <a:noAutofit/>
+          </a:bodyPr>
+          <a:lstStyle/>
+          <a:p>
+            <a:pPr indent="0" lvl="0" marL="0" rtl="0" algn="r">
+              <a:lnSpc>
+                <a:spcPct val="100000"/>
+              </a:lnSpc>
+              <a:spcBef>
+                <a:spcPts val="0"/>
+              </a:spcBef>
+              <a:spcAft>
+                <a:spcPts val="0"/>
+              </a:spcAft>
+              <a:buSzPts val="900"/>
+              <a:buNone/>
+            </a:pPr>
+            <a:fld id="{00000000-1234-1234-1234-123412341234}" type="slidenum">
+              <a:rPr lang="en-GB"/>
+              <a:t>‹#›</a:t>
+            </a:fld>
+            <a:endParaRPr/>
+          </a:p>
+        </p:txBody>
+      </p:sp>
+      <p:sp>
+        <p:nvSpPr>
+          <p:cNvPr id="182" name="Google Shape;182;p33"/>
+          <p:cNvSpPr txBox="1"/>
+          <p:nvPr/>
+        </p:nvSpPr>
+        <p:spPr>
+          <a:xfrm>
+            <a:off x="750093" y="174206"/>
+            <a:ext cx="7886700" cy="370393"/>
+          </a:xfrm>
+          <a:prstGeom prst="rect">
+            <a:avLst/>
+          </a:prstGeom>
+          <a:noFill/>
+          <a:ln>
+            <a:noFill/>
+          </a:ln>
+        </p:spPr>
+        <p:txBody>
+          <a:bodyPr anchorCtr="0" anchor="t" bIns="34275" lIns="68575" spcFirstLastPara="1" rIns="68575" wrap="square" tIns="34275">
+            <a:noAutofit/>
+          </a:bodyPr>
+          <a:lstStyle/>
+          <a:p>
+            <a:pPr indent="0" lvl="0" marL="0" marR="0" rtl="0" algn="ctr">
+              <a:lnSpc>
+                <a:spcPct val="100000"/>
+              </a:lnSpc>
+              <a:spcBef>
+                <a:spcPts val="0"/>
+              </a:spcBef>
+              <a:spcAft>
+                <a:spcPts val="0"/>
+              </a:spcAft>
+              <a:buClr>
+                <a:srgbClr val="000000"/>
+              </a:buClr>
+              <a:buSzPts val="1800"/>
+              <a:buFont typeface="Arial"/>
+              <a:buNone/>
+            </a:pPr>
+            <a:r>
+              <a:rPr b="1" i="0" lang="en-GB" sz="1800" u="none" cap="none" strike="noStrike">
+                <a:solidFill>
+                  <a:srgbClr val="000000"/>
+                </a:solidFill>
+                <a:latin typeface="Montserrat"/>
+                <a:ea typeface="Montserrat"/>
+                <a:cs typeface="Montserrat"/>
+                <a:sym typeface="Montserrat"/>
+              </a:rPr>
+              <a:t>Implementation and Results – Iteration </a:t>
+            </a:r>
+            <a:r>
+              <a:rPr b="1" lang="en-GB" sz="1800">
+                <a:latin typeface="Montserrat"/>
+                <a:ea typeface="Montserrat"/>
+                <a:cs typeface="Montserrat"/>
+                <a:sym typeface="Montserrat"/>
+              </a:rPr>
+              <a:t>3</a:t>
+            </a:r>
+            <a:r>
+              <a:rPr b="1" i="0" lang="en-GB" sz="1800" u="none" cap="none" strike="noStrike">
+                <a:solidFill>
+                  <a:srgbClr val="000000"/>
+                </a:solidFill>
+                <a:latin typeface="Montserrat"/>
+                <a:ea typeface="Montserrat"/>
+                <a:cs typeface="Montserrat"/>
+                <a:sym typeface="Montserrat"/>
+              </a:rPr>
+              <a:t> (Optional)</a:t>
+            </a:r>
+            <a:endParaRPr b="0" i="0" sz="1100" u="none" cap="none" strike="noStrike">
+              <a:solidFill>
+                <a:srgbClr val="000000"/>
+              </a:solidFill>
+              <a:latin typeface="Arial"/>
+              <a:ea typeface="Arial"/>
+              <a:cs typeface="Arial"/>
+              <a:sym typeface="Arial"/>
+            </a:endParaRPr>
+          </a:p>
+        </p:txBody>
+      </p:sp>
+      <p:sp>
+        <p:nvSpPr>
+          <p:cNvPr id="183" name="Google Shape;183;p33"/>
+          <p:cNvSpPr txBox="1"/>
+          <p:nvPr/>
+        </p:nvSpPr>
+        <p:spPr>
+          <a:xfrm>
+            <a:off x="339212" y="653649"/>
+            <a:ext cx="8495071" cy="4301821"/>
+          </a:xfrm>
+          <a:prstGeom prst="rect">
+            <a:avLst/>
+          </a:prstGeom>
+          <a:noFill/>
+          <a:ln>
+            <a:noFill/>
+          </a:ln>
+        </p:spPr>
+        <p:txBody>
+          <a:bodyPr anchorCtr="0" anchor="t" bIns="34275" lIns="68575" spcFirstLastPara="1" rIns="68575" wrap="square" tIns="34275">
+            <a:noAutofit/>
+          </a:bodyPr>
+          <a:lstStyle/>
+          <a:p>
+            <a:pPr indent="0" lvl="0" marL="0" marR="0" rtl="0" algn="l">
+              <a:lnSpc>
+                <a:spcPct val="100000"/>
+              </a:lnSpc>
+              <a:spcBef>
+                <a:spcPts val="0"/>
+              </a:spcBef>
+              <a:spcAft>
+                <a:spcPts val="0"/>
+              </a:spcAft>
+              <a:buClr>
+                <a:srgbClr val="000000"/>
+              </a:buClr>
+              <a:buSzPts val="1100"/>
+              <a:buFont typeface="Arial"/>
+              <a:buNone/>
+            </a:pPr>
+            <a:r>
+              <a:rPr b="1" i="0" lang="en-GB" sz="1100" u="none" cap="none" strike="noStrike">
+                <a:solidFill>
+                  <a:srgbClr val="000000"/>
+                </a:solidFill>
+                <a:latin typeface="Verdana"/>
+                <a:ea typeface="Verdana"/>
+                <a:cs typeface="Verdana"/>
+                <a:sym typeface="Verdana"/>
+              </a:rPr>
+              <a:t>Iteration</a:t>
+            </a:r>
+            <a:r>
+              <a:rPr b="1" lang="en-GB" sz="1100">
+                <a:latin typeface="Verdana"/>
+                <a:ea typeface="Verdana"/>
+                <a:cs typeface="Verdana"/>
+                <a:sym typeface="Verdana"/>
+              </a:rPr>
+              <a:t>3</a:t>
+            </a:r>
+            <a:r>
+              <a:rPr b="1" i="0" lang="en-GB" sz="1100" u="none" cap="none" strike="noStrike">
+                <a:solidFill>
+                  <a:srgbClr val="000000"/>
+                </a:solidFill>
+                <a:latin typeface="Verdana"/>
+                <a:ea typeface="Verdana"/>
+                <a:cs typeface="Verdana"/>
+                <a:sym typeface="Verdana"/>
+              </a:rPr>
+              <a:t> : Results + Validation against the use cases and test cases </a:t>
+            </a:r>
+            <a:endParaRPr b="0" i="0" sz="1100" u="none" cap="none" strike="noStrike">
+              <a:solidFill>
+                <a:srgbClr val="000000"/>
+              </a:solidFill>
+              <a:latin typeface="Arial"/>
+              <a:ea typeface="Arial"/>
+              <a:cs typeface="Arial"/>
+              <a:sym typeface="Arial"/>
+            </a:endParaRPr>
+          </a:p>
+          <a:p>
+            <a:pPr indent="0" lvl="0" marL="0" marR="0" rtl="0" algn="l">
+              <a:lnSpc>
+                <a:spcPct val="100000"/>
+              </a:lnSpc>
+              <a:spcBef>
+                <a:spcPts val="0"/>
+              </a:spcBef>
+              <a:spcAft>
+                <a:spcPts val="0"/>
+              </a:spcAft>
+              <a:buClr>
+                <a:srgbClr val="000000"/>
+              </a:buClr>
+              <a:buSzPts val="1100"/>
+              <a:buFont typeface="Arial"/>
+              <a:buNone/>
+            </a:pPr>
+            <a:r>
+              <a:t/>
+            </a:r>
+            <a:endParaRPr b="0" i="0" sz="1100" u="none" cap="none" strike="noStrike">
+              <a:solidFill>
+                <a:srgbClr val="000000"/>
+              </a:solidFill>
+              <a:latin typeface="Verdana"/>
+              <a:ea typeface="Verdana"/>
+              <a:cs typeface="Verdana"/>
+              <a:sym typeface="Verdana"/>
+            </a:endParaRPr>
+          </a:p>
+          <a:p>
+            <a:pPr indent="-152400" lvl="0" marL="215900" marR="0" rtl="0" algn="l">
+              <a:lnSpc>
+                <a:spcPct val="100000"/>
+              </a:lnSpc>
+              <a:spcBef>
+                <a:spcPts val="0"/>
+              </a:spcBef>
+              <a:spcAft>
+                <a:spcPts val="0"/>
+              </a:spcAft>
+              <a:buClr>
+                <a:srgbClr val="000000"/>
+              </a:buClr>
+              <a:buSzPts val="1100"/>
+              <a:buFont typeface="Arial"/>
+              <a:buNone/>
+            </a:pPr>
+            <a:r>
+              <a:t/>
+            </a:r>
+            <a:endParaRPr b="0" i="0" sz="1100" u="none" cap="none" strike="noStrike">
+              <a:solidFill>
+                <a:srgbClr val="000000"/>
+              </a:solidFill>
+              <a:latin typeface="Verdana"/>
+              <a:ea typeface="Verdana"/>
+              <a:cs typeface="Verdana"/>
+              <a:sym typeface="Verdana"/>
+            </a:endParaRPr>
+          </a:p>
+          <a:p>
+            <a:pPr indent="0" lvl="0" marL="0" marR="0" rtl="0" algn="l">
+              <a:lnSpc>
+                <a:spcPct val="100000"/>
+              </a:lnSpc>
+              <a:spcBef>
+                <a:spcPts val="0"/>
+              </a:spcBef>
+              <a:spcAft>
+                <a:spcPts val="0"/>
+              </a:spcAft>
+              <a:buClr>
+                <a:srgbClr val="000000"/>
+              </a:buClr>
+              <a:buSzPts val="1100"/>
+              <a:buFont typeface="Arial"/>
+              <a:buNone/>
+            </a:pPr>
+            <a:r>
+              <a:t/>
+            </a:r>
+            <a:endParaRPr b="0" i="0" sz="1100" u="none" cap="none" strike="noStrike">
+              <a:solidFill>
+                <a:srgbClr val="000000"/>
+              </a:solidFill>
+              <a:latin typeface="Verdana"/>
+              <a:ea typeface="Verdana"/>
+              <a:cs typeface="Verdana"/>
+              <a:sym typeface="Verdana"/>
+            </a:endParaRPr>
+          </a:p>
+        </p:txBody>
+      </p:sp>
+    </p:spTree>
+  </p:cSld>
+  <p:clrMapOvr>
+    <a:masterClrMapping/>
+  </p:clrMapOvr>
+</p:sld>
+</file>
+
+<file path=ppt/slides/slide12.xml><?xml version="1.0" encoding="utf-8"?>
+<p:sld xmlns:a="http://schemas.openxmlformats.org/drawingml/2006/main" xmlns:r="http://schemas.openxmlformats.org/officeDocument/2006/relationships" xmlns:mc="http://schemas.openxmlformats.org/markup-compatibility/2006" xmlns:mv="urn:schemas-microsoft-com:mac:vml" xmlns:p="http://schemas.openxmlformats.org/presentationml/2006/main" xmlns:c="http://schemas.openxmlformats.org/drawingml/2006/chart" xmlns:dgm="http://schemas.openxmlformats.org/drawingml/2006/diagram" xmlns:o="urn:schemas-microsoft-com:office:office" xmlns:v="urn:schemas-microsoft-com:vml" xmlns:pvml="urn:schemas-microsoft-com:office:powerpoint" xmlns:com="http://schemas.openxmlformats.org/drawingml/2006/compatibility" xmlns:p14="http://schemas.microsoft.com/office/powerpoint/2010/main" xmlns:p15="http://schemas.microsoft.com/office/powerpoint/2012/main" xmlns:ahyp="http://schemas.microsoft.com/office/drawing/2018/hyperlinkcolor">
+  <p:cSld>
+    <p:spTree>
+      <p:nvGrpSpPr>
+        <p:cNvPr id="187" name="Shape 187"/>
+        <p:cNvGrpSpPr/>
+        <p:nvPr/>
+      </p:nvGrpSpPr>
+      <p:grpSpPr>
+        <a:xfrm>
+          <a:off x="0" y="0"/>
+          <a:ext cx="0" cy="0"/>
+          <a:chOff x="0" y="0"/>
+          <a:chExt cx="0" cy="0"/>
+        </a:xfrm>
+      </p:grpSpPr>
+      <p:sp>
+        <p:nvSpPr>
+          <p:cNvPr id="188" name="Google Shape;188;p34"/>
+          <p:cNvSpPr txBox="1"/>
+          <p:nvPr>
+            <p:ph idx="12" type="sldNum"/>
+          </p:nvPr>
+        </p:nvSpPr>
+        <p:spPr>
+          <a:xfrm>
+            <a:off x="7086599" y="4869656"/>
+            <a:ext cx="2057400" cy="273844"/>
+          </a:xfrm>
+          <a:prstGeom prst="rect">
+            <a:avLst/>
+          </a:prstGeom>
+          <a:noFill/>
+          <a:ln>
+            <a:noFill/>
+          </a:ln>
+        </p:spPr>
+        <p:txBody>
+          <a:bodyPr anchorCtr="0" anchor="ctr" bIns="34275" lIns="68575" spcFirstLastPara="1" rIns="68575" wrap="square" tIns="34275">
+            <a:noAutofit/>
+          </a:bodyPr>
+          <a:lstStyle/>
+          <a:p>
+            <a:pPr indent="0" lvl="0" marL="0" rtl="0" algn="r">
+              <a:lnSpc>
+                <a:spcPct val="100000"/>
+              </a:lnSpc>
+              <a:spcBef>
+                <a:spcPts val="0"/>
+              </a:spcBef>
+              <a:spcAft>
+                <a:spcPts val="0"/>
+              </a:spcAft>
+              <a:buSzPts val="900"/>
+              <a:buNone/>
+            </a:pPr>
+            <a:fld id="{00000000-1234-1234-1234-123412341234}" type="slidenum">
+              <a:rPr lang="en-GB"/>
+              <a:t>‹#›</a:t>
+            </a:fld>
+            <a:endParaRPr/>
+          </a:p>
+        </p:txBody>
+      </p:sp>
+      <p:sp>
+        <p:nvSpPr>
+          <p:cNvPr id="189" name="Google Shape;189;p34"/>
+          <p:cNvSpPr txBox="1"/>
+          <p:nvPr/>
+        </p:nvSpPr>
+        <p:spPr>
+          <a:xfrm>
+            <a:off x="750093" y="174206"/>
+            <a:ext cx="7886700" cy="370393"/>
+          </a:xfrm>
+          <a:prstGeom prst="rect">
+            <a:avLst/>
+          </a:prstGeom>
+          <a:noFill/>
+          <a:ln>
+            <a:noFill/>
+          </a:ln>
+        </p:spPr>
+        <p:txBody>
+          <a:bodyPr anchorCtr="0" anchor="t" bIns="34275" lIns="68575" spcFirstLastPara="1" rIns="68575" wrap="square" tIns="34275">
+            <a:noAutofit/>
+          </a:bodyPr>
+          <a:lstStyle/>
+          <a:p>
+            <a:pPr indent="0" lvl="0" marL="0" marR="0" rtl="0" algn="ctr">
+              <a:lnSpc>
+                <a:spcPct val="100000"/>
+              </a:lnSpc>
+              <a:spcBef>
+                <a:spcPts val="0"/>
+              </a:spcBef>
+              <a:spcAft>
+                <a:spcPts val="0"/>
+              </a:spcAft>
+              <a:buClr>
+                <a:srgbClr val="000000"/>
+              </a:buClr>
+              <a:buSzPts val="1800"/>
+              <a:buFont typeface="Arial"/>
+              <a:buNone/>
+            </a:pPr>
+            <a:r>
+              <a:rPr b="1" i="0" lang="en-GB" sz="1800" u="none" cap="none" strike="noStrike">
+                <a:solidFill>
+                  <a:srgbClr val="000000"/>
+                </a:solidFill>
+                <a:latin typeface="Montserrat"/>
+                <a:ea typeface="Montserrat"/>
+                <a:cs typeface="Montserrat"/>
+                <a:sym typeface="Montserrat"/>
+              </a:rPr>
+              <a:t>Conclusion &amp; Future Work</a:t>
+            </a:r>
+            <a:endParaRPr b="0" i="0" sz="1100" u="none" cap="none" strike="noStrike">
+              <a:solidFill>
+                <a:srgbClr val="000000"/>
+              </a:solidFill>
+              <a:latin typeface="Arial"/>
+              <a:ea typeface="Arial"/>
+              <a:cs typeface="Arial"/>
+              <a:sym typeface="Arial"/>
+            </a:endParaRPr>
+          </a:p>
+        </p:txBody>
+      </p:sp>
+      <p:sp>
+        <p:nvSpPr>
+          <p:cNvPr id="190" name="Google Shape;190;p34"/>
+          <p:cNvSpPr txBox="1"/>
+          <p:nvPr/>
+        </p:nvSpPr>
+        <p:spPr>
+          <a:xfrm>
+            <a:off x="339212" y="653649"/>
+            <a:ext cx="8495071" cy="4301821"/>
+          </a:xfrm>
+          <a:prstGeom prst="rect">
+            <a:avLst/>
+          </a:prstGeom>
+          <a:noFill/>
+          <a:ln>
+            <a:noFill/>
+          </a:ln>
+        </p:spPr>
+        <p:txBody>
+          <a:bodyPr anchorCtr="0" anchor="t" bIns="34275" lIns="68575" spcFirstLastPara="1" rIns="68575" wrap="square" tIns="34275">
+            <a:noAutofit/>
+          </a:bodyPr>
+          <a:lstStyle/>
+          <a:p>
+            <a:pPr indent="0" lvl="0" marL="0" marR="0" rtl="0" algn="l">
+              <a:lnSpc>
+                <a:spcPct val="100000"/>
+              </a:lnSpc>
+              <a:spcBef>
+                <a:spcPts val="0"/>
+              </a:spcBef>
+              <a:spcAft>
+                <a:spcPts val="0"/>
+              </a:spcAft>
+              <a:buClr>
+                <a:srgbClr val="000000"/>
+              </a:buClr>
+              <a:buSzPts val="1100"/>
+              <a:buFont typeface="Arial"/>
+              <a:buNone/>
+            </a:pPr>
+            <a:r>
+              <a:rPr b="1" i="0" lang="en-GB" sz="1500" u="none" cap="none" strike="noStrike">
+                <a:solidFill>
+                  <a:srgbClr val="000000"/>
+                </a:solidFill>
+                <a:latin typeface="Verdana"/>
+                <a:ea typeface="Verdana"/>
+                <a:cs typeface="Verdana"/>
+                <a:sym typeface="Verdana"/>
+              </a:rPr>
+              <a:t>Summary and Conclusion </a:t>
+            </a:r>
+            <a:endParaRPr b="0" i="0" sz="1500" u="none" cap="none" strike="noStrike">
+              <a:solidFill>
+                <a:srgbClr val="000000"/>
+              </a:solidFill>
+              <a:latin typeface="Arial"/>
+              <a:ea typeface="Arial"/>
+              <a:cs typeface="Arial"/>
+              <a:sym typeface="Arial"/>
+            </a:endParaRPr>
+          </a:p>
+          <a:p>
+            <a:pPr indent="0" lvl="0" marL="0" marR="0" rtl="0" algn="l">
+              <a:lnSpc>
+                <a:spcPct val="100000"/>
+              </a:lnSpc>
+              <a:spcBef>
+                <a:spcPts val="0"/>
+              </a:spcBef>
+              <a:spcAft>
+                <a:spcPts val="0"/>
+              </a:spcAft>
+              <a:buClr>
+                <a:srgbClr val="000000"/>
+              </a:buClr>
+              <a:buSzPts val="1100"/>
+              <a:buFont typeface="Arial"/>
+              <a:buNone/>
+            </a:pPr>
+            <a:r>
+              <a:t/>
+            </a:r>
+            <a:endParaRPr b="0" i="0" sz="1100" u="none" cap="none" strike="noStrike">
+              <a:solidFill>
+                <a:srgbClr val="000000"/>
+              </a:solidFill>
+              <a:latin typeface="Verdana"/>
+              <a:ea typeface="Verdana"/>
+              <a:cs typeface="Verdana"/>
+              <a:sym typeface="Verdana"/>
+            </a:endParaRPr>
+          </a:p>
+          <a:p>
+            <a:pPr indent="0" lvl="0" marL="0" rtl="0" algn="l">
+              <a:spcBef>
+                <a:spcPts val="0"/>
+              </a:spcBef>
+              <a:spcAft>
+                <a:spcPts val="0"/>
+              </a:spcAft>
+              <a:buNone/>
+            </a:pPr>
+            <a:r>
+              <a:rPr lang="en-GB">
+                <a:solidFill>
+                  <a:schemeClr val="dk1"/>
+                </a:solidFill>
+                <a:latin typeface="Lato"/>
+                <a:ea typeface="Lato"/>
+                <a:cs typeface="Lato"/>
+                <a:sym typeface="Lato"/>
+              </a:rPr>
+              <a:t>The proposed system using ICP algorithm with RANSAC algorithm for proper preprocessing and alignment of the cloudpoint, which gives the extrinsic calibration parameters of the LiDAR to the vehicle, bringing the vehicle perception credibility in a good state with a reduced/optimal metrics, improving its localization and navigation.</a:t>
+            </a:r>
+            <a:endParaRPr>
+              <a:solidFill>
+                <a:schemeClr val="dk1"/>
+              </a:solidFill>
+              <a:latin typeface="Lato"/>
+              <a:ea typeface="Lato"/>
+              <a:cs typeface="Lato"/>
+              <a:sym typeface="Lato"/>
+            </a:endParaRPr>
+          </a:p>
+          <a:p>
+            <a:pPr indent="0" lvl="0" marL="0" rtl="0" algn="l">
+              <a:spcBef>
+                <a:spcPts val="0"/>
+              </a:spcBef>
+              <a:spcAft>
+                <a:spcPts val="0"/>
+              </a:spcAft>
+              <a:buNone/>
+            </a:pPr>
+            <a:r>
+              <a:t/>
+            </a:r>
+            <a:endParaRPr>
+              <a:solidFill>
+                <a:schemeClr val="dk1"/>
+              </a:solidFill>
+              <a:latin typeface="Lato"/>
+              <a:ea typeface="Lato"/>
+              <a:cs typeface="Lato"/>
+              <a:sym typeface="Lato"/>
+            </a:endParaRPr>
+          </a:p>
+          <a:p>
+            <a:pPr indent="0" lvl="0" marL="0" rtl="0" algn="l">
+              <a:spcBef>
+                <a:spcPts val="0"/>
+              </a:spcBef>
+              <a:spcAft>
+                <a:spcPts val="0"/>
+              </a:spcAft>
+              <a:buNone/>
+            </a:pPr>
+            <a:r>
+              <a:rPr lang="en-GB">
+                <a:solidFill>
+                  <a:schemeClr val="dk1"/>
+                </a:solidFill>
+                <a:latin typeface="Lato"/>
+                <a:ea typeface="Lato"/>
+                <a:cs typeface="Lato"/>
+                <a:sym typeface="Lato"/>
+              </a:rPr>
+              <a:t>LiDAR calibration is essential for ensuring accurate spatial perception and sensor fusion in autonomous vehicles, particularly when integrated with modalities like mmWave radar or other sensors. Precise calibration minimizes misalignment, reduces environmental noise, and enhances object detection reliability across dynamic conditions.</a:t>
+            </a:r>
+            <a:endParaRPr b="0" i="0" sz="700" u="none" cap="none" strike="noStrike">
+              <a:solidFill>
+                <a:schemeClr val="dk1"/>
+              </a:solidFill>
+              <a:latin typeface="Verdana"/>
+              <a:ea typeface="Verdana"/>
+              <a:cs typeface="Verdana"/>
+              <a:sym typeface="Verdana"/>
+            </a:endParaRPr>
+          </a:p>
+          <a:p>
+            <a:pPr indent="0" lvl="0" marL="0" marR="0" rtl="0" algn="l">
+              <a:lnSpc>
+                <a:spcPct val="100000"/>
+              </a:lnSpc>
+              <a:spcBef>
+                <a:spcPts val="0"/>
+              </a:spcBef>
+              <a:spcAft>
+                <a:spcPts val="0"/>
+              </a:spcAft>
+              <a:buClr>
+                <a:srgbClr val="000000"/>
+              </a:buClr>
+              <a:buSzPts val="1100"/>
+              <a:buFont typeface="Arial"/>
+              <a:buNone/>
+            </a:pPr>
+            <a:r>
+              <a:t/>
+            </a:r>
+            <a:endParaRPr sz="1100">
+              <a:latin typeface="Verdana"/>
+              <a:ea typeface="Verdana"/>
+              <a:cs typeface="Verdana"/>
+              <a:sym typeface="Verdana"/>
+            </a:endParaRPr>
+          </a:p>
+          <a:p>
+            <a:pPr indent="0" lvl="0" marL="0" marR="0" rtl="0" algn="l">
+              <a:lnSpc>
+                <a:spcPct val="100000"/>
+              </a:lnSpc>
+              <a:spcBef>
+                <a:spcPts val="0"/>
+              </a:spcBef>
+              <a:spcAft>
+                <a:spcPts val="0"/>
+              </a:spcAft>
+              <a:buClr>
+                <a:srgbClr val="000000"/>
+              </a:buClr>
+              <a:buSzPts val="1100"/>
+              <a:buFont typeface="Arial"/>
+              <a:buNone/>
+            </a:pPr>
+            <a:r>
+              <a:t/>
+            </a:r>
+            <a:endParaRPr sz="1100">
+              <a:latin typeface="Verdana"/>
+              <a:ea typeface="Verdana"/>
+              <a:cs typeface="Verdana"/>
+              <a:sym typeface="Verdana"/>
+            </a:endParaRPr>
+          </a:p>
+          <a:p>
+            <a:pPr indent="0" lvl="0" marL="0" marR="0" rtl="0" algn="l">
+              <a:lnSpc>
+                <a:spcPct val="100000"/>
+              </a:lnSpc>
+              <a:spcBef>
+                <a:spcPts val="0"/>
+              </a:spcBef>
+              <a:spcAft>
+                <a:spcPts val="0"/>
+              </a:spcAft>
+              <a:buClr>
+                <a:srgbClr val="000000"/>
+              </a:buClr>
+              <a:buSzPts val="1100"/>
+              <a:buFont typeface="Arial"/>
+              <a:buNone/>
+            </a:pPr>
+            <a:r>
+              <a:rPr b="1" i="0" lang="en-GB" sz="1500" u="none" cap="none" strike="noStrike">
+                <a:solidFill>
+                  <a:srgbClr val="000000"/>
+                </a:solidFill>
+                <a:latin typeface="Verdana"/>
+                <a:ea typeface="Verdana"/>
+                <a:cs typeface="Verdana"/>
+                <a:sym typeface="Verdana"/>
+              </a:rPr>
+              <a:t>Future Work</a:t>
+            </a:r>
+            <a:endParaRPr b="0" i="0" sz="1500" u="none" cap="none" strike="noStrike">
+              <a:solidFill>
+                <a:srgbClr val="000000"/>
+              </a:solidFill>
+              <a:latin typeface="Arial"/>
+              <a:ea typeface="Arial"/>
+              <a:cs typeface="Arial"/>
+              <a:sym typeface="Arial"/>
+            </a:endParaRPr>
+          </a:p>
+          <a:p>
+            <a:pPr indent="0" lvl="0" marL="0" marR="0" rtl="0" algn="l">
+              <a:lnSpc>
+                <a:spcPct val="100000"/>
+              </a:lnSpc>
+              <a:spcBef>
+                <a:spcPts val="0"/>
+              </a:spcBef>
+              <a:spcAft>
+                <a:spcPts val="0"/>
+              </a:spcAft>
+              <a:buClr>
+                <a:srgbClr val="000000"/>
+              </a:buClr>
+              <a:buSzPts val="1100"/>
+              <a:buFont typeface="Arial"/>
+              <a:buNone/>
+            </a:pPr>
+            <a:r>
+              <a:t/>
+            </a:r>
+            <a:endParaRPr sz="1100">
+              <a:latin typeface="Verdana"/>
+              <a:ea typeface="Verdana"/>
+              <a:cs typeface="Verdana"/>
+              <a:sym typeface="Verdana"/>
+            </a:endParaRPr>
+          </a:p>
+          <a:p>
+            <a:pPr indent="0" lvl="0" marL="0" marR="0" rtl="0" algn="l">
+              <a:lnSpc>
+                <a:spcPct val="100000"/>
+              </a:lnSpc>
+              <a:spcBef>
+                <a:spcPts val="0"/>
+              </a:spcBef>
+              <a:spcAft>
+                <a:spcPts val="0"/>
+              </a:spcAft>
+              <a:buClr>
+                <a:srgbClr val="000000"/>
+              </a:buClr>
+              <a:buSzPts val="1100"/>
+              <a:buFont typeface="Arial"/>
+              <a:buNone/>
+            </a:pPr>
+            <a:r>
+              <a:rPr lang="en-GB" sz="1100">
+                <a:latin typeface="Verdana"/>
+                <a:ea typeface="Verdana"/>
+                <a:cs typeface="Verdana"/>
+                <a:sym typeface="Verdana"/>
+              </a:rPr>
+              <a:t>Pair-pair calibration, ike LiDAR to LiDAR,etc, of each model to enable mutual metrics validation and distinct homogeneous calibration</a:t>
+            </a:r>
+            <a:endParaRPr sz="1100">
+              <a:latin typeface="Verdana"/>
+              <a:ea typeface="Verdana"/>
+              <a:cs typeface="Verdana"/>
+              <a:sym typeface="Verdana"/>
+            </a:endParaRPr>
+          </a:p>
+        </p:txBody>
+      </p:sp>
+    </p:spTree>
+  </p:cSld>
+  <p:clrMapOvr>
+    <a:masterClrMapping/>
+  </p:clrMapOvr>
+</p:sld>
+</file>
+
+<file path=ppt/slides/slide13.xml><?xml version="1.0" encoding="utf-8"?>
+<p:sld xmlns:a="http://schemas.openxmlformats.org/drawingml/2006/main" xmlns:r="http://schemas.openxmlformats.org/officeDocument/2006/relationships" xmlns:mc="http://schemas.openxmlformats.org/markup-compatibility/2006" xmlns:mv="urn:schemas-microsoft-com:mac:vml" xmlns:p="http://schemas.openxmlformats.org/presentationml/2006/main" xmlns:c="http://schemas.openxmlformats.org/drawingml/2006/chart" xmlns:dgm="http://schemas.openxmlformats.org/drawingml/2006/diagram" xmlns:o="urn:schemas-microsoft-com:office:office" xmlns:v="urn:schemas-microsoft-com:vml" xmlns:pvml="urn:schemas-microsoft-com:office:powerpoint" xmlns:com="http://schemas.openxmlformats.org/drawingml/2006/compatibility" xmlns:p14="http://schemas.microsoft.com/office/powerpoint/2010/main" xmlns:p15="http://schemas.microsoft.com/office/powerpoint/2012/main" xmlns:ahyp="http://schemas.microsoft.com/office/drawing/2018/hyperlinkcolor">
+  <p:cSld>
+    <p:spTree>
+      <p:nvGrpSpPr>
+        <p:cNvPr id="194" name="Shape 194"/>
+        <p:cNvGrpSpPr/>
+        <p:nvPr/>
+      </p:nvGrpSpPr>
+      <p:grpSpPr>
+        <a:xfrm>
+          <a:off x="0" y="0"/>
+          <a:ext cx="0" cy="0"/>
+          <a:chOff x="0" y="0"/>
+          <a:chExt cx="0" cy="0"/>
+        </a:xfrm>
+      </p:grpSpPr>
+      <p:sp>
+        <p:nvSpPr>
+          <p:cNvPr id="195" name="Google Shape;195;p35"/>
           <p:cNvSpPr txBox="1"/>
           <p:nvPr>
             <p:ph idx="12" type="sldNum"/>
@@ -12673,7 +13596,7 @@
       </p:sp>
       <p:sp>
         <p:nvSpPr>
-          <p:cNvPr id="174" name="Google Shape;174;p33"/>
+          <p:cNvPr id="196" name="Google Shape;196;p35"/>
           <p:cNvSpPr txBox="1"/>
           <p:nvPr/>
         </p:nvSpPr>
@@ -12736,7 +13659,7 @@
       </p:sp>
       <p:sp>
         <p:nvSpPr>
-          <p:cNvPr id="175" name="Google Shape;175;p33"/>
+          <p:cNvPr id="197" name="Google Shape;197;p35"/>
           <p:cNvSpPr txBox="1"/>
           <p:nvPr/>
         </p:nvSpPr>
@@ -12793,7 +13716,7 @@
       </p:sp>
       <p:sp>
         <p:nvSpPr>
-          <p:cNvPr id="176" name="Google Shape;176;p33"/>
+          <p:cNvPr id="198" name="Google Shape;198;p35"/>
           <p:cNvSpPr txBox="1"/>
           <p:nvPr/>
         </p:nvSpPr>
@@ -12995,7 +13918,7 @@
       </p:sp>
       <p:pic>
         <p:nvPicPr>
-          <p:cNvPr id="177" name="Google Shape;177;p33"/>
+          <p:cNvPr id="199" name="Google Shape;199;p35"/>
           <p:cNvPicPr preferRelativeResize="0"/>
           <p:nvPr/>
         </p:nvPicPr>
@@ -13029,12 +13952,12 @@
 </p:sld>
 </file>
 
-<file path=ppt/slides/slide12.xml><?xml version="1.0" encoding="utf-8"?>
+<file path=ppt/slides/slide14.xml><?xml version="1.0" encoding="utf-8"?>
 <p:sld xmlns:a="http://schemas.openxmlformats.org/drawingml/2006/main" xmlns:r="http://schemas.openxmlformats.org/officeDocument/2006/relationships" xmlns:mc="http://schemas.openxmlformats.org/markup-compatibility/2006" xmlns:mv="urn:schemas-microsoft-com:mac:vml" xmlns:p="http://schemas.openxmlformats.org/presentationml/2006/main" xmlns:c="http://schemas.openxmlformats.org/drawingml/2006/chart" xmlns:dgm="http://schemas.openxmlformats.org/drawingml/2006/diagram" xmlns:o="urn:schemas-microsoft-com:office:office" xmlns:v="urn:schemas-microsoft-com:vml" xmlns:pvml="urn:schemas-microsoft-com:office:powerpoint" xmlns:com="http://schemas.openxmlformats.org/drawingml/2006/compatibility" xmlns:p14="http://schemas.microsoft.com/office/powerpoint/2010/main" xmlns:p15="http://schemas.microsoft.com/office/powerpoint/2012/main" xmlns:ahyp="http://schemas.microsoft.com/office/drawing/2018/hyperlinkcolor">
   <p:cSld>
     <p:spTree>
       <p:nvGrpSpPr>
-        <p:cNvPr id="181" name="Shape 181"/>
+        <p:cNvPr id="203" name="Shape 203"/>
         <p:cNvGrpSpPr/>
         <p:nvPr/>
       </p:nvGrpSpPr>
@@ -13048,7 +13971,7 @@
       </p:grpSpPr>
       <p:sp>
         <p:nvSpPr>
-          <p:cNvPr id="182" name="Google Shape;182;p34"/>
+          <p:cNvPr id="204" name="Google Shape;204;p36"/>
           <p:cNvSpPr txBox="1"/>
           <p:nvPr/>
         </p:nvSpPr>
@@ -13126,7 +14049,7 @@
       </p:sp>
       <p:sp>
         <p:nvSpPr>
-          <p:cNvPr id="183" name="Google Shape;183;p34"/>
+          <p:cNvPr id="205" name="Google Shape;205;p36"/>
           <p:cNvSpPr txBox="1"/>
           <p:nvPr/>
         </p:nvSpPr>
@@ -14188,8 +15111,8 @@
         </p:nvSpPr>
         <p:spPr>
           <a:xfrm>
-            <a:off x="339212" y="653649"/>
-            <a:ext cx="8495071" cy="4301821"/>
+            <a:off x="324475" y="666874"/>
+            <a:ext cx="8495100" cy="4301700"/>
           </a:xfrm>
           <a:prstGeom prst="rect">
             <a:avLst/>
@@ -14223,7 +15146,44 @@
               <a:buNone/>
             </a:pPr>
             <a:r>
-              <a:rPr b="0" i="0" lang="en-GB" sz="1100" u="none" cap="none" strike="noStrike">
+              <a:t/>
+            </a:r>
+            <a:endParaRPr sz="1100">
+              <a:latin typeface="Verdana"/>
+              <a:ea typeface="Verdana"/>
+              <a:cs typeface="Verdana"/>
+              <a:sym typeface="Verdana"/>
+            </a:endParaRPr>
+          </a:p>
+          <a:p>
+            <a:pPr indent="0" lvl="0" marL="0" marR="0" rtl="0" algn="ctr">
+              <a:lnSpc>
+                <a:spcPct val="100000"/>
+              </a:lnSpc>
+              <a:spcBef>
+                <a:spcPts val="0"/>
+              </a:spcBef>
+              <a:spcAft>
+                <a:spcPts val="0"/>
+              </a:spcAft>
+              <a:buClr>
+                <a:srgbClr val="000000"/>
+              </a:buClr>
+              <a:buSzPts val="1100"/>
+              <a:buFont typeface="Arial"/>
+              <a:buNone/>
+            </a:pPr>
+            <a:r>
+              <a:rPr lang="en-GB">
+                <a:latin typeface="Verdana"/>
+                <a:ea typeface="Verdana"/>
+                <a:cs typeface="Verdana"/>
+                <a:sym typeface="Verdana"/>
+              </a:rPr>
+              <a:t>Gantt</a:t>
+            </a:r>
+            <a:r>
+              <a:rPr b="0" i="0" lang="en-GB" u="none" cap="none" strike="noStrike">
                 <a:solidFill>
                   <a:srgbClr val="000000"/>
                 </a:solidFill>
@@ -14232,9 +15192,9 @@
                 <a:cs typeface="Verdana"/>
                 <a:sym typeface="Verdana"/>
               </a:rPr>
-              <a:t>Gant Chart  - Milestones and Activities </a:t>
-            </a:r>
-            <a:endParaRPr b="0" i="0" sz="1100" u="none" cap="none" strike="noStrike">
+              <a:t> Chart  - Milestones and Activities </a:t>
+            </a:r>
+            <a:endParaRPr b="0" i="0" u="none" cap="none" strike="noStrike">
               <a:solidFill>
                 <a:srgbClr val="000000"/>
               </a:solidFill>
@@ -14391,6 +15351,34 @@
           </a:p>
         </p:txBody>
       </p:sp>
+      <p:pic>
+        <p:nvPicPr>
+          <p:cNvPr id="118" name="Google Shape;118;p25"/>
+          <p:cNvPicPr preferRelativeResize="0"/>
+          <p:nvPr/>
+        </p:nvPicPr>
+        <p:blipFill>
+          <a:blip r:embed="rId3">
+            <a:alphaModFix/>
+          </a:blip>
+          <a:stretch>
+            <a:fillRect/>
+          </a:stretch>
+        </p:blipFill>
+        <p:spPr>
+          <a:xfrm>
+            <a:off x="496375" y="1218901"/>
+            <a:ext cx="8043226" cy="2368325"/>
+          </a:xfrm>
+          <a:prstGeom prst="rect">
+            <a:avLst/>
+          </a:prstGeom>
+          <a:noFill/>
+          <a:ln>
+            <a:noFill/>
+          </a:ln>
+        </p:spPr>
+      </p:pic>
     </p:spTree>
   </p:cSld>
   <p:clrMapOvr>
@@ -14404,7 +15392,7 @@
   <p:cSld>
     <p:spTree>
       <p:nvGrpSpPr>
-        <p:cNvPr id="121" name="Shape 121"/>
+        <p:cNvPr id="122" name="Shape 122"/>
         <p:cNvGrpSpPr/>
         <p:nvPr/>
       </p:nvGrpSpPr>
@@ -14418,7 +15406,7 @@
       </p:grpSpPr>
       <p:sp>
         <p:nvSpPr>
-          <p:cNvPr id="122" name="Google Shape;122;p26"/>
+          <p:cNvPr id="123" name="Google Shape;123;p26"/>
           <p:cNvSpPr txBox="1"/>
           <p:nvPr>
             <p:ph idx="12" type="sldNum"/>
@@ -14466,7 +15454,7 @@
       </p:sp>
       <p:sp>
         <p:nvSpPr>
-          <p:cNvPr id="123" name="Google Shape;123;p26"/>
+          <p:cNvPr id="124" name="Google Shape;124;p26"/>
           <p:cNvSpPr txBox="1"/>
           <p:nvPr/>
         </p:nvSpPr>
@@ -14532,7 +15520,7 @@
       </p:sp>
       <p:sp>
         <p:nvSpPr>
-          <p:cNvPr id="124" name="Google Shape;124;p26"/>
+          <p:cNvPr id="125" name="Google Shape;125;p26"/>
           <p:cNvSpPr txBox="1"/>
           <p:nvPr/>
         </p:nvSpPr>
@@ -14595,10 +15583,7 @@
             </a:endParaRPr>
           </a:p>
           <a:p>
-            <a:pPr indent="-215900" lvl="0" marL="215900" marR="0" rtl="0" algn="l">
-              <a:lnSpc>
-                <a:spcPct val="100000"/>
-              </a:lnSpc>
+            <a:pPr indent="-323850" lvl="0" marL="457200" rtl="0" algn="l">
               <a:spcBef>
                 <a:spcPts val="0"/>
               </a:spcBef>
@@ -14606,54 +15591,131 @@
                 <a:spcPts val="0"/>
               </a:spcAft>
               <a:buClr>
-                <a:srgbClr val="000000"/>
+                <a:srgbClr val="757575"/>
               </a:buClr>
-              <a:buSzPts val="1100"/>
-              <a:buFont typeface="Arial"/>
-              <a:buChar char="•"/>
-            </a:pPr>
-            <a:r>
-              <a:rPr b="0" i="0" lang="en-GB" sz="1100" u="none" cap="none" strike="noStrike">
+              <a:buSzPts val="1500"/>
+              <a:buFont typeface="Raleway"/>
+              <a:buChar char="●"/>
+            </a:pPr>
+            <a:r>
+              <a:rPr b="1" lang="en-GB" sz="1500">
                 <a:solidFill>
-                  <a:srgbClr val="000000"/>
+                  <a:srgbClr val="757575"/>
                 </a:solidFill>
-                <a:latin typeface="Verdana"/>
-                <a:ea typeface="Verdana"/>
-                <a:cs typeface="Verdana"/>
-                <a:sym typeface="Verdana"/>
+                <a:latin typeface="Raleway"/>
+                <a:ea typeface="Raleway"/>
+                <a:cs typeface="Raleway"/>
+                <a:sym typeface="Raleway"/>
               </a:rPr>
-              <a:t>Google scholar research best 6-8 papers </a:t>
-            </a:r>
-            <a:endParaRPr b="0" i="0" sz="1100" u="none" cap="none" strike="noStrike">
+              <a:t>1. CalTag: Robust calibration of mmWave Radar and LiDAR using backscatter tags</a:t>
+            </a:r>
+            <a:endParaRPr b="1" sz="1500">
               <a:solidFill>
-                <a:srgbClr val="000000"/>
+                <a:srgbClr val="757575"/>
               </a:solidFill>
-              <a:latin typeface="Arial"/>
-              <a:ea typeface="Arial"/>
-              <a:cs typeface="Arial"/>
-              <a:sym typeface="Arial"/>
+              <a:latin typeface="Raleway"/>
+              <a:ea typeface="Raleway"/>
+              <a:cs typeface="Raleway"/>
+              <a:sym typeface="Raleway"/>
             </a:endParaRPr>
           </a:p>
           <a:p>
-            <a:pPr indent="-152400" lvl="0" marL="215900" marR="0" rtl="0" algn="l">
-              <a:lnSpc>
-                <a:spcPct val="100000"/>
-              </a:lnSpc>
-              <a:spcBef>
-                <a:spcPts val="0"/>
-              </a:spcBef>
-              <a:spcAft>
-                <a:spcPts val="0"/>
-              </a:spcAft>
-              <a:buClr>
-                <a:srgbClr val="000000"/>
-              </a:buClr>
-              <a:buSzPts val="1100"/>
-              <a:buFont typeface="Arial"/>
-              <a:buNone/>
-            </a:pPr>
-            <a:r>
-              <a:t/>
+            <a:pPr indent="0" lvl="0" marL="0" rtl="0" algn="l">
+              <a:lnSpc>
+                <a:spcPct val="115000"/>
+              </a:lnSpc>
+              <a:spcBef>
+                <a:spcPts val="0"/>
+              </a:spcBef>
+              <a:spcAft>
+                <a:spcPts val="0"/>
+              </a:spcAft>
+              <a:buNone/>
+            </a:pPr>
+            <a:r>
+              <a:rPr lang="en-GB" sz="1200">
+                <a:latin typeface="Raleway"/>
+                <a:ea typeface="Raleway"/>
+                <a:cs typeface="Raleway"/>
+                <a:sym typeface="Raleway"/>
+              </a:rPr>
+              <a:t>Xu </a:t>
+            </a:r>
+            <a:r>
+              <a:rPr i="1" lang="en-GB" sz="1200">
+                <a:latin typeface="Raleway"/>
+                <a:ea typeface="Raleway"/>
+                <a:cs typeface="Raleway"/>
+                <a:sym typeface="Raleway"/>
+              </a:rPr>
+              <a:t>et al.</a:t>
+            </a:r>
+            <a:r>
+              <a:rPr lang="en-GB" sz="1200">
+                <a:latin typeface="Raleway"/>
+                <a:ea typeface="Raleway"/>
+                <a:cs typeface="Raleway"/>
+                <a:sym typeface="Raleway"/>
+              </a:rPr>
+              <a:t> (2024) propose CalTag, a mmWave backscatter system that modulates return-signal frequency to eliminate background clutter and resolve corner reflector inconsistencies.</a:t>
+            </a:r>
+            <a:endParaRPr sz="1200">
+              <a:latin typeface="Raleway"/>
+              <a:ea typeface="Raleway"/>
+              <a:cs typeface="Raleway"/>
+              <a:sym typeface="Raleway"/>
+            </a:endParaRPr>
+          </a:p>
+          <a:p>
+            <a:pPr indent="0" lvl="0" marL="0" rtl="0" algn="l">
+              <a:lnSpc>
+                <a:spcPct val="115000"/>
+              </a:lnSpc>
+              <a:spcBef>
+                <a:spcPts val="700"/>
+              </a:spcBef>
+              <a:spcAft>
+                <a:spcPts val="0"/>
+              </a:spcAft>
+              <a:buNone/>
+            </a:pPr>
+            <a:r>
+              <a:rPr lang="en-GB" sz="1200">
+                <a:latin typeface="Raleway"/>
+                <a:ea typeface="Raleway"/>
+                <a:cs typeface="Raleway"/>
+                <a:sym typeface="Raleway"/>
+              </a:rPr>
+              <a:t>This approach enables radar to precisely detect its location and isolate single objects in cluttered environments, reducing reliance on manual alignment and correcting sensor rotation errors.</a:t>
+            </a:r>
+            <a:endParaRPr sz="1200">
+              <a:latin typeface="Raleway"/>
+              <a:ea typeface="Raleway"/>
+              <a:cs typeface="Raleway"/>
+              <a:sym typeface="Raleway"/>
+            </a:endParaRPr>
+          </a:p>
+          <a:p>
+            <a:pPr indent="0" lvl="0" marL="0" rtl="0" algn="l">
+              <a:lnSpc>
+                <a:spcPct val="115000"/>
+              </a:lnSpc>
+              <a:spcBef>
+                <a:spcPts val="700"/>
+              </a:spcBef>
+              <a:spcAft>
+                <a:spcPts val="0"/>
+              </a:spcAft>
+              <a:buNone/>
+            </a:pPr>
+            <a:r>
+              <a:rPr lang="en-GB" sz="1200">
+                <a:latin typeface="Raleway"/>
+                <a:ea typeface="Raleway"/>
+                <a:cs typeface="Raleway"/>
+                <a:sym typeface="Raleway"/>
+              </a:rPr>
+              <a:t>The observation proved that CalTag is more robust than corner reflectors in terms of high calibration accuracy in high clustered environment with high consistent calibration performance across different degrees of sensor rotation.</a:t>
             </a:r>
             <a:endParaRPr b="0" i="0" sz="1100" u="none" cap="none" strike="noStrike">
               <a:solidFill>
@@ -14666,704 +15728,300 @@
             </a:endParaRPr>
           </a:p>
           <a:p>
-            <a:pPr indent="-152400" lvl="0" marL="215900" marR="0" rtl="0" algn="l">
-              <a:lnSpc>
-                <a:spcPct val="100000"/>
-              </a:lnSpc>
-              <a:spcBef>
-                <a:spcPts val="0"/>
+            <a:pPr indent="-323850" lvl="0" marL="457200" marR="0" rtl="0" algn="l">
+              <a:lnSpc>
+                <a:spcPct val="100000"/>
+              </a:lnSpc>
+              <a:spcBef>
+                <a:spcPts val="700"/>
               </a:spcBef>
               <a:spcAft>
                 <a:spcPts val="0"/>
               </a:spcAft>
               <a:buClr>
-                <a:srgbClr val="000000"/>
+                <a:srgbClr val="757575"/>
               </a:buClr>
-              <a:buSzPts val="1100"/>
-              <a:buFont typeface="Arial"/>
+              <a:buSzPts val="1500"/>
+              <a:buFont typeface="Raleway"/>
+              <a:buChar char="●"/>
+            </a:pPr>
+            <a:r>
+              <a:rPr b="1" lang="en-GB" sz="1500">
+                <a:solidFill>
+                  <a:srgbClr val="757575"/>
+                </a:solidFill>
+                <a:latin typeface="Raleway"/>
+                <a:ea typeface="Raleway"/>
+                <a:cs typeface="Raleway"/>
+                <a:sym typeface="Raleway"/>
+              </a:rPr>
+              <a:t>2. Robot self‐calibration using actuated 3D sensors</a:t>
+            </a:r>
+            <a:endParaRPr b="1" sz="1500">
+              <a:solidFill>
+                <a:srgbClr val="757575"/>
+              </a:solidFill>
+              <a:latin typeface="Raleway"/>
+              <a:ea typeface="Raleway"/>
+              <a:cs typeface="Raleway"/>
+              <a:sym typeface="Raleway"/>
+            </a:endParaRPr>
+          </a:p>
+          <a:p>
+            <a:pPr indent="0" lvl="0" marL="0" rtl="0" algn="l">
+              <a:lnSpc>
+                <a:spcPct val="115000"/>
+              </a:lnSpc>
+              <a:spcBef>
+                <a:spcPts val="0"/>
+              </a:spcBef>
+              <a:spcAft>
+                <a:spcPts val="0"/>
+              </a:spcAft>
+              <a:buNone/>
+            </a:pPr>
+            <a:r>
+              <a:rPr lang="en-GB" sz="1200">
+                <a:latin typeface="Raleway"/>
+                <a:ea typeface="Raleway"/>
+                <a:cs typeface="Raleway"/>
+                <a:sym typeface="Raleway"/>
+              </a:rPr>
+              <a:t>Peters </a:t>
+            </a:r>
+            <a:r>
+              <a:rPr i="1" lang="en-GB" sz="1200">
+                <a:latin typeface="Raleway"/>
+                <a:ea typeface="Raleway"/>
+                <a:cs typeface="Raleway"/>
+                <a:sym typeface="Raleway"/>
+              </a:rPr>
+              <a:t>et al.</a:t>
+            </a:r>
+            <a:r>
+              <a:rPr lang="en-GB" sz="1200">
+                <a:latin typeface="Raleway"/>
+                <a:ea typeface="Raleway"/>
+                <a:cs typeface="Raleway"/>
+                <a:sym typeface="Raleway"/>
+              </a:rPr>
+              <a:t> (2024) highlight that current calibration methods, though </a:t>
+            </a:r>
+            <a:r>
+              <a:rPr i="1" lang="en-GB" sz="1200">
+                <a:latin typeface="Raleway"/>
+                <a:ea typeface="Raleway"/>
+                <a:cs typeface="Raleway"/>
+                <a:sym typeface="Raleway"/>
+              </a:rPr>
+              <a:t>automated</a:t>
+            </a:r>
+            <a:r>
+              <a:rPr lang="en-GB" sz="1200">
+                <a:latin typeface="Raleway"/>
+                <a:ea typeface="Raleway"/>
+                <a:cs typeface="Raleway"/>
+                <a:sym typeface="Raleway"/>
+              </a:rPr>
+              <a:t>, still depend on specialized equipment and manually placed objects like markers and checkerboards., etc.</a:t>
+            </a:r>
+            <a:endParaRPr sz="1200">
+              <a:latin typeface="Raleway"/>
+              <a:ea typeface="Raleway"/>
+              <a:cs typeface="Raleway"/>
+              <a:sym typeface="Raleway"/>
+            </a:endParaRPr>
+          </a:p>
+          <a:p>
+            <a:pPr indent="0" lvl="0" marL="0" rtl="0" algn="l">
+              <a:lnSpc>
+                <a:spcPct val="115000"/>
+              </a:lnSpc>
+              <a:spcBef>
+                <a:spcPts val="700"/>
+              </a:spcBef>
+              <a:spcAft>
+                <a:spcPts val="0"/>
+              </a:spcAft>
+              <a:buNone/>
+            </a:pPr>
+            <a:r>
+              <a:rPr lang="en-GB" sz="1200">
+                <a:latin typeface="Raleway"/>
+                <a:ea typeface="Raleway"/>
+                <a:cs typeface="Raleway"/>
+                <a:sym typeface="Raleway"/>
+              </a:rPr>
+              <a:t>They also stated the wrong treatment of calibration as a once-in-a-lifetime action. As system parameters change over usage time due to inevitable environmental factors.</a:t>
+            </a:r>
+            <a:endParaRPr sz="1200">
+              <a:latin typeface="Raleway"/>
+              <a:ea typeface="Raleway"/>
+              <a:cs typeface="Raleway"/>
+              <a:sym typeface="Raleway"/>
+            </a:endParaRPr>
+          </a:p>
+          <a:p>
+            <a:pPr indent="0" lvl="0" marL="0" rtl="0" algn="l">
+              <a:lnSpc>
+                <a:spcPct val="115000"/>
+              </a:lnSpc>
+              <a:spcBef>
+                <a:spcPts val="500"/>
+              </a:spcBef>
+              <a:spcAft>
+                <a:spcPts val="0"/>
+              </a:spcAft>
+              <a:buNone/>
+            </a:pPr>
+            <a:r>
+              <a:rPr lang="en-GB" sz="1200">
+                <a:latin typeface="Raleway"/>
+                <a:ea typeface="Raleway"/>
+                <a:cs typeface="Raleway"/>
+                <a:sym typeface="Raleway"/>
+              </a:rPr>
+              <a:t>They proposed a framework providing complete on-site self-calibration for a robot through an eye-in-hand 3D sensor, in any unknown, static environment.</a:t>
+            </a:r>
+            <a:endParaRPr sz="1200">
+              <a:latin typeface="Raleway"/>
+              <a:ea typeface="Raleway"/>
+              <a:cs typeface="Raleway"/>
+              <a:sym typeface="Raleway"/>
+            </a:endParaRPr>
+          </a:p>
+          <a:p>
+            <a:pPr indent="0" lvl="0" marL="0" rtl="0" algn="l">
+              <a:lnSpc>
+                <a:spcPct val="115000"/>
+              </a:lnSpc>
+              <a:spcBef>
+                <a:spcPts val="500"/>
+              </a:spcBef>
+              <a:spcAft>
+                <a:spcPts val="0"/>
+              </a:spcAft>
+              <a:buNone/>
+            </a:pPr>
+            <a:r>
+              <a:rPr lang="en-GB" sz="1200">
+                <a:latin typeface="Raleway"/>
+                <a:ea typeface="Raleway"/>
+                <a:cs typeface="Raleway"/>
+                <a:sym typeface="Raleway"/>
+              </a:rPr>
+              <a:t>The approach allows any kinematic chain calibration and depth sensor combination, by using point cloud registration techniques for multiple scans fusion with extensive </a:t>
+            </a:r>
+            <a:r>
+              <a:rPr b="1" lang="en-GB" sz="1200">
+                <a:latin typeface="Raleway"/>
+                <a:ea typeface="Raleway"/>
+                <a:cs typeface="Raleway"/>
+                <a:sym typeface="Raleway"/>
+              </a:rPr>
+              <a:t>ICP</a:t>
+            </a:r>
+            <a:r>
+              <a:rPr lang="en-GB" sz="1200">
+                <a:latin typeface="Raleway"/>
+                <a:ea typeface="Raleway"/>
+                <a:cs typeface="Raleway"/>
+                <a:sym typeface="Raleway"/>
+              </a:rPr>
+              <a:t>(</a:t>
+            </a:r>
+            <a:r>
+              <a:rPr i="1" lang="en-GB" sz="1200">
+                <a:latin typeface="Raleway"/>
+                <a:ea typeface="Raleway"/>
+                <a:cs typeface="Raleway"/>
+                <a:sym typeface="Raleway"/>
+              </a:rPr>
+              <a:t>iterative corresponding point</a:t>
+            </a:r>
+            <a:r>
+              <a:rPr lang="en-GB" sz="1200">
+                <a:latin typeface="Raleway"/>
+                <a:ea typeface="Raleway"/>
+                <a:cs typeface="Raleway"/>
+                <a:sym typeface="Raleway"/>
+              </a:rPr>
+              <a:t>)algorithm.</a:t>
+            </a:r>
+            <a:endParaRPr sz="1200">
+              <a:latin typeface="Raleway"/>
+              <a:ea typeface="Raleway"/>
+              <a:cs typeface="Raleway"/>
+              <a:sym typeface="Raleway"/>
+            </a:endParaRPr>
+          </a:p>
+          <a:p>
+            <a:pPr indent="0" lvl="0" marL="0" rtl="0" algn="l">
+              <a:lnSpc>
+                <a:spcPct val="115000"/>
+              </a:lnSpc>
+              <a:spcBef>
+                <a:spcPts val="500"/>
+              </a:spcBef>
+              <a:spcAft>
+                <a:spcPts val="0"/>
+              </a:spcAft>
               <a:buNone/>
             </a:pPr>
             <a:r>
               <a:t/>
             </a:r>
-            <a:endParaRPr b="0" i="0" sz="1100" u="none" cap="none" strike="noStrike">
-              <a:solidFill>
-                <a:srgbClr val="000000"/>
-              </a:solidFill>
+            <a:endParaRPr sz="1200">
+              <a:latin typeface="Raleway"/>
+              <a:ea typeface="Raleway"/>
+              <a:cs typeface="Raleway"/>
+              <a:sym typeface="Raleway"/>
+            </a:endParaRPr>
+          </a:p>
+          <a:p>
+            <a:pPr indent="0" lvl="0" marL="0" rtl="0" algn="l">
+              <a:lnSpc>
+                <a:spcPct val="115000"/>
+              </a:lnSpc>
+              <a:spcBef>
+                <a:spcPts val="0"/>
+              </a:spcBef>
+              <a:spcAft>
+                <a:spcPts val="0"/>
+              </a:spcAft>
+              <a:buNone/>
+            </a:pPr>
+            <a:r>
+              <a:t/>
+            </a:r>
+            <a:endParaRPr sz="1200">
+              <a:latin typeface="Raleway"/>
+              <a:ea typeface="Raleway"/>
+              <a:cs typeface="Raleway"/>
+              <a:sym typeface="Raleway"/>
+            </a:endParaRPr>
+          </a:p>
+          <a:p>
+            <a:pPr indent="0" lvl="0" marL="0" marR="0" rtl="0" algn="l">
+              <a:lnSpc>
+                <a:spcPct val="100000"/>
+              </a:lnSpc>
+              <a:spcBef>
+                <a:spcPts val="0"/>
+              </a:spcBef>
+              <a:spcAft>
+                <a:spcPts val="0"/>
+              </a:spcAft>
+              <a:buNone/>
+            </a:pPr>
+            <a:r>
+              <a:t/>
+            </a:r>
+            <a:endParaRPr sz="1100">
               <a:latin typeface="Verdana"/>
               <a:ea typeface="Verdana"/>
               <a:cs typeface="Verdana"/>
               <a:sym typeface="Verdana"/>
-            </a:endParaRPr>
-          </a:p>
-          <a:p>
-            <a:pPr indent="-152400" lvl="0" marL="215900" marR="0" rtl="0" algn="l">
-              <a:lnSpc>
-                <a:spcPct val="100000"/>
-              </a:lnSpc>
-              <a:spcBef>
-                <a:spcPts val="0"/>
-              </a:spcBef>
-              <a:spcAft>
-                <a:spcPts val="0"/>
-              </a:spcAft>
-              <a:buClr>
-                <a:srgbClr val="000000"/>
-              </a:buClr>
-              <a:buSzPts val="1100"/>
-              <a:buFont typeface="Arial"/>
-              <a:buNone/>
-            </a:pPr>
-            <a:r>
-              <a:t/>
-            </a:r>
-            <a:endParaRPr b="0" i="0" sz="1100" u="none" cap="none" strike="noStrike">
-              <a:solidFill>
-                <a:srgbClr val="000000"/>
-              </a:solidFill>
-              <a:latin typeface="Verdana"/>
-              <a:ea typeface="Verdana"/>
-              <a:cs typeface="Verdana"/>
-              <a:sym typeface="Verdana"/>
-            </a:endParaRPr>
-          </a:p>
-          <a:p>
-            <a:pPr indent="-152400" lvl="0" marL="215900" marR="0" rtl="0" algn="l">
-              <a:lnSpc>
-                <a:spcPct val="100000"/>
-              </a:lnSpc>
-              <a:spcBef>
-                <a:spcPts val="0"/>
-              </a:spcBef>
-              <a:spcAft>
-                <a:spcPts val="0"/>
-              </a:spcAft>
-              <a:buClr>
-                <a:srgbClr val="000000"/>
-              </a:buClr>
-              <a:buSzPts val="1100"/>
-              <a:buFont typeface="Arial"/>
-              <a:buNone/>
-            </a:pPr>
-            <a:r>
-              <a:t/>
-            </a:r>
-            <a:endParaRPr b="0" i="0" sz="1100" u="none" cap="none" strike="noStrike">
-              <a:solidFill>
-                <a:srgbClr val="000000"/>
-              </a:solidFill>
-              <a:latin typeface="Verdana"/>
-              <a:ea typeface="Verdana"/>
-              <a:cs typeface="Verdana"/>
-              <a:sym typeface="Verdana"/>
-            </a:endParaRPr>
-          </a:p>
-          <a:p>
-            <a:pPr indent="0" lvl="0" marL="0" marR="0" rtl="0" algn="l">
-              <a:lnSpc>
-                <a:spcPct val="100000"/>
-              </a:lnSpc>
-              <a:spcBef>
-                <a:spcPts val="0"/>
-              </a:spcBef>
-              <a:spcAft>
-                <a:spcPts val="0"/>
-              </a:spcAft>
-              <a:buClr>
-                <a:srgbClr val="000000"/>
-              </a:buClr>
-              <a:buSzPts val="1100"/>
-              <a:buFont typeface="Arial"/>
-              <a:buNone/>
-            </a:pPr>
-            <a:r>
-              <a:rPr b="1" i="0" lang="en-GB" sz="1100" u="none" cap="none" strike="noStrike">
-                <a:solidFill>
-                  <a:srgbClr val="000000"/>
-                </a:solidFill>
-                <a:latin typeface="Verdana"/>
-                <a:ea typeface="Verdana"/>
-                <a:cs typeface="Verdana"/>
-                <a:sym typeface="Verdana"/>
-              </a:rPr>
-              <a:t>Key Resources – Whitepaper| Application Notes |  Datasheet| Others</a:t>
-            </a:r>
-            <a:endParaRPr b="0" i="0" sz="1100" u="none" cap="none" strike="noStrike">
-              <a:solidFill>
-                <a:srgbClr val="000000"/>
-              </a:solidFill>
-              <a:latin typeface="Arial"/>
-              <a:ea typeface="Arial"/>
-              <a:cs typeface="Arial"/>
-              <a:sym typeface="Arial"/>
-            </a:endParaRPr>
-          </a:p>
-          <a:p>
-            <a:pPr indent="-215900" lvl="0" marL="215900" marR="0" rtl="0" algn="l">
-              <a:lnSpc>
-                <a:spcPct val="100000"/>
-              </a:lnSpc>
-              <a:spcBef>
-                <a:spcPts val="0"/>
-              </a:spcBef>
-              <a:spcAft>
-                <a:spcPts val="0"/>
-              </a:spcAft>
-              <a:buClr>
-                <a:srgbClr val="000000"/>
-              </a:buClr>
-              <a:buSzPts val="1100"/>
-              <a:buFont typeface="Arial"/>
-              <a:buChar char="•"/>
-            </a:pPr>
-            <a:r>
-              <a:rPr b="0" i="0" lang="en-GB" sz="1100" u="none" cap="none" strike="noStrike">
-                <a:solidFill>
-                  <a:srgbClr val="000000"/>
-                </a:solidFill>
-                <a:latin typeface="Verdana"/>
-                <a:ea typeface="Verdana"/>
-                <a:cs typeface="Verdana"/>
-                <a:sym typeface="Verdana"/>
-              </a:rPr>
-              <a:t>XX</a:t>
-            </a:r>
-            <a:endParaRPr b="0" i="0" sz="1100" u="none" cap="none" strike="noStrike">
-              <a:solidFill>
-                <a:srgbClr val="000000"/>
-              </a:solidFill>
-              <a:latin typeface="Arial"/>
-              <a:ea typeface="Arial"/>
-              <a:cs typeface="Arial"/>
-              <a:sym typeface="Arial"/>
-            </a:endParaRPr>
-          </a:p>
-          <a:p>
-            <a:pPr indent="-215900" lvl="0" marL="215900" marR="0" rtl="0" algn="l">
-              <a:lnSpc>
-                <a:spcPct val="100000"/>
-              </a:lnSpc>
-              <a:spcBef>
-                <a:spcPts val="0"/>
-              </a:spcBef>
-              <a:spcAft>
-                <a:spcPts val="0"/>
-              </a:spcAft>
-              <a:buClr>
-                <a:srgbClr val="000000"/>
-              </a:buClr>
-              <a:buSzPts val="1100"/>
-              <a:buFont typeface="Arial"/>
-              <a:buChar char="•"/>
-            </a:pPr>
-            <a:r>
-              <a:rPr b="0" i="0" lang="en-GB" sz="1100" u="none" cap="none" strike="noStrike">
-                <a:solidFill>
-                  <a:srgbClr val="000000"/>
-                </a:solidFill>
-                <a:latin typeface="Verdana"/>
-                <a:ea typeface="Verdana"/>
-                <a:cs typeface="Verdana"/>
-                <a:sym typeface="Verdana"/>
-              </a:rPr>
-              <a:t>XX</a:t>
-            </a:r>
-            <a:endParaRPr b="0" i="0" sz="1100" u="none" cap="none" strike="noStrike">
-              <a:solidFill>
-                <a:srgbClr val="000000"/>
-              </a:solidFill>
-              <a:latin typeface="Arial"/>
-              <a:ea typeface="Arial"/>
-              <a:cs typeface="Arial"/>
-              <a:sym typeface="Arial"/>
-            </a:endParaRPr>
-          </a:p>
-          <a:p>
-            <a:pPr indent="-215900" lvl="0" marL="215900" marR="0" rtl="0" algn="l">
-              <a:lnSpc>
-                <a:spcPct val="100000"/>
-              </a:lnSpc>
-              <a:spcBef>
-                <a:spcPts val="0"/>
-              </a:spcBef>
-              <a:spcAft>
-                <a:spcPts val="0"/>
-              </a:spcAft>
-              <a:buClr>
-                <a:srgbClr val="000000"/>
-              </a:buClr>
-              <a:buSzPts val="1100"/>
-              <a:buFont typeface="Arial"/>
-              <a:buChar char="•"/>
-            </a:pPr>
-            <a:r>
-              <a:rPr b="0" i="0" lang="en-GB" sz="1100" u="none" cap="none" strike="noStrike">
-                <a:solidFill>
-                  <a:srgbClr val="000000"/>
-                </a:solidFill>
-                <a:latin typeface="Verdana"/>
-                <a:ea typeface="Verdana"/>
-                <a:cs typeface="Verdana"/>
-                <a:sym typeface="Verdana"/>
-              </a:rPr>
-              <a:t>XX</a:t>
-            </a:r>
-            <a:endParaRPr b="0" i="0" sz="1100" u="none" cap="none" strike="noStrike">
-              <a:solidFill>
-                <a:srgbClr val="000000"/>
-              </a:solidFill>
-              <a:latin typeface="Arial"/>
-              <a:ea typeface="Arial"/>
-              <a:cs typeface="Arial"/>
-              <a:sym typeface="Arial"/>
-            </a:endParaRPr>
-          </a:p>
-          <a:p>
-            <a:pPr indent="-152400" lvl="0" marL="215900" marR="0" rtl="0" algn="l">
-              <a:lnSpc>
-                <a:spcPct val="100000"/>
-              </a:lnSpc>
-              <a:spcBef>
-                <a:spcPts val="0"/>
-              </a:spcBef>
-              <a:spcAft>
-                <a:spcPts val="0"/>
-              </a:spcAft>
-              <a:buClr>
-                <a:srgbClr val="000000"/>
-              </a:buClr>
-              <a:buSzPts val="1100"/>
-              <a:buFont typeface="Arial"/>
-              <a:buNone/>
-            </a:pPr>
-            <a:r>
-              <a:t/>
-            </a:r>
-            <a:endParaRPr b="0" i="0" sz="1100" u="none" cap="none" strike="noStrike">
-              <a:solidFill>
-                <a:srgbClr val="000000"/>
-              </a:solidFill>
-              <a:latin typeface="Verdana"/>
-              <a:ea typeface="Verdana"/>
-              <a:cs typeface="Verdana"/>
-              <a:sym typeface="Verdana"/>
-            </a:endParaRPr>
-          </a:p>
-          <a:p>
-            <a:pPr indent="-152400" lvl="0" marL="215900" marR="0" rtl="0" algn="l">
-              <a:lnSpc>
-                <a:spcPct val="100000"/>
-              </a:lnSpc>
-              <a:spcBef>
-                <a:spcPts val="0"/>
-              </a:spcBef>
-              <a:spcAft>
-                <a:spcPts val="0"/>
-              </a:spcAft>
-              <a:buClr>
-                <a:srgbClr val="000000"/>
-              </a:buClr>
-              <a:buSzPts val="1100"/>
-              <a:buFont typeface="Arial"/>
-              <a:buNone/>
-            </a:pPr>
-            <a:r>
-              <a:t/>
-            </a:r>
-            <a:endParaRPr b="0" i="0" sz="1100" u="none" cap="none" strike="noStrike">
-              <a:solidFill>
-                <a:srgbClr val="000000"/>
-              </a:solidFill>
-              <a:latin typeface="Verdana"/>
-              <a:ea typeface="Verdana"/>
-              <a:cs typeface="Verdana"/>
-              <a:sym typeface="Verdana"/>
-            </a:endParaRPr>
-          </a:p>
-          <a:p>
-            <a:pPr indent="0" lvl="0" marL="0" marR="0" rtl="0" algn="l">
-              <a:lnSpc>
-                <a:spcPct val="100000"/>
-              </a:lnSpc>
-              <a:spcBef>
-                <a:spcPts val="0"/>
-              </a:spcBef>
-              <a:spcAft>
-                <a:spcPts val="0"/>
-              </a:spcAft>
-              <a:buClr>
-                <a:srgbClr val="000000"/>
-              </a:buClr>
-              <a:buSzPts val="1100"/>
-              <a:buFont typeface="Arial"/>
-              <a:buNone/>
-            </a:pPr>
-            <a:r>
-              <a:rPr b="1" i="0" lang="en-GB" sz="1100" u="none" cap="none" strike="noStrike">
-                <a:solidFill>
-                  <a:srgbClr val="000000"/>
-                </a:solidFill>
-                <a:latin typeface="Verdana"/>
-                <a:ea typeface="Verdana"/>
-                <a:cs typeface="Verdana"/>
-                <a:sym typeface="Verdana"/>
-              </a:rPr>
-              <a:t>Existing Implementations – Products| Opensource| GitHub etc </a:t>
-            </a:r>
-            <a:endParaRPr b="0" i="0" sz="1100" u="none" cap="none" strike="noStrike">
-              <a:solidFill>
-                <a:srgbClr val="000000"/>
-              </a:solidFill>
-              <a:latin typeface="Arial"/>
-              <a:ea typeface="Arial"/>
-              <a:cs typeface="Arial"/>
-              <a:sym typeface="Arial"/>
-            </a:endParaRPr>
-          </a:p>
-          <a:p>
-            <a:pPr indent="-215900" lvl="0" marL="215900" marR="0" rtl="0" algn="l">
-              <a:lnSpc>
-                <a:spcPct val="100000"/>
-              </a:lnSpc>
-              <a:spcBef>
-                <a:spcPts val="0"/>
-              </a:spcBef>
-              <a:spcAft>
-                <a:spcPts val="0"/>
-              </a:spcAft>
-              <a:buClr>
-                <a:srgbClr val="000000"/>
-              </a:buClr>
-              <a:buSzPts val="1100"/>
-              <a:buFont typeface="Arial"/>
-              <a:buChar char="•"/>
-            </a:pPr>
-            <a:r>
-              <a:rPr b="0" i="0" lang="en-GB" sz="1100" u="none" cap="none" strike="noStrike">
-                <a:solidFill>
-                  <a:srgbClr val="000000"/>
-                </a:solidFill>
-                <a:latin typeface="Verdana"/>
-                <a:ea typeface="Verdana"/>
-                <a:cs typeface="Verdana"/>
-                <a:sym typeface="Verdana"/>
-              </a:rPr>
-              <a:t>XX</a:t>
-            </a:r>
-            <a:endParaRPr b="0" i="0" sz="1100" u="none" cap="none" strike="noStrike">
-              <a:solidFill>
-                <a:srgbClr val="000000"/>
-              </a:solidFill>
-              <a:latin typeface="Arial"/>
-              <a:ea typeface="Arial"/>
-              <a:cs typeface="Arial"/>
-              <a:sym typeface="Arial"/>
-            </a:endParaRPr>
-          </a:p>
-          <a:p>
-            <a:pPr indent="-215900" lvl="0" marL="215900" marR="0" rtl="0" algn="l">
-              <a:lnSpc>
-                <a:spcPct val="100000"/>
-              </a:lnSpc>
-              <a:spcBef>
-                <a:spcPts val="0"/>
-              </a:spcBef>
-              <a:spcAft>
-                <a:spcPts val="0"/>
-              </a:spcAft>
-              <a:buClr>
-                <a:srgbClr val="000000"/>
-              </a:buClr>
-              <a:buSzPts val="1100"/>
-              <a:buFont typeface="Arial"/>
-              <a:buChar char="•"/>
-            </a:pPr>
-            <a:r>
-              <a:rPr b="0" i="0" lang="en-GB" sz="1100" u="none" cap="none" strike="noStrike">
-                <a:solidFill>
-                  <a:srgbClr val="000000"/>
-                </a:solidFill>
-                <a:latin typeface="Verdana"/>
-                <a:ea typeface="Verdana"/>
-                <a:cs typeface="Verdana"/>
-                <a:sym typeface="Verdana"/>
-              </a:rPr>
-              <a:t>XX</a:t>
-            </a:r>
-            <a:endParaRPr b="0" i="0" sz="1100" u="none" cap="none" strike="noStrike">
-              <a:solidFill>
-                <a:srgbClr val="000000"/>
-              </a:solidFill>
-              <a:latin typeface="Arial"/>
-              <a:ea typeface="Arial"/>
-              <a:cs typeface="Arial"/>
-              <a:sym typeface="Arial"/>
-            </a:endParaRPr>
-          </a:p>
-          <a:p>
-            <a:pPr indent="-215900" lvl="0" marL="215900" marR="0" rtl="0" algn="l">
-              <a:lnSpc>
-                <a:spcPct val="100000"/>
-              </a:lnSpc>
-              <a:spcBef>
-                <a:spcPts val="0"/>
-              </a:spcBef>
-              <a:spcAft>
-                <a:spcPts val="0"/>
-              </a:spcAft>
-              <a:buClr>
-                <a:srgbClr val="000000"/>
-              </a:buClr>
-              <a:buSzPts val="1100"/>
-              <a:buFont typeface="Arial"/>
-              <a:buChar char="•"/>
-            </a:pPr>
-            <a:r>
-              <a:rPr b="0" i="0" lang="en-GB" sz="1100" u="none" cap="none" strike="noStrike">
-                <a:solidFill>
-                  <a:srgbClr val="000000"/>
-                </a:solidFill>
-                <a:latin typeface="Verdana"/>
-                <a:ea typeface="Verdana"/>
-                <a:cs typeface="Verdana"/>
-                <a:sym typeface="Verdana"/>
-              </a:rPr>
-              <a:t>XX</a:t>
-            </a:r>
-            <a:endParaRPr b="0" i="0" sz="1100" u="none" cap="none" strike="noStrike">
-              <a:solidFill>
-                <a:srgbClr val="000000"/>
-              </a:solidFill>
-              <a:latin typeface="Arial"/>
-              <a:ea typeface="Arial"/>
-              <a:cs typeface="Arial"/>
-              <a:sym typeface="Arial"/>
-            </a:endParaRPr>
-          </a:p>
-          <a:p>
-            <a:pPr indent="0" lvl="0" marL="0" marR="0" rtl="0" algn="l">
-              <a:lnSpc>
-                <a:spcPct val="100000"/>
-              </a:lnSpc>
-              <a:spcBef>
-                <a:spcPts val="0"/>
-              </a:spcBef>
-              <a:spcAft>
-                <a:spcPts val="0"/>
-              </a:spcAft>
-              <a:buClr>
-                <a:srgbClr val="000000"/>
-              </a:buClr>
-              <a:buSzPts val="1100"/>
-              <a:buFont typeface="Arial"/>
-              <a:buNone/>
-            </a:pPr>
-            <a:r>
-              <a:t/>
-            </a:r>
-            <a:endParaRPr b="0" i="0" sz="1100" u="none" cap="none" strike="noStrike">
-              <a:solidFill>
-                <a:srgbClr val="000000"/>
-              </a:solidFill>
-              <a:latin typeface="Verdana"/>
-              <a:ea typeface="Verdana"/>
-              <a:cs typeface="Verdana"/>
-              <a:sym typeface="Verdana"/>
-            </a:endParaRPr>
-          </a:p>
-          <a:p>
-            <a:pPr indent="0" lvl="0" marL="0" marR="0" rtl="0" algn="l">
-              <a:lnSpc>
-                <a:spcPct val="100000"/>
-              </a:lnSpc>
-              <a:spcBef>
-                <a:spcPts val="0"/>
-              </a:spcBef>
-              <a:spcAft>
-                <a:spcPts val="0"/>
-              </a:spcAft>
-              <a:buClr>
-                <a:srgbClr val="000000"/>
-              </a:buClr>
-              <a:buSzPts val="1100"/>
-              <a:buFont typeface="Arial"/>
-              <a:buNone/>
-            </a:pPr>
-            <a:r>
-              <a:t/>
-            </a:r>
-            <a:endParaRPr b="0" i="0" sz="1100" u="none" cap="none" strike="noStrike">
-              <a:solidFill>
-                <a:srgbClr val="000000"/>
-              </a:solidFill>
-              <a:latin typeface="Verdana"/>
-              <a:ea typeface="Verdana"/>
-              <a:cs typeface="Verdana"/>
-              <a:sym typeface="Verdana"/>
-            </a:endParaRPr>
-          </a:p>
-          <a:p>
-            <a:pPr indent="0" lvl="0" marL="0" marR="0" rtl="0" algn="l">
-              <a:lnSpc>
-                <a:spcPct val="100000"/>
-              </a:lnSpc>
-              <a:spcBef>
-                <a:spcPts val="0"/>
-              </a:spcBef>
-              <a:spcAft>
-                <a:spcPts val="0"/>
-              </a:spcAft>
-              <a:buClr>
-                <a:srgbClr val="000000"/>
-              </a:buClr>
-              <a:buSzPts val="1100"/>
-              <a:buFont typeface="Arial"/>
-              <a:buNone/>
-            </a:pPr>
-            <a:r>
-              <a:t/>
-            </a:r>
-            <a:endParaRPr b="0" i="0" sz="1100" u="none" cap="none" strike="noStrike">
-              <a:solidFill>
-                <a:srgbClr val="000000"/>
-              </a:solidFill>
-              <a:latin typeface="Verdana"/>
-              <a:ea typeface="Verdana"/>
-              <a:cs typeface="Verdana"/>
-              <a:sym typeface="Verdana"/>
-            </a:endParaRPr>
-          </a:p>
-          <a:p>
-            <a:pPr indent="0" lvl="0" marL="0" marR="0" rtl="0" algn="l">
-              <a:lnSpc>
-                <a:spcPct val="100000"/>
-              </a:lnSpc>
-              <a:spcBef>
-                <a:spcPts val="0"/>
-              </a:spcBef>
-              <a:spcAft>
-                <a:spcPts val="0"/>
-              </a:spcAft>
-              <a:buClr>
-                <a:srgbClr val="000000"/>
-              </a:buClr>
-              <a:buSzPts val="1100"/>
-              <a:buFont typeface="Arial"/>
-              <a:buNone/>
-            </a:pPr>
-            <a:r>
-              <a:t/>
-            </a:r>
-            <a:endParaRPr b="0" i="0" sz="1100" u="none" cap="none" strike="noStrike">
-              <a:solidFill>
-                <a:srgbClr val="000000"/>
-              </a:solidFill>
-              <a:latin typeface="Verdana"/>
-              <a:ea typeface="Verdana"/>
-              <a:cs typeface="Verdana"/>
-              <a:sym typeface="Verdana"/>
-            </a:endParaRPr>
-          </a:p>
-          <a:p>
-            <a:pPr indent="0" lvl="0" marL="0" marR="0" rtl="0" algn="l">
-              <a:lnSpc>
-                <a:spcPct val="100000"/>
-              </a:lnSpc>
-              <a:spcBef>
-                <a:spcPts val="0"/>
-              </a:spcBef>
-              <a:spcAft>
-                <a:spcPts val="0"/>
-              </a:spcAft>
-              <a:buClr>
-                <a:srgbClr val="000000"/>
-              </a:buClr>
-              <a:buSzPts val="1100"/>
-              <a:buFont typeface="Arial"/>
-              <a:buNone/>
-            </a:pPr>
-            <a:r>
-              <a:t/>
-            </a:r>
-            <a:endParaRPr b="0" i="0" sz="1100" u="none" cap="none" strike="noStrike">
-              <a:solidFill>
-                <a:srgbClr val="000000"/>
-              </a:solidFill>
-              <a:latin typeface="Verdana"/>
-              <a:ea typeface="Verdana"/>
-              <a:cs typeface="Verdana"/>
-              <a:sym typeface="Verdana"/>
-            </a:endParaRPr>
-          </a:p>
-          <a:p>
-            <a:pPr indent="0" lvl="0" marL="0" marR="0" rtl="0" algn="l">
-              <a:lnSpc>
-                <a:spcPct val="100000"/>
-              </a:lnSpc>
-              <a:spcBef>
-                <a:spcPts val="0"/>
-              </a:spcBef>
-              <a:spcAft>
-                <a:spcPts val="0"/>
-              </a:spcAft>
-              <a:buClr>
-                <a:srgbClr val="000000"/>
-              </a:buClr>
-              <a:buSzPts val="1100"/>
-              <a:buFont typeface="Arial"/>
-              <a:buNone/>
-            </a:pPr>
-            <a:r>
-              <a:t/>
-            </a:r>
-            <a:endParaRPr b="0" i="0" sz="1100" u="none" cap="none" strike="noStrike">
-              <a:solidFill>
-                <a:srgbClr val="000000"/>
-              </a:solidFill>
-              <a:latin typeface="Verdana"/>
-              <a:ea typeface="Verdana"/>
-              <a:cs typeface="Verdana"/>
-              <a:sym typeface="Verdana"/>
-            </a:endParaRPr>
-          </a:p>
-          <a:p>
-            <a:pPr indent="-215900" lvl="0" marL="215900" marR="0" rtl="0" algn="l">
-              <a:lnSpc>
-                <a:spcPct val="100000"/>
-              </a:lnSpc>
-              <a:spcBef>
-                <a:spcPts val="0"/>
-              </a:spcBef>
-              <a:spcAft>
-                <a:spcPts val="0"/>
-              </a:spcAft>
-              <a:buClr>
-                <a:srgbClr val="000000"/>
-              </a:buClr>
-              <a:buSzPts val="1100"/>
-              <a:buFont typeface="Arial"/>
-              <a:buChar char="•"/>
-            </a:pPr>
-            <a:r>
-              <a:rPr b="0" i="0" lang="en-GB" sz="1100" u="none" cap="none" strike="noStrike">
-                <a:solidFill>
-                  <a:srgbClr val="000000"/>
-                </a:solidFill>
-                <a:latin typeface="Verdana"/>
-                <a:ea typeface="Verdana"/>
-                <a:cs typeface="Verdana"/>
-                <a:sym typeface="Verdana"/>
-              </a:rPr>
-              <a:t> </a:t>
-            </a:r>
-            <a:endParaRPr b="0" i="0" sz="1100" u="none" cap="none" strike="noStrike">
-              <a:solidFill>
-                <a:srgbClr val="000000"/>
-              </a:solidFill>
-              <a:latin typeface="Arial"/>
-              <a:ea typeface="Arial"/>
-              <a:cs typeface="Arial"/>
-              <a:sym typeface="Arial"/>
             </a:endParaRPr>
           </a:p>
         </p:txBody>
@@ -15381,7 +16039,7 @@
   <p:cSld>
     <p:spTree>
       <p:nvGrpSpPr>
-        <p:cNvPr id="128" name="Shape 128"/>
+        <p:cNvPr id="129" name="Shape 129"/>
         <p:cNvGrpSpPr/>
         <p:nvPr/>
       </p:nvGrpSpPr>
@@ -15395,7 +16053,7 @@
       </p:grpSpPr>
       <p:sp>
         <p:nvSpPr>
-          <p:cNvPr id="129" name="Google Shape;129;p27"/>
+          <p:cNvPr id="130" name="Google Shape;130;p27"/>
           <p:cNvSpPr txBox="1"/>
           <p:nvPr>
             <p:ph idx="12" type="sldNum"/>
@@ -15404,7 +16062,7 @@
         <p:spPr>
           <a:xfrm>
             <a:off x="7086599" y="4869656"/>
-            <a:ext cx="2057400" cy="273844"/>
+            <a:ext cx="2057400" cy="273900"/>
           </a:xfrm>
           <a:prstGeom prst="rect">
             <a:avLst/>
@@ -15443,14 +16101,14 @@
       </p:sp>
       <p:sp>
         <p:nvSpPr>
-          <p:cNvPr id="130" name="Google Shape;130;p27"/>
+          <p:cNvPr id="131" name="Google Shape;131;p27"/>
           <p:cNvSpPr txBox="1"/>
           <p:nvPr/>
         </p:nvSpPr>
         <p:spPr>
           <a:xfrm>
             <a:off x="750093" y="174206"/>
-            <a:ext cx="7886700" cy="370393"/>
+            <a:ext cx="7886700" cy="370500"/>
           </a:xfrm>
           <a:prstGeom prst="rect">
             <a:avLst/>
@@ -15493,7 +16151,7 @@
                 <a:cs typeface="Montserrat"/>
                 <a:sym typeface="Montserrat"/>
               </a:rPr>
-              <a:t>Architecture  </a:t>
+              <a:t>Literature Survey</a:t>
             </a:r>
             <a:endParaRPr b="0" i="0" sz="1100" u="none" cap="none" strike="noStrike">
               <a:solidFill>
@@ -15509,14 +16167,14 @@
       </p:sp>
       <p:sp>
         <p:nvSpPr>
-          <p:cNvPr id="131" name="Google Shape;131;p27"/>
+          <p:cNvPr id="132" name="Google Shape;132;p27"/>
           <p:cNvSpPr txBox="1"/>
           <p:nvPr/>
         </p:nvSpPr>
         <p:spPr>
           <a:xfrm>
-            <a:off x="339213" y="597672"/>
-            <a:ext cx="4321200" cy="4301700"/>
+            <a:off x="339212" y="653649"/>
+            <a:ext cx="8495100" cy="4301700"/>
           </a:xfrm>
           <a:prstGeom prst="rect">
             <a:avLst/>
@@ -15550,101 +16208,7 @@
               <a:buNone/>
             </a:pPr>
             <a:r>
-              <a:rPr lang="en-GB" sz="1100">
-                <a:latin typeface="Verdana"/>
-                <a:ea typeface="Verdana"/>
-                <a:cs typeface="Verdana"/>
-                <a:sym typeface="Verdana"/>
-              </a:rPr>
-              <a:t>Structural Diagram</a:t>
-            </a:r>
-            <a:endParaRPr b="0" i="0" sz="1100" u="none" cap="none" strike="noStrike">
-              <a:solidFill>
-                <a:srgbClr val="000000"/>
-              </a:solidFill>
-              <a:latin typeface="Verdana"/>
-              <a:ea typeface="Verdana"/>
-              <a:cs typeface="Verdana"/>
-              <a:sym typeface="Verdana"/>
-            </a:endParaRPr>
-          </a:p>
-        </p:txBody>
-      </p:sp>
-      <p:sp>
-        <p:nvSpPr>
-          <p:cNvPr id="132" name="Google Shape;132;p27"/>
-          <p:cNvSpPr txBox="1"/>
-          <p:nvPr/>
-        </p:nvSpPr>
-        <p:spPr>
-          <a:xfrm>
-            <a:off x="4660491" y="567836"/>
-            <a:ext cx="4321278" cy="4301821"/>
-          </a:xfrm>
-          <a:prstGeom prst="rect">
-            <a:avLst/>
-          </a:prstGeom>
-          <a:noFill/>
-          <a:ln>
-            <a:noFill/>
-          </a:ln>
-        </p:spPr>
-        <p:txBody>
-          <a:bodyPr anchorCtr="0" anchor="t" bIns="34275" lIns="68575" spcFirstLastPara="1" rIns="68575" wrap="square" tIns="34275">
-            <a:noAutofit/>
-          </a:bodyPr>
-          <a:lstStyle/>
-          <a:p>
-            <a:pPr indent="0" lvl="0" marL="0" marR="0" rtl="0" algn="l">
-              <a:lnSpc>
-                <a:spcPct val="100000"/>
-              </a:lnSpc>
-              <a:spcBef>
-                <a:spcPts val="0"/>
-              </a:spcBef>
-              <a:spcAft>
-                <a:spcPts val="0"/>
-              </a:spcAft>
-              <a:buClr>
-                <a:srgbClr val="000000"/>
-              </a:buClr>
-              <a:buSzPts val="900"/>
-              <a:buFont typeface="Arial"/>
-              <a:buNone/>
-            </a:pPr>
-            <a:r>
-              <a:t/>
-            </a:r>
-            <a:endParaRPr b="0" i="0" sz="1100" u="none" cap="none" strike="noStrike">
-              <a:solidFill>
-                <a:srgbClr val="000000"/>
-              </a:solidFill>
-              <a:latin typeface="Arial"/>
-              <a:ea typeface="Arial"/>
-              <a:cs typeface="Arial"/>
-              <a:sym typeface="Arial"/>
-            </a:endParaRPr>
-          </a:p>
-          <a:p>
-            <a:pPr indent="0" lvl="0" marL="0" marR="0" rtl="0" algn="l">
-              <a:lnSpc>
-                <a:spcPct val="100000"/>
-              </a:lnSpc>
-              <a:spcBef>
-                <a:spcPts val="0"/>
-              </a:spcBef>
-              <a:spcAft>
-                <a:spcPts val="0"/>
-              </a:spcAft>
-              <a:buClr>
-                <a:srgbClr val="000000"/>
-              </a:buClr>
-              <a:buSzPts val="900"/>
-              <a:buFont typeface="Arial"/>
-              <a:buNone/>
-            </a:pPr>
-            <a:r>
-              <a:rPr b="0" i="0" lang="en-GB" sz="900" u="none" cap="none" strike="noStrike">
+              <a:rPr b="1" i="0" lang="en-GB" sz="1100" u="none" cap="none" strike="noStrike">
                 <a:solidFill>
                   <a:srgbClr val="000000"/>
                 </a:solidFill>
@@ -15653,7 +16217,7 @@
                 <a:cs typeface="Verdana"/>
                 <a:sym typeface="Verdana"/>
               </a:rPr>
-              <a:t> </a:t>
+              <a:t>Key Publications </a:t>
             </a:r>
             <a:endParaRPr b="0" i="0" sz="1100" u="none" cap="none" strike="noStrike">
               <a:solidFill>
@@ -15666,10 +16230,7 @@
             </a:endParaRPr>
           </a:p>
           <a:p>
-            <a:pPr indent="0" lvl="0" marL="0" marR="0" rtl="0" algn="l">
-              <a:lnSpc>
-                <a:spcPct val="100000"/>
-              </a:lnSpc>
+            <a:pPr indent="-323850" lvl="0" marL="457200" rtl="0" algn="l">
               <a:spcBef>
                 <a:spcPts val="0"/>
               </a:spcBef>
@@ -15677,19 +16238,351 @@
                 <a:spcPts val="0"/>
               </a:spcAft>
               <a:buClr>
-                <a:srgbClr val="000000"/>
+                <a:srgbClr val="757575"/>
               </a:buClr>
-              <a:buSzPts val="1100"/>
-              <a:buFont typeface="Arial"/>
-              <a:buNone/>
-            </a:pPr>
-            <a:r>
-              <a:t/>
+              <a:buSzPts val="1500"/>
+              <a:buFont typeface="Raleway"/>
+              <a:buChar char="●"/>
+            </a:pPr>
+            <a:r>
+              <a:rPr b="1" lang="en-GB" sz="1500">
+                <a:solidFill>
+                  <a:srgbClr val="757575"/>
+                </a:solidFill>
+                <a:latin typeface="Raleway"/>
+                <a:ea typeface="Raleway"/>
+                <a:cs typeface="Raleway"/>
+                <a:sym typeface="Raleway"/>
+              </a:rPr>
+              <a:t>1. </a:t>
+            </a:r>
+            <a:r>
+              <a:rPr b="1" lang="en-GB" sz="1500">
+                <a:solidFill>
+                  <a:srgbClr val="757575"/>
+                </a:solidFill>
+                <a:latin typeface="Raleway"/>
+                <a:ea typeface="Raleway"/>
+                <a:cs typeface="Raleway"/>
+                <a:sym typeface="Raleway"/>
+              </a:rPr>
+              <a:t>CaLiV: LiDAR-to-Vehicle Calibration of Arbitrary Sensor Setups</a:t>
+            </a:r>
+            <a:endParaRPr b="1" sz="1500">
+              <a:solidFill>
+                <a:srgbClr val="757575"/>
+              </a:solidFill>
+              <a:latin typeface="Raleway"/>
+              <a:ea typeface="Raleway"/>
+              <a:cs typeface="Raleway"/>
+              <a:sym typeface="Raleway"/>
+            </a:endParaRPr>
+          </a:p>
+          <a:p>
+            <a:pPr indent="0" lvl="0" marL="0" rtl="0" algn="l">
+              <a:lnSpc>
+                <a:spcPct val="115000"/>
+              </a:lnSpc>
+              <a:spcBef>
+                <a:spcPts val="0"/>
+              </a:spcBef>
+              <a:spcAft>
+                <a:spcPts val="0"/>
+              </a:spcAft>
+              <a:buNone/>
+            </a:pPr>
+            <a:r>
+              <a:rPr lang="en-GB" sz="1200">
+                <a:latin typeface="Raleway"/>
+                <a:ea typeface="Raleway"/>
+                <a:cs typeface="Raleway"/>
+                <a:sym typeface="Raleway"/>
+              </a:rPr>
+              <a:t>Tahiraj </a:t>
+            </a:r>
+            <a:r>
+              <a:rPr i="1" lang="en-GB" sz="1200">
+                <a:latin typeface="Raleway"/>
+                <a:ea typeface="Raleway"/>
+                <a:cs typeface="Raleway"/>
+                <a:sym typeface="Raleway"/>
+              </a:rPr>
+              <a:t>et al. </a:t>
+            </a:r>
+            <a:r>
+              <a:rPr lang="en-GB" sz="1200">
+                <a:latin typeface="Raleway"/>
+                <a:ea typeface="Raleway"/>
+                <a:cs typeface="Raleway"/>
+                <a:sym typeface="Raleway"/>
+              </a:rPr>
+              <a:t>(2025) identified the challenges in calibrating arbitrary sensors used in robotic systems, particularly those lacking standardized interfaces or consistent data formats. These inconsistencies hinder accurate sensor fusion and system integration, affecting performance and reliability. </a:t>
+            </a:r>
+            <a:endParaRPr sz="1200">
+              <a:latin typeface="Raleway"/>
+              <a:ea typeface="Raleway"/>
+              <a:cs typeface="Raleway"/>
+              <a:sym typeface="Raleway"/>
+            </a:endParaRPr>
+          </a:p>
+          <a:p>
+            <a:pPr indent="0" lvl="0" marL="0" rtl="0" algn="l">
+              <a:lnSpc>
+                <a:spcPct val="115000"/>
+              </a:lnSpc>
+              <a:spcBef>
+                <a:spcPts val="700"/>
+              </a:spcBef>
+              <a:spcAft>
+                <a:spcPts val="0"/>
+              </a:spcAft>
+              <a:buNone/>
+            </a:pPr>
+            <a:r>
+              <a:rPr lang="en-GB" sz="1200">
+                <a:latin typeface="Raleway"/>
+                <a:ea typeface="Raleway"/>
+                <a:cs typeface="Raleway"/>
+                <a:sym typeface="Raleway"/>
+              </a:rPr>
+              <a:t>They provide a modular calibration framework to streamline sensor setup and alignment across diverse platforms. The approach includes automated data acquisition, transformation modeling, and error minimization techniques to ensure precise calibration regardless of sensor type. </a:t>
             </a:r>
             <a:endParaRPr b="0" i="0" sz="1100" u="none" cap="none" strike="noStrike">
               <a:solidFill>
                 <a:srgbClr val="000000"/>
               </a:solidFill>
+              <a:latin typeface="Verdana"/>
+              <a:ea typeface="Verdana"/>
+              <a:cs typeface="Verdana"/>
+              <a:sym typeface="Verdana"/>
+            </a:endParaRPr>
+          </a:p>
+          <a:p>
+            <a:pPr indent="-323850" lvl="0" marL="457200" marR="0" rtl="0" algn="l">
+              <a:lnSpc>
+                <a:spcPct val="100000"/>
+              </a:lnSpc>
+              <a:spcBef>
+                <a:spcPts val="700"/>
+              </a:spcBef>
+              <a:spcAft>
+                <a:spcPts val="0"/>
+              </a:spcAft>
+              <a:buClr>
+                <a:srgbClr val="757575"/>
+              </a:buClr>
+              <a:buSzPts val="1500"/>
+              <a:buFont typeface="Raleway"/>
+              <a:buChar char="●"/>
+            </a:pPr>
+            <a:r>
+              <a:rPr b="1" lang="en-GB" sz="1500">
+                <a:solidFill>
+                  <a:srgbClr val="757575"/>
+                </a:solidFill>
+                <a:latin typeface="Raleway"/>
+                <a:ea typeface="Raleway"/>
+                <a:cs typeface="Raleway"/>
+                <a:sym typeface="Raleway"/>
+              </a:rPr>
+              <a:t>4</a:t>
+            </a:r>
+            <a:r>
+              <a:rPr b="1" lang="en-GB" sz="1500">
+                <a:solidFill>
+                  <a:srgbClr val="757575"/>
+                </a:solidFill>
+                <a:latin typeface="Raleway"/>
+                <a:ea typeface="Raleway"/>
+                <a:cs typeface="Raleway"/>
+                <a:sym typeface="Raleway"/>
+              </a:rPr>
+              <a:t> </a:t>
+            </a:r>
+            <a:r>
+              <a:rPr b="1" lang="en-GB" sz="1500">
+                <a:solidFill>
+                  <a:srgbClr val="757575"/>
+                </a:solidFill>
+                <a:latin typeface="Raleway"/>
+                <a:ea typeface="Raleway"/>
+                <a:cs typeface="Raleway"/>
+                <a:sym typeface="Raleway"/>
+              </a:rPr>
+              <a:t>Extrinsic Calibration between a Camera and a 2D LiDAR using a Photogrammetric Control Field</a:t>
+            </a:r>
+            <a:endParaRPr b="1" sz="1500">
+              <a:solidFill>
+                <a:srgbClr val="757575"/>
+              </a:solidFill>
+              <a:latin typeface="Raleway"/>
+              <a:ea typeface="Raleway"/>
+              <a:cs typeface="Raleway"/>
+              <a:sym typeface="Raleway"/>
+            </a:endParaRPr>
+          </a:p>
+          <a:p>
+            <a:pPr indent="0" lvl="0" marL="0" rtl="0" algn="l">
+              <a:lnSpc>
+                <a:spcPct val="115000"/>
+              </a:lnSpc>
+              <a:spcBef>
+                <a:spcPts val="1200"/>
+              </a:spcBef>
+              <a:spcAft>
+                <a:spcPts val="0"/>
+              </a:spcAft>
+              <a:buNone/>
+            </a:pPr>
+            <a:r>
+              <a:rPr lang="en-GB" sz="1200">
+                <a:latin typeface="Raleway"/>
+                <a:ea typeface="Raleway"/>
+                <a:cs typeface="Raleway"/>
+                <a:sym typeface="Raleway"/>
+              </a:rPr>
+              <a:t>Huang </a:t>
+            </a:r>
+            <a:r>
+              <a:rPr i="1" lang="en-GB" sz="1200">
+                <a:latin typeface="Raleway"/>
+                <a:ea typeface="Raleway"/>
+                <a:cs typeface="Raleway"/>
+                <a:sym typeface="Raleway"/>
+              </a:rPr>
+              <a:t>et al. (2019)</a:t>
+            </a:r>
+            <a:r>
+              <a:rPr lang="en-GB" sz="1200">
+                <a:latin typeface="Raleway"/>
+                <a:ea typeface="Raleway"/>
+                <a:cs typeface="Raleway"/>
+                <a:sym typeface="Raleway"/>
+              </a:rPr>
+              <a:t>integration of cameras and 2D laser rangefinders (LRFs) in robotics and mapping often suffers from data misregistration due to imprecise sensor alignment. Existing calibration methods, require multiple shots, leading to instability, noise sensitivity, and potential convergence to local minima or multiple solutions.</a:t>
+            </a:r>
+            <a:endParaRPr>
+              <a:latin typeface="Raleway"/>
+              <a:ea typeface="Raleway"/>
+              <a:cs typeface="Raleway"/>
+              <a:sym typeface="Raleway"/>
+            </a:endParaRPr>
+          </a:p>
+          <a:p>
+            <a:pPr indent="0" lvl="0" marL="0" rtl="0" algn="l">
+              <a:lnSpc>
+                <a:spcPct val="115000"/>
+              </a:lnSpc>
+              <a:spcBef>
+                <a:spcPts val="1200"/>
+              </a:spcBef>
+              <a:spcAft>
+                <a:spcPts val="0"/>
+              </a:spcAft>
+              <a:buNone/>
+            </a:pPr>
+            <a:r>
+              <a:rPr lang="en-GB" sz="1200">
+                <a:latin typeface="Raleway"/>
+                <a:ea typeface="Raleway"/>
+                <a:cs typeface="Raleway"/>
+                <a:sym typeface="Raleway"/>
+              </a:rPr>
+              <a:t>The authors propose using a photogrammetric control field as a common reference to decouple calibration, requiring only one shot. The LRF is calibrated via a simplified perspective-three-point (P3P) problem using the room corner for robust intersection points, while the camera uses direct linear transformation (DLT) with numerous control points for accuracy. </a:t>
+            </a:r>
+            <a:endParaRPr sz="1200">
+              <a:latin typeface="Raleway"/>
+              <a:ea typeface="Raleway"/>
+              <a:cs typeface="Raleway"/>
+              <a:sym typeface="Raleway"/>
+            </a:endParaRPr>
+          </a:p>
+          <a:p>
+            <a:pPr indent="0" lvl="0" marL="0" rtl="0" algn="l">
+              <a:lnSpc>
+                <a:spcPct val="115000"/>
+              </a:lnSpc>
+              <a:spcBef>
+                <a:spcPts val="1200"/>
+              </a:spcBef>
+              <a:spcAft>
+                <a:spcPts val="0"/>
+              </a:spcAft>
+              <a:buNone/>
+            </a:pPr>
+            <a:r>
+              <a:t/>
+            </a:r>
+            <a:endParaRPr sz="1200">
+              <a:latin typeface="Raleway"/>
+              <a:ea typeface="Raleway"/>
+              <a:cs typeface="Raleway"/>
+              <a:sym typeface="Raleway"/>
+            </a:endParaRPr>
+          </a:p>
+          <a:p>
+            <a:pPr indent="0" lvl="0" marL="0" rtl="0" algn="l">
+              <a:lnSpc>
+                <a:spcPct val="115000"/>
+              </a:lnSpc>
+              <a:spcBef>
+                <a:spcPts val="500"/>
+              </a:spcBef>
+              <a:spcAft>
+                <a:spcPts val="0"/>
+              </a:spcAft>
+              <a:buNone/>
+            </a:pPr>
+            <a:r>
+              <a:t/>
+            </a:r>
+            <a:endParaRPr sz="1200">
+              <a:latin typeface="Raleway"/>
+              <a:ea typeface="Raleway"/>
+              <a:cs typeface="Raleway"/>
+              <a:sym typeface="Raleway"/>
+            </a:endParaRPr>
+          </a:p>
+          <a:p>
+            <a:pPr indent="0" lvl="0" marL="0" rtl="0" algn="l">
+              <a:lnSpc>
+                <a:spcPct val="115000"/>
+              </a:lnSpc>
+              <a:spcBef>
+                <a:spcPts val="0"/>
+              </a:spcBef>
+              <a:spcAft>
+                <a:spcPts val="0"/>
+              </a:spcAft>
+              <a:buNone/>
+            </a:pPr>
+            <a:r>
+              <a:t/>
+            </a:r>
+            <a:endParaRPr sz="1200">
+              <a:latin typeface="Raleway"/>
+              <a:ea typeface="Raleway"/>
+              <a:cs typeface="Raleway"/>
+              <a:sym typeface="Raleway"/>
+            </a:endParaRPr>
+          </a:p>
+          <a:p>
+            <a:pPr indent="0" lvl="0" marL="0" marR="0" rtl="0" algn="l">
+              <a:lnSpc>
+                <a:spcPct val="100000"/>
+              </a:lnSpc>
+              <a:spcBef>
+                <a:spcPts val="0"/>
+              </a:spcBef>
+              <a:spcAft>
+                <a:spcPts val="0"/>
+              </a:spcAft>
+              <a:buNone/>
+            </a:pPr>
+            <a:r>
+              <a:t/>
+            </a:r>
+            <a:endParaRPr sz="1100">
               <a:latin typeface="Verdana"/>
               <a:ea typeface="Verdana"/>
               <a:cs typeface="Verdana"/>
@@ -15734,7 +16627,7 @@
         <p:spPr>
           <a:xfrm>
             <a:off x="7086599" y="4869656"/>
-            <a:ext cx="2057400" cy="273844"/>
+            <a:ext cx="2057400" cy="273900"/>
           </a:xfrm>
           <a:prstGeom prst="rect">
             <a:avLst/>
@@ -15780,7 +16673,7 @@
         <p:spPr>
           <a:xfrm>
             <a:off x="750093" y="174206"/>
-            <a:ext cx="7886700" cy="370393"/>
+            <a:ext cx="7886700" cy="370500"/>
           </a:xfrm>
           <a:prstGeom prst="rect">
             <a:avLst/>
@@ -15823,7 +16716,7 @@
                 <a:cs typeface="Montserrat"/>
                 <a:sym typeface="Montserrat"/>
               </a:rPr>
-              <a:t>Use Cases &amp; Testing</a:t>
+              <a:t>Literature Survey</a:t>
             </a:r>
             <a:endParaRPr b="0" i="0" sz="1100" u="none" cap="none" strike="noStrike">
               <a:solidFill>
@@ -15845,8 +16738,8 @@
         </p:nvSpPr>
         <p:spPr>
           <a:xfrm>
-            <a:off x="339213" y="591072"/>
-            <a:ext cx="4321278" cy="4301821"/>
+            <a:off x="339212" y="653649"/>
+            <a:ext cx="8495100" cy="4301700"/>
           </a:xfrm>
           <a:prstGeom prst="rect">
             <a:avLst/>
@@ -15880,56 +16773,7 @@
               <a:buNone/>
             </a:pPr>
             <a:r>
-              <a:rPr b="1" i="0" lang="en-GB" sz="1100" u="none" cap="none" strike="noStrike">
-                <a:solidFill>
-                  <a:srgbClr val="000000"/>
-                </a:solidFill>
-                <a:latin typeface="Verdana"/>
-                <a:ea typeface="Verdana"/>
-                <a:cs typeface="Verdana"/>
-                <a:sym typeface="Verdana"/>
-              </a:rPr>
-              <a:t>Use Cases</a:t>
-            </a:r>
-            <a:endParaRPr b="0" i="0" sz="1100" u="none" cap="none" strike="noStrike">
-              <a:solidFill>
-                <a:srgbClr val="000000"/>
-              </a:solidFill>
-              <a:latin typeface="Arial"/>
-              <a:ea typeface="Arial"/>
-              <a:cs typeface="Arial"/>
-              <a:sym typeface="Arial"/>
-            </a:endParaRPr>
-          </a:p>
-          <a:p>
-            <a:pPr indent="-215900" lvl="0" marL="215900" marR="0" rtl="0" algn="l">
-              <a:lnSpc>
-                <a:spcPct val="100000"/>
-              </a:lnSpc>
-              <a:spcBef>
-                <a:spcPts val="0"/>
-              </a:spcBef>
-              <a:spcAft>
-                <a:spcPts val="0"/>
-              </a:spcAft>
-              <a:buClr>
-                <a:srgbClr val="000000"/>
-              </a:buClr>
-              <a:buSzPts val="1100"/>
-              <a:buFont typeface="Arial"/>
-              <a:buChar char="•"/>
-            </a:pPr>
-            <a:r>
-              <a:rPr b="0" i="0" lang="en-GB" sz="1100" u="none" cap="none" strike="noStrike">
-                <a:solidFill>
-                  <a:srgbClr val="000000"/>
-                </a:solidFill>
-                <a:latin typeface="Verdana"/>
-                <a:ea typeface="Verdana"/>
-                <a:cs typeface="Verdana"/>
-                <a:sym typeface="Verdana"/>
-              </a:rPr>
-              <a:t>Xx</a:t>
+              <a:t/>
             </a:r>
             <a:endParaRPr b="0" i="0" sz="1100" u="none" cap="none" strike="noStrike">
               <a:solidFill>
@@ -15942,7 +16786,7 @@
             </a:endParaRPr>
           </a:p>
           <a:p>
-            <a:pPr indent="-215900" lvl="0" marL="215900" marR="0" rtl="0" algn="l">
+            <a:pPr indent="0" lvl="0" marL="0" marR="0" rtl="0" algn="l">
               <a:lnSpc>
                 <a:spcPct val="100000"/>
               </a:lnSpc>
@@ -15957,24 +16801,192 @@
               </a:buClr>
               <a:buSzPts val="1100"/>
               <a:buFont typeface="Arial"/>
-              <a:buChar char="•"/>
-            </a:pPr>
-            <a:r>
-              <a:rPr b="0" i="0" lang="en-GB" sz="1100" u="none" cap="none" strike="noStrike">
+              <a:buNone/>
+            </a:pPr>
+            <a:r>
+              <a:rPr b="1" i="0" lang="en-GB" sz="1200" u="none" cap="none" strike="noStrike">
                 <a:solidFill>
                   <a:srgbClr val="000000"/>
+                </a:solidFill>
+                <a:latin typeface="Raleway"/>
+                <a:ea typeface="Raleway"/>
+                <a:cs typeface="Raleway"/>
+                <a:sym typeface="Raleway"/>
+              </a:rPr>
+              <a:t>Existing Implementations – Products| Opensource| GitHub etc </a:t>
+            </a:r>
+            <a:endParaRPr b="1" i="0" sz="1200" u="none" cap="none" strike="noStrike">
+              <a:solidFill>
+                <a:srgbClr val="000000"/>
+              </a:solidFill>
+              <a:latin typeface="Raleway"/>
+              <a:ea typeface="Raleway"/>
+              <a:cs typeface="Raleway"/>
+              <a:sym typeface="Raleway"/>
+            </a:endParaRPr>
+          </a:p>
+          <a:p>
+            <a:pPr indent="0" lvl="0" marL="0" marR="0" rtl="0" algn="l">
+              <a:lnSpc>
+                <a:spcPct val="100000"/>
+              </a:lnSpc>
+              <a:spcBef>
+                <a:spcPts val="0"/>
+              </a:spcBef>
+              <a:spcAft>
+                <a:spcPts val="0"/>
+              </a:spcAft>
+              <a:buClr>
+                <a:srgbClr val="000000"/>
+              </a:buClr>
+              <a:buSzPts val="1100"/>
+              <a:buFont typeface="Arial"/>
+              <a:buNone/>
+            </a:pPr>
+            <a:r>
+              <a:t/>
+            </a:r>
+            <a:endParaRPr sz="1200">
+              <a:latin typeface="Raleway"/>
+              <a:ea typeface="Raleway"/>
+              <a:cs typeface="Raleway"/>
+              <a:sym typeface="Raleway"/>
+            </a:endParaRPr>
+          </a:p>
+          <a:p>
+            <a:pPr indent="-304800" lvl="0" marL="457200" marR="0" rtl="0" algn="l">
+              <a:lnSpc>
+                <a:spcPct val="100000"/>
+              </a:lnSpc>
+              <a:spcBef>
+                <a:spcPts val="0"/>
+              </a:spcBef>
+              <a:spcAft>
+                <a:spcPts val="0"/>
+              </a:spcAft>
+              <a:buSzPts val="1200"/>
+              <a:buFont typeface="Raleway"/>
+              <a:buChar char="●"/>
+            </a:pPr>
+            <a:r>
+              <a:rPr lang="en-GB" sz="1200">
+                <a:latin typeface="Raleway"/>
+                <a:ea typeface="Raleway"/>
+                <a:cs typeface="Raleway"/>
+                <a:sym typeface="Raleway"/>
+              </a:rPr>
+              <a:t>LiDAR to Camera Calibration using Checkerboard</a:t>
+            </a:r>
+            <a:endParaRPr sz="1200">
+              <a:latin typeface="Raleway"/>
+              <a:ea typeface="Raleway"/>
+              <a:cs typeface="Raleway"/>
+              <a:sym typeface="Raleway"/>
+            </a:endParaRPr>
+          </a:p>
+          <a:p>
+            <a:pPr indent="0" lvl="0" marL="457200" marR="0" rtl="0" algn="l">
+              <a:lnSpc>
+                <a:spcPct val="100000"/>
+              </a:lnSpc>
+              <a:spcBef>
+                <a:spcPts val="0"/>
+              </a:spcBef>
+              <a:spcAft>
+                <a:spcPts val="0"/>
+              </a:spcAft>
+              <a:buNone/>
+            </a:pPr>
+            <a:r>
+              <a:rPr b="1" lang="en-GB" sz="1200">
+                <a:latin typeface="Raleway"/>
+                <a:ea typeface="Raleway"/>
+                <a:cs typeface="Raleway"/>
+                <a:sym typeface="Raleway"/>
+              </a:rPr>
+              <a:t>Ranjit Unnikrishnan</a:t>
+            </a:r>
+            <a:endParaRPr b="1" sz="1200">
+              <a:latin typeface="Raleway"/>
+              <a:ea typeface="Raleway"/>
+              <a:cs typeface="Raleway"/>
+              <a:sym typeface="Raleway"/>
+            </a:endParaRPr>
+          </a:p>
+          <a:p>
+            <a:pPr indent="0" lvl="0" marL="0" rtl="0" algn="l">
+              <a:lnSpc>
+                <a:spcPct val="115000"/>
+              </a:lnSpc>
+              <a:spcBef>
+                <a:spcPts val="1100"/>
+              </a:spcBef>
+              <a:spcAft>
+                <a:spcPts val="0"/>
+              </a:spcAft>
+              <a:buNone/>
+            </a:pPr>
+            <a:r>
+              <a:rPr lang="en-GB" sz="1150">
+                <a:latin typeface="Raleway"/>
+                <a:ea typeface="Raleway"/>
+                <a:cs typeface="Raleway"/>
+                <a:sym typeface="Raleway"/>
+              </a:rPr>
+              <a:t>Laser-Camera Calibration Toolbox (LCCT), a Matlab</a:t>
+            </a:r>
+            <a:r>
+              <a:rPr baseline="30000" lang="en-GB" sz="1150">
+                <a:latin typeface="Raleway"/>
+                <a:ea typeface="Raleway"/>
+                <a:cs typeface="Raleway"/>
+                <a:sym typeface="Raleway"/>
+              </a:rPr>
+              <a:t>®</a:t>
+            </a:r>
+            <a:r>
+              <a:rPr lang="en-GB" sz="1150">
+                <a:latin typeface="Raleway"/>
+                <a:ea typeface="Raleway"/>
+                <a:cs typeface="Raleway"/>
+                <a:sym typeface="Raleway"/>
+              </a:rPr>
+              <a:t> -based graphical user interface to an easy and portable technique for external calibration of a camera to a laser rangefinder.</a:t>
+            </a:r>
+            <a:endParaRPr sz="1200">
+              <a:latin typeface="Raleway"/>
+              <a:ea typeface="Raleway"/>
+              <a:cs typeface="Raleway"/>
+              <a:sym typeface="Raleway"/>
+            </a:endParaRPr>
+          </a:p>
+          <a:p>
+            <a:pPr indent="0" lvl="0" marL="457200" marR="0" rtl="0" algn="l">
+              <a:lnSpc>
+                <a:spcPct val="100000"/>
+              </a:lnSpc>
+              <a:spcBef>
+                <a:spcPts val="1100"/>
+              </a:spcBef>
+              <a:spcAft>
+                <a:spcPts val="0"/>
+              </a:spcAft>
+              <a:buNone/>
+            </a:pPr>
+            <a:r>
+              <a:rPr lang="en-GB" sz="1100" u="sng">
+                <a:solidFill>
+                  <a:schemeClr val="hlink"/>
                 </a:solidFill>
                 <a:latin typeface="Verdana"/>
                 <a:ea typeface="Verdana"/>
                 <a:cs typeface="Verdana"/>
                 <a:sym typeface="Verdana"/>
+                <a:hlinkClick r:id="rId3"/>
               </a:rPr>
-              <a:t>Xx</a:t>
-            </a:r>
-            <a:endParaRPr b="0" i="0" sz="1100" u="none" cap="none" strike="noStrike">
-              <a:solidFill>
-                <a:srgbClr val="000000"/>
-              </a:solidFill>
+              <a:t>https://www.cs.cmu.edu/~ranjith/lcct.html</a:t>
+            </a:r>
+            <a:endParaRPr sz="1100">
               <a:latin typeface="Verdana"/>
               <a:ea typeface="Verdana"/>
               <a:cs typeface="Verdana"/>
@@ -15982,110 +16994,22 @@
             </a:endParaRPr>
           </a:p>
           <a:p>
-            <a:pPr indent="-215900" lvl="0" marL="215900" marR="0" rtl="0" algn="l">
-              <a:lnSpc>
-                <a:spcPct val="100000"/>
-              </a:lnSpc>
-              <a:spcBef>
-                <a:spcPts val="0"/>
-              </a:spcBef>
-              <a:spcAft>
-                <a:spcPts val="0"/>
-              </a:spcAft>
-              <a:buClr>
-                <a:srgbClr val="000000"/>
-              </a:buClr>
-              <a:buSzPts val="1100"/>
-              <a:buFont typeface="Arial"/>
-              <a:buChar char="•"/>
-            </a:pPr>
-            <a:r>
-              <a:rPr b="0" i="0" lang="en-GB" sz="1100" u="none" cap="none" strike="noStrike">
-                <a:solidFill>
-                  <a:srgbClr val="000000"/>
-                </a:solidFill>
-                <a:latin typeface="Verdana"/>
-                <a:ea typeface="Verdana"/>
-                <a:cs typeface="Verdana"/>
-                <a:sym typeface="Verdana"/>
-              </a:rPr>
-              <a:t>X</a:t>
-            </a:r>
-            <a:endParaRPr b="0" i="0" sz="1100" u="none" cap="none" strike="noStrike">
-              <a:solidFill>
-                <a:srgbClr val="000000"/>
-              </a:solidFill>
-              <a:latin typeface="Arial"/>
-              <a:ea typeface="Arial"/>
-              <a:cs typeface="Arial"/>
-              <a:sym typeface="Arial"/>
-            </a:endParaRPr>
-          </a:p>
-          <a:p>
-            <a:pPr indent="-215900" lvl="0" marL="215900" marR="0" rtl="0" algn="l">
-              <a:lnSpc>
-                <a:spcPct val="100000"/>
-              </a:lnSpc>
-              <a:spcBef>
-                <a:spcPts val="0"/>
-              </a:spcBef>
-              <a:spcAft>
-                <a:spcPts val="0"/>
-              </a:spcAft>
-              <a:buClr>
-                <a:srgbClr val="000000"/>
-              </a:buClr>
-              <a:buSzPts val="1100"/>
-              <a:buFont typeface="Arial"/>
-              <a:buChar char="•"/>
-            </a:pPr>
-            <a:r>
-              <a:rPr b="0" i="0" lang="en-GB" sz="1100" u="none" cap="none" strike="noStrike">
-                <a:solidFill>
-                  <a:srgbClr val="000000"/>
-                </a:solidFill>
-                <a:latin typeface="Verdana"/>
-                <a:ea typeface="Verdana"/>
-                <a:cs typeface="Verdana"/>
-                <a:sym typeface="Verdana"/>
-              </a:rPr>
-              <a:t>X</a:t>
-            </a:r>
-            <a:endParaRPr b="0" i="0" sz="1100" u="none" cap="none" strike="noStrike">
-              <a:solidFill>
-                <a:srgbClr val="000000"/>
-              </a:solidFill>
-              <a:latin typeface="Arial"/>
-              <a:ea typeface="Arial"/>
-              <a:cs typeface="Arial"/>
-              <a:sym typeface="Arial"/>
-            </a:endParaRPr>
-          </a:p>
-          <a:p>
-            <a:pPr indent="-152400" lvl="0" marL="215900" marR="0" rtl="0" algn="l">
-              <a:lnSpc>
-                <a:spcPct val="100000"/>
-              </a:lnSpc>
-              <a:spcBef>
-                <a:spcPts val="0"/>
-              </a:spcBef>
-              <a:spcAft>
-                <a:spcPts val="0"/>
-              </a:spcAft>
-              <a:buClr>
-                <a:srgbClr val="000000"/>
-              </a:buClr>
-              <a:buSzPts val="1100"/>
-              <a:buFont typeface="Arial"/>
+            <a:pPr indent="0" lvl="0" marL="0" marR="0" rtl="0" algn="l">
+              <a:lnSpc>
+                <a:spcPct val="100000"/>
+              </a:lnSpc>
+              <a:spcBef>
+                <a:spcPts val="0"/>
+              </a:spcBef>
+              <a:spcAft>
+                <a:spcPts val="0"/>
+              </a:spcAft>
               <a:buNone/>
             </a:pPr>
             <a:r>
               <a:t/>
             </a:r>
-            <a:endParaRPr b="0" i="0" sz="1100" u="none" cap="none" strike="noStrike">
-              <a:solidFill>
-                <a:srgbClr val="000000"/>
-              </a:solidFill>
+            <a:endParaRPr sz="1100">
               <a:latin typeface="Verdana"/>
               <a:ea typeface="Verdana"/>
               <a:cs typeface="Verdana"/>
@@ -16093,247 +17017,162 @@
             </a:endParaRPr>
           </a:p>
           <a:p>
-            <a:pPr indent="-152400" lvl="0" marL="215900" marR="0" rtl="0" algn="l">
-              <a:lnSpc>
-                <a:spcPct val="100000"/>
-              </a:lnSpc>
-              <a:spcBef>
-                <a:spcPts val="0"/>
-              </a:spcBef>
-              <a:spcAft>
-                <a:spcPts val="0"/>
-              </a:spcAft>
-              <a:buClr>
-                <a:srgbClr val="000000"/>
-              </a:buClr>
-              <a:buSzPts val="1100"/>
-              <a:buFont typeface="Arial"/>
+            <a:pPr indent="-304800" lvl="0" marL="457200" marR="0" rtl="0" algn="l">
+              <a:lnSpc>
+                <a:spcPct val="100000"/>
+              </a:lnSpc>
+              <a:spcBef>
+                <a:spcPts val="0"/>
+              </a:spcBef>
+              <a:spcAft>
+                <a:spcPts val="0"/>
+              </a:spcAft>
+              <a:buSzPts val="1200"/>
+              <a:buFont typeface="Raleway"/>
+              <a:buChar char="●"/>
+            </a:pPr>
+            <a:r>
+              <a:rPr lang="en-GB" sz="1200">
+                <a:latin typeface="Raleway"/>
+                <a:ea typeface="Raleway"/>
+                <a:cs typeface="Raleway"/>
+                <a:sym typeface="Raleway"/>
+              </a:rPr>
+              <a:t>Intensity image-based LiDAR Fiducial Marker</a:t>
+            </a:r>
+            <a:endParaRPr sz="1200">
+              <a:latin typeface="Raleway"/>
+              <a:ea typeface="Raleway"/>
+              <a:cs typeface="Raleway"/>
+              <a:sym typeface="Raleway"/>
+            </a:endParaRPr>
+          </a:p>
+          <a:p>
+            <a:pPr indent="0" lvl="0" marL="457200" marR="0" rtl="0" algn="l">
+              <a:lnSpc>
+                <a:spcPct val="100000"/>
+              </a:lnSpc>
+              <a:spcBef>
+                <a:spcPts val="0"/>
+              </a:spcBef>
+              <a:spcAft>
+                <a:spcPts val="0"/>
+              </a:spcAft>
+              <a:buNone/>
+            </a:pPr>
+            <a:r>
+              <a:rPr b="1" lang="en-GB" sz="1200">
+                <a:latin typeface="Raleway"/>
+                <a:ea typeface="Raleway"/>
+                <a:cs typeface="Raleway"/>
+                <a:sym typeface="Raleway"/>
+              </a:rPr>
+              <a:t>Liu </a:t>
+            </a:r>
+            <a:r>
+              <a:rPr b="1" i="1" lang="en-GB" sz="1200">
+                <a:latin typeface="Raleway"/>
+                <a:ea typeface="Raleway"/>
+                <a:cs typeface="Raleway"/>
+                <a:sym typeface="Raleway"/>
+              </a:rPr>
+              <a:t>et al. </a:t>
+            </a:r>
+            <a:r>
+              <a:rPr b="1" lang="en-GB" sz="1200">
+                <a:latin typeface="Raleway"/>
+                <a:ea typeface="Raleway"/>
+                <a:cs typeface="Raleway"/>
+                <a:sym typeface="Raleway"/>
+              </a:rPr>
+              <a:t>2022</a:t>
+            </a:r>
+            <a:endParaRPr b="1" sz="1200">
+              <a:latin typeface="Raleway"/>
+              <a:ea typeface="Raleway"/>
+              <a:cs typeface="Raleway"/>
+              <a:sym typeface="Raleway"/>
+            </a:endParaRPr>
+          </a:p>
+          <a:p>
+            <a:pPr indent="0" lvl="0" marL="0" marR="0" rtl="0" algn="l">
+              <a:lnSpc>
+                <a:spcPct val="100000"/>
+              </a:lnSpc>
+              <a:spcBef>
+                <a:spcPts val="0"/>
+              </a:spcBef>
+              <a:spcAft>
+                <a:spcPts val="0"/>
+              </a:spcAft>
+              <a:buNone/>
+            </a:pPr>
+            <a:r>
+              <a:rPr lang="en-GB" sz="1200">
+                <a:latin typeface="Raleway"/>
+                <a:ea typeface="Raleway"/>
+                <a:cs typeface="Raleway"/>
+                <a:sym typeface="Raleway"/>
+              </a:rPr>
+              <a:t>Using unstructured point cloud with intensity as the input and outputting the detected markers' information and the 6-DOF pose that describes the transmission from the world coordinate system to the LiDAR coordinate system.</a:t>
+            </a:r>
+            <a:endParaRPr sz="1200">
+              <a:latin typeface="Raleway"/>
+              <a:ea typeface="Raleway"/>
+              <a:cs typeface="Raleway"/>
+              <a:sym typeface="Raleway"/>
+            </a:endParaRPr>
+          </a:p>
+          <a:p>
+            <a:pPr indent="0" lvl="0" marL="457200" marR="0" rtl="0" algn="l">
+              <a:lnSpc>
+                <a:spcPct val="100000"/>
+              </a:lnSpc>
+              <a:spcBef>
+                <a:spcPts val="0"/>
+              </a:spcBef>
+              <a:spcAft>
+                <a:spcPts val="0"/>
+              </a:spcAft>
+              <a:buNone/>
+            </a:pPr>
+            <a:r>
+              <a:rPr lang="en-GB" sz="1200" u="sng">
+                <a:solidFill>
+                  <a:schemeClr val="hlink"/>
+                </a:solidFill>
+                <a:latin typeface="Raleway"/>
+                <a:ea typeface="Raleway"/>
+                <a:cs typeface="Raleway"/>
+                <a:sym typeface="Raleway"/>
+                <a:hlinkClick r:id="rId4"/>
+              </a:rPr>
+              <a:t>https://github.com/York-SDCNLab/IILFM?tab=readme-ov-file</a:t>
+            </a:r>
+            <a:endParaRPr sz="1200">
+              <a:latin typeface="Raleway"/>
+              <a:ea typeface="Raleway"/>
+              <a:cs typeface="Raleway"/>
+              <a:sym typeface="Raleway"/>
+            </a:endParaRPr>
+          </a:p>
+          <a:p>
+            <a:pPr indent="0" lvl="0" marL="457200" marR="0" rtl="0" algn="l">
+              <a:lnSpc>
+                <a:spcPct val="100000"/>
+              </a:lnSpc>
+              <a:spcBef>
+                <a:spcPts val="0"/>
+              </a:spcBef>
+              <a:spcAft>
+                <a:spcPts val="0"/>
+              </a:spcAft>
               <a:buNone/>
             </a:pPr>
             <a:r>
               <a:t/>
             </a:r>
-            <a:endParaRPr b="0" i="0" sz="1100" u="none" cap="none" strike="noStrike">
-              <a:solidFill>
-                <a:srgbClr val="000000"/>
-              </a:solidFill>
-              <a:latin typeface="Verdana"/>
-              <a:ea typeface="Verdana"/>
-              <a:cs typeface="Verdana"/>
-              <a:sym typeface="Verdana"/>
-            </a:endParaRPr>
-          </a:p>
-        </p:txBody>
-      </p:sp>
-      <p:sp>
-        <p:nvSpPr>
-          <p:cNvPr id="140" name="Google Shape;140;p28"/>
-          <p:cNvSpPr txBox="1"/>
-          <p:nvPr/>
-        </p:nvSpPr>
-        <p:spPr>
-          <a:xfrm>
-            <a:off x="4660491" y="567836"/>
-            <a:ext cx="4321278" cy="4301821"/>
-          </a:xfrm>
-          <a:prstGeom prst="rect">
-            <a:avLst/>
-          </a:prstGeom>
-          <a:noFill/>
-          <a:ln>
-            <a:noFill/>
-          </a:ln>
-        </p:spPr>
-        <p:txBody>
-          <a:bodyPr anchorCtr="0" anchor="t" bIns="34275" lIns="68575" spcFirstLastPara="1" rIns="68575" wrap="square" tIns="34275">
-            <a:noAutofit/>
-          </a:bodyPr>
-          <a:lstStyle/>
-          <a:p>
-            <a:pPr indent="0" lvl="0" marL="0" marR="0" rtl="0" algn="l">
-              <a:lnSpc>
-                <a:spcPct val="100000"/>
-              </a:lnSpc>
-              <a:spcBef>
-                <a:spcPts val="0"/>
-              </a:spcBef>
-              <a:spcAft>
-                <a:spcPts val="0"/>
-              </a:spcAft>
-              <a:buClr>
-                <a:srgbClr val="000000"/>
-              </a:buClr>
-              <a:buSzPts val="1100"/>
-              <a:buFont typeface="Arial"/>
-              <a:buNone/>
-            </a:pPr>
-            <a:r>
-              <a:rPr b="1" i="0" lang="en-GB" sz="1100" u="none" cap="none" strike="noStrike">
-                <a:solidFill>
-                  <a:srgbClr val="000000"/>
-                </a:solidFill>
-                <a:latin typeface="Verdana"/>
-                <a:ea typeface="Verdana"/>
-                <a:cs typeface="Verdana"/>
-                <a:sym typeface="Verdana"/>
-              </a:rPr>
-              <a:t>Test Cases </a:t>
-            </a:r>
-            <a:endParaRPr b="0" i="0" sz="1100" u="none" cap="none" strike="noStrike">
-              <a:solidFill>
-                <a:srgbClr val="000000"/>
-              </a:solidFill>
-              <a:latin typeface="Arial"/>
-              <a:ea typeface="Arial"/>
-              <a:cs typeface="Arial"/>
-              <a:sym typeface="Arial"/>
-            </a:endParaRPr>
-          </a:p>
-          <a:p>
-            <a:pPr indent="-215900" lvl="0" marL="215900" marR="0" rtl="0" algn="l">
-              <a:lnSpc>
-                <a:spcPct val="100000"/>
-              </a:lnSpc>
-              <a:spcBef>
-                <a:spcPts val="0"/>
-              </a:spcBef>
-              <a:spcAft>
-                <a:spcPts val="0"/>
-              </a:spcAft>
-              <a:buClr>
-                <a:srgbClr val="000000"/>
-              </a:buClr>
-              <a:buSzPts val="1100"/>
-              <a:buFont typeface="Arial"/>
-              <a:buChar char="•"/>
-            </a:pPr>
-            <a:r>
-              <a:rPr b="0" i="0" lang="en-GB" sz="1100" u="none" cap="none" strike="noStrike">
-                <a:solidFill>
-                  <a:srgbClr val="000000"/>
-                </a:solidFill>
-                <a:latin typeface="Verdana"/>
-                <a:ea typeface="Verdana"/>
-                <a:cs typeface="Verdana"/>
-                <a:sym typeface="Verdana"/>
-              </a:rPr>
-              <a:t>XX</a:t>
-            </a:r>
-            <a:endParaRPr b="0" i="0" sz="1100" u="none" cap="none" strike="noStrike">
-              <a:solidFill>
-                <a:srgbClr val="000000"/>
-              </a:solidFill>
-              <a:latin typeface="Arial"/>
-              <a:ea typeface="Arial"/>
-              <a:cs typeface="Arial"/>
-              <a:sym typeface="Arial"/>
-            </a:endParaRPr>
-          </a:p>
-          <a:p>
-            <a:pPr indent="-215900" lvl="0" marL="215900" marR="0" rtl="0" algn="l">
-              <a:lnSpc>
-                <a:spcPct val="100000"/>
-              </a:lnSpc>
-              <a:spcBef>
-                <a:spcPts val="0"/>
-              </a:spcBef>
-              <a:spcAft>
-                <a:spcPts val="0"/>
-              </a:spcAft>
-              <a:buClr>
-                <a:srgbClr val="000000"/>
-              </a:buClr>
-              <a:buSzPts val="1100"/>
-              <a:buFont typeface="Arial"/>
-              <a:buChar char="•"/>
-            </a:pPr>
-            <a:r>
-              <a:rPr b="0" i="0" lang="en-GB" sz="1100" u="none" cap="none" strike="noStrike">
-                <a:solidFill>
-                  <a:srgbClr val="000000"/>
-                </a:solidFill>
-                <a:latin typeface="Verdana"/>
-                <a:ea typeface="Verdana"/>
-                <a:cs typeface="Verdana"/>
-                <a:sym typeface="Verdana"/>
-              </a:rPr>
-              <a:t>XX</a:t>
-            </a:r>
-            <a:endParaRPr b="0" i="0" sz="1100" u="none" cap="none" strike="noStrike">
-              <a:solidFill>
-                <a:srgbClr val="000000"/>
-              </a:solidFill>
-              <a:latin typeface="Arial"/>
-              <a:ea typeface="Arial"/>
-              <a:cs typeface="Arial"/>
-              <a:sym typeface="Arial"/>
-            </a:endParaRPr>
-          </a:p>
-          <a:p>
-            <a:pPr indent="-215900" lvl="0" marL="215900" marR="0" rtl="0" algn="l">
-              <a:lnSpc>
-                <a:spcPct val="100000"/>
-              </a:lnSpc>
-              <a:spcBef>
-                <a:spcPts val="0"/>
-              </a:spcBef>
-              <a:spcAft>
-                <a:spcPts val="0"/>
-              </a:spcAft>
-              <a:buClr>
-                <a:srgbClr val="000000"/>
-              </a:buClr>
-              <a:buSzPts val="1100"/>
-              <a:buFont typeface="Arial"/>
-              <a:buChar char="•"/>
-            </a:pPr>
-            <a:r>
-              <a:rPr b="0" i="0" lang="en-GB" sz="1100" u="none" cap="none" strike="noStrike">
-                <a:solidFill>
-                  <a:srgbClr val="000000"/>
-                </a:solidFill>
-                <a:latin typeface="Verdana"/>
-                <a:ea typeface="Verdana"/>
-                <a:cs typeface="Verdana"/>
-                <a:sym typeface="Verdana"/>
-              </a:rPr>
-              <a:t>XX</a:t>
-            </a:r>
-            <a:endParaRPr b="0" i="0" sz="1100" u="none" cap="none" strike="noStrike">
-              <a:solidFill>
-                <a:srgbClr val="000000"/>
-              </a:solidFill>
-              <a:latin typeface="Arial"/>
-              <a:ea typeface="Arial"/>
-              <a:cs typeface="Arial"/>
-              <a:sym typeface="Arial"/>
-            </a:endParaRPr>
-          </a:p>
-          <a:p>
-            <a:pPr indent="-152400" lvl="0" marL="215900" marR="0" rtl="0" algn="l">
-              <a:lnSpc>
-                <a:spcPct val="100000"/>
-              </a:lnSpc>
-              <a:spcBef>
-                <a:spcPts val="0"/>
-              </a:spcBef>
-              <a:spcAft>
-                <a:spcPts val="0"/>
-              </a:spcAft>
-              <a:buClr>
-                <a:srgbClr val="000000"/>
-              </a:buClr>
-              <a:buSzPts val="1100"/>
-              <a:buFont typeface="Arial"/>
-              <a:buNone/>
-            </a:pPr>
-            <a:r>
-              <a:t/>
-            </a:r>
-            <a:endParaRPr b="0" i="0" sz="1100" u="none" cap="none" strike="noStrike">
-              <a:solidFill>
-                <a:srgbClr val="000000"/>
-              </a:solidFill>
+            <a:endParaRPr sz="1200">
               <a:latin typeface="Verdana"/>
               <a:ea typeface="Verdana"/>
               <a:cs typeface="Verdana"/>
@@ -16355,7 +17194,7 @@
   <p:cSld>
     <p:spTree>
       <p:nvGrpSpPr>
-        <p:cNvPr id="144" name="Shape 144"/>
+        <p:cNvPr id="143" name="Shape 143"/>
         <p:cNvGrpSpPr/>
         <p:nvPr/>
       </p:nvGrpSpPr>
@@ -16367,6 +17206,34 @@
           <a:chExt cx="0" cy="0"/>
         </a:xfrm>
       </p:grpSpPr>
+      <p:pic>
+        <p:nvPicPr>
+          <p:cNvPr id="144" name="Google Shape;144;p29"/>
+          <p:cNvPicPr preferRelativeResize="0"/>
+          <p:nvPr/>
+        </p:nvPicPr>
+        <p:blipFill>
+          <a:blip r:embed="rId3">
+            <a:alphaModFix/>
+          </a:blip>
+          <a:stretch>
+            <a:fillRect/>
+          </a:stretch>
+        </p:blipFill>
+        <p:spPr>
+          <a:xfrm>
+            <a:off x="5094475" y="567825"/>
+            <a:ext cx="3783475" cy="3984626"/>
+          </a:xfrm>
+          <a:prstGeom prst="rect">
+            <a:avLst/>
+          </a:prstGeom>
+          <a:noFill/>
+          <a:ln>
+            <a:noFill/>
+          </a:ln>
+        </p:spPr>
+      </p:pic>
       <p:sp>
         <p:nvSpPr>
           <p:cNvPr id="145" name="Google Shape;145;p29"/>
@@ -16467,7 +17334,7 @@
                 <a:cs typeface="Montserrat"/>
                 <a:sym typeface="Montserrat"/>
               </a:rPr>
-              <a:t>Implementation and Results – Iteration 1 </a:t>
+              <a:t>Architecture  </a:t>
             </a:r>
             <a:endParaRPr b="0" i="0" sz="1100" u="none" cap="none" strike="noStrike">
               <a:solidFill>
@@ -16489,8 +17356,8 @@
         </p:nvSpPr>
         <p:spPr>
           <a:xfrm>
-            <a:off x="339212" y="653649"/>
-            <a:ext cx="8495071" cy="4301821"/>
+            <a:off x="339213" y="597672"/>
+            <a:ext cx="4321200" cy="4301700"/>
           </a:xfrm>
           <a:prstGeom prst="rect">
             <a:avLst/>
@@ -16524,7 +17391,102 @@
               <a:buNone/>
             </a:pPr>
             <a:r>
-              <a:rPr b="1" i="0" lang="en-GB" sz="1100" u="none" cap="none" strike="noStrike">
+              <a:rPr lang="en-GB" sz="1100">
+                <a:latin typeface="Verdana"/>
+                <a:ea typeface="Verdana"/>
+                <a:cs typeface="Verdana"/>
+                <a:sym typeface="Verdana"/>
+              </a:rPr>
+              <a:t>Structural Diagram</a:t>
+            </a:r>
+            <a:endParaRPr b="0" i="0" sz="1100" u="none" cap="none" strike="noStrike">
+              <a:solidFill>
+                <a:srgbClr val="000000"/>
+              </a:solidFill>
+              <a:latin typeface="Verdana"/>
+              <a:ea typeface="Verdana"/>
+              <a:cs typeface="Verdana"/>
+              <a:sym typeface="Verdana"/>
+            </a:endParaRPr>
+          </a:p>
+        </p:txBody>
+      </p:sp>
+      <p:sp>
+        <p:nvSpPr>
+          <p:cNvPr id="148" name="Google Shape;148;p29"/>
+          <p:cNvSpPr txBox="1"/>
+          <p:nvPr/>
+        </p:nvSpPr>
+        <p:spPr>
+          <a:xfrm>
+            <a:off x="4660491" y="567836"/>
+            <a:ext cx="4321278" cy="4301821"/>
+          </a:xfrm>
+          <a:prstGeom prst="rect">
+            <a:avLst/>
+          </a:prstGeom>
+          <a:noFill/>
+          <a:ln>
+            <a:noFill/>
+          </a:ln>
+        </p:spPr>
+        <p:txBody>
+          <a:bodyPr anchorCtr="0" anchor="t" bIns="34275" lIns="68575" spcFirstLastPara="1" rIns="68575" wrap="square" tIns="34275">
+            <a:noAutofit/>
+          </a:bodyPr>
+          <a:lstStyle/>
+          <a:p>
+            <a:pPr indent="457200" lvl="0" marL="0" marR="0" rtl="0" algn="l">
+              <a:lnSpc>
+                <a:spcPct val="100000"/>
+              </a:lnSpc>
+              <a:spcBef>
+                <a:spcPts val="0"/>
+              </a:spcBef>
+              <a:spcAft>
+                <a:spcPts val="0"/>
+              </a:spcAft>
+              <a:buClr>
+                <a:srgbClr val="000000"/>
+              </a:buClr>
+              <a:buSzPts val="900"/>
+              <a:buFont typeface="Arial"/>
+              <a:buNone/>
+            </a:pPr>
+            <a:r>
+              <a:rPr lang="en-GB" sz="1100"/>
+              <a:t>FlowChart</a:t>
+            </a:r>
+            <a:endParaRPr b="0" i="0" sz="1100" u="none" cap="none" strike="noStrike">
+              <a:solidFill>
+                <a:srgbClr val="000000"/>
+              </a:solidFill>
+              <a:latin typeface="Arial"/>
+              <a:ea typeface="Arial"/>
+              <a:cs typeface="Arial"/>
+              <a:sym typeface="Arial"/>
+            </a:endParaRPr>
+          </a:p>
+          <a:p>
+            <a:pPr indent="0" lvl="0" marL="0" marR="0" rtl="0" algn="l">
+              <a:lnSpc>
+                <a:spcPct val="100000"/>
+              </a:lnSpc>
+              <a:spcBef>
+                <a:spcPts val="0"/>
+              </a:spcBef>
+              <a:spcAft>
+                <a:spcPts val="0"/>
+              </a:spcAft>
+              <a:buClr>
+                <a:srgbClr val="000000"/>
+              </a:buClr>
+              <a:buSzPts val="900"/>
+              <a:buFont typeface="Arial"/>
+              <a:buNone/>
+            </a:pPr>
+            <a:r>
+              <a:rPr b="0" i="0" lang="en-GB" sz="900" u="none" cap="none" strike="noStrike">
                 <a:solidFill>
                   <a:srgbClr val="000000"/>
                 </a:solidFill>
@@ -16533,7 +17495,7 @@
                 <a:cs typeface="Verdana"/>
                 <a:sym typeface="Verdana"/>
               </a:rPr>
-              <a:t>Iteration 1 : Results </a:t>
+              <a:t> </a:t>
             </a:r>
             <a:endParaRPr b="0" i="0" sz="1100" u="none" cap="none" strike="noStrike">
               <a:solidFill>
@@ -16576,70 +17538,36 @@
               <a:sym typeface="Verdana"/>
             </a:endParaRPr>
           </a:p>
-          <a:p>
-            <a:pPr indent="-152400" lvl="0" marL="215900" marR="0" rtl="0" algn="l">
-              <a:lnSpc>
-                <a:spcPct val="100000"/>
-              </a:lnSpc>
-              <a:spcBef>
-                <a:spcPts val="0"/>
-              </a:spcBef>
-              <a:spcAft>
-                <a:spcPts val="0"/>
-              </a:spcAft>
-              <a:buClr>
-                <a:srgbClr val="000000"/>
-              </a:buClr>
-              <a:buSzPts val="1100"/>
-              <a:buFont typeface="Arial"/>
-              <a:buNone/>
-            </a:pPr>
-            <a:r>
-              <a:t/>
-            </a:r>
-            <a:endParaRPr b="0" i="0" sz="1100" u="none" cap="none" strike="noStrike">
-              <a:solidFill>
-                <a:srgbClr val="000000"/>
-              </a:solidFill>
-              <a:latin typeface="Verdana"/>
-              <a:ea typeface="Verdana"/>
-              <a:cs typeface="Verdana"/>
-              <a:sym typeface="Verdana"/>
-            </a:endParaRPr>
-          </a:p>
-          <a:p>
-            <a:pPr indent="0" lvl="0" marL="0" marR="0" rtl="0" algn="l">
-              <a:lnSpc>
-                <a:spcPct val="100000"/>
-              </a:lnSpc>
-              <a:spcBef>
-                <a:spcPts val="0"/>
-              </a:spcBef>
-              <a:spcAft>
-                <a:spcPts val="0"/>
-              </a:spcAft>
-              <a:buClr>
-                <a:srgbClr val="000000"/>
-              </a:buClr>
-              <a:buSzPts val="1100"/>
-              <a:buFont typeface="Arial"/>
-              <a:buNone/>
-            </a:pPr>
-            <a:r>
-              <a:t/>
-            </a:r>
-            <a:endParaRPr b="0" i="0" sz="1100" u="none" cap="none" strike="noStrike">
-              <a:solidFill>
-                <a:srgbClr val="000000"/>
-              </a:solidFill>
-              <a:latin typeface="Verdana"/>
-              <a:ea typeface="Verdana"/>
-              <a:cs typeface="Verdana"/>
-              <a:sym typeface="Verdana"/>
-            </a:endParaRPr>
-          </a:p>
         </p:txBody>
       </p:sp>
+      <p:pic>
+        <p:nvPicPr>
+          <p:cNvPr id="149" name="Google Shape;149;p29"/>
+          <p:cNvPicPr preferRelativeResize="0"/>
+          <p:nvPr/>
+        </p:nvPicPr>
+        <p:blipFill>
+          <a:blip r:embed="rId4">
+            <a:alphaModFix/>
+          </a:blip>
+          <a:stretch>
+            <a:fillRect/>
+          </a:stretch>
+        </p:blipFill>
+        <p:spPr>
+          <a:xfrm>
+            <a:off x="217257" y="950925"/>
+            <a:ext cx="4750251" cy="3427126"/>
+          </a:xfrm>
+          <a:prstGeom prst="rect">
+            <a:avLst/>
+          </a:prstGeom>
+          <a:noFill/>
+          <a:ln>
+            <a:noFill/>
+          </a:ln>
+        </p:spPr>
+      </p:pic>
     </p:spTree>
   </p:cSld>
   <p:clrMapOvr>
@@ -16653,7 +17581,7 @@
   <p:cSld>
     <p:spTree>
       <p:nvGrpSpPr>
-        <p:cNvPr id="151" name="Shape 151"/>
+        <p:cNvPr id="153" name="Shape 153"/>
         <p:cNvGrpSpPr/>
         <p:nvPr/>
       </p:nvGrpSpPr>
@@ -16667,7 +17595,7 @@
       </p:grpSpPr>
       <p:sp>
         <p:nvSpPr>
-          <p:cNvPr id="152" name="Google Shape;152;p30"/>
+          <p:cNvPr id="154" name="Google Shape;154;p30"/>
           <p:cNvSpPr txBox="1"/>
           <p:nvPr>
             <p:ph idx="12" type="sldNum"/>
@@ -16715,14 +17643,14 @@
       </p:sp>
       <p:sp>
         <p:nvSpPr>
-          <p:cNvPr id="153" name="Google Shape;153;p30"/>
+          <p:cNvPr id="155" name="Google Shape;155;p30"/>
           <p:cNvSpPr txBox="1"/>
           <p:nvPr/>
         </p:nvSpPr>
         <p:spPr>
           <a:xfrm>
-            <a:off x="750093" y="174206"/>
-            <a:ext cx="7886700" cy="370393"/>
+            <a:off x="763318" y="40781"/>
+            <a:ext cx="7886700" cy="370500"/>
           </a:xfrm>
           <a:prstGeom prst="rect">
             <a:avLst/>
@@ -16765,7 +17693,7 @@
                 <a:cs typeface="Montserrat"/>
                 <a:sym typeface="Montserrat"/>
               </a:rPr>
-              <a:t>Implementation and Results – Iteration 2 </a:t>
+              <a:t>Use Cases &amp; Testing</a:t>
             </a:r>
             <a:endParaRPr b="0" i="0" sz="1100" u="none" cap="none" strike="noStrike">
               <a:solidFill>
@@ -16781,14 +17709,14 @@
       </p:sp>
       <p:sp>
         <p:nvSpPr>
-          <p:cNvPr id="154" name="Google Shape;154;p30"/>
+          <p:cNvPr id="156" name="Google Shape;156;p30"/>
           <p:cNvSpPr txBox="1"/>
           <p:nvPr/>
         </p:nvSpPr>
         <p:spPr>
           <a:xfrm>
-            <a:off x="339212" y="653649"/>
-            <a:ext cx="8495071" cy="4301821"/>
+            <a:off x="45575" y="366300"/>
+            <a:ext cx="4731300" cy="4538400"/>
           </a:xfrm>
           <a:prstGeom prst="rect">
             <a:avLst/>
@@ -16822,25 +17750,25 @@
               <a:buNone/>
             </a:pPr>
             <a:r>
-              <a:rPr b="1" i="0" lang="en-GB" sz="1100" u="none" cap="none" strike="noStrike">
+              <a:rPr b="1" i="0" lang="en-GB" sz="1300" u="none" cap="none" strike="noStrike">
                 <a:solidFill>
                   <a:srgbClr val="000000"/>
                 </a:solidFill>
-                <a:latin typeface="Verdana"/>
-                <a:ea typeface="Verdana"/>
-                <a:cs typeface="Verdana"/>
-                <a:sym typeface="Verdana"/>
+                <a:latin typeface="Raleway"/>
+                <a:ea typeface="Raleway"/>
+                <a:cs typeface="Raleway"/>
+                <a:sym typeface="Raleway"/>
               </a:rPr>
-              <a:t>Iteration : Results + Validation against the use cases and test cases </a:t>
-            </a:r>
-            <a:endParaRPr b="0" i="0" sz="1100" u="none" cap="none" strike="noStrike">
+              <a:t>Use Cases</a:t>
+            </a:r>
+            <a:endParaRPr b="1" i="0" sz="1300" u="none" cap="none" strike="noStrike">
               <a:solidFill>
                 <a:srgbClr val="000000"/>
               </a:solidFill>
-              <a:latin typeface="Arial"/>
-              <a:ea typeface="Arial"/>
-              <a:cs typeface="Arial"/>
-              <a:sym typeface="Arial"/>
+              <a:latin typeface="Raleway"/>
+              <a:ea typeface="Raleway"/>
+              <a:cs typeface="Raleway"/>
+              <a:sym typeface="Raleway"/>
             </a:endParaRPr>
           </a:p>
           <a:p>
@@ -16864,14 +17792,571 @@
             <a:r>
               <a:t/>
             </a:r>
-            <a:endParaRPr b="0" i="0" sz="1100" u="none" cap="none" strike="noStrike">
-              <a:solidFill>
-                <a:srgbClr val="000000"/>
-              </a:solidFill>
-              <a:latin typeface="Verdana"/>
-              <a:ea typeface="Verdana"/>
-              <a:cs typeface="Verdana"/>
-              <a:sym typeface="Verdana"/>
+            <a:endParaRPr sz="1000">
+              <a:latin typeface="Raleway"/>
+              <a:ea typeface="Raleway"/>
+              <a:cs typeface="Raleway"/>
+              <a:sym typeface="Raleway"/>
+            </a:endParaRPr>
+          </a:p>
+          <a:p>
+            <a:pPr indent="0" lvl="0" marL="0" rtl="0" algn="just">
+              <a:lnSpc>
+                <a:spcPct val="100000"/>
+              </a:lnSpc>
+              <a:spcBef>
+                <a:spcPts val="0"/>
+              </a:spcBef>
+              <a:spcAft>
+                <a:spcPts val="0"/>
+              </a:spcAft>
+              <a:buNone/>
+            </a:pPr>
+            <a:r>
+              <a:rPr lang="en-GB" sz="1000">
+                <a:latin typeface="Raleway"/>
+                <a:ea typeface="Raleway"/>
+                <a:cs typeface="Raleway"/>
+                <a:sym typeface="Raleway"/>
+              </a:rPr>
+              <a:t>Autonomous Vehicles</a:t>
+            </a:r>
+            <a:endParaRPr sz="1000">
+              <a:latin typeface="Raleway"/>
+              <a:ea typeface="Raleway"/>
+              <a:cs typeface="Raleway"/>
+              <a:sym typeface="Raleway"/>
+            </a:endParaRPr>
+          </a:p>
+          <a:p>
+            <a:pPr indent="-292100" lvl="0" marL="457200" rtl="0" algn="just">
+              <a:lnSpc>
+                <a:spcPct val="100000"/>
+              </a:lnSpc>
+              <a:spcBef>
+                <a:spcPts val="0"/>
+              </a:spcBef>
+              <a:spcAft>
+                <a:spcPts val="0"/>
+              </a:spcAft>
+              <a:buSzPts val="1000"/>
+              <a:buFont typeface="Raleway"/>
+              <a:buChar char="●"/>
+            </a:pPr>
+            <a:r>
+              <a:rPr lang="en-GB" sz="1000">
+                <a:latin typeface="Raleway"/>
+                <a:ea typeface="Raleway"/>
+                <a:cs typeface="Raleway"/>
+                <a:sym typeface="Raleway"/>
+              </a:rPr>
+              <a:t>Calibrating multiple roof-mounted LiDARs to achieve 360° perception.</a:t>
+            </a:r>
+            <a:endParaRPr sz="1000">
+              <a:latin typeface="Raleway"/>
+              <a:ea typeface="Raleway"/>
+              <a:cs typeface="Raleway"/>
+              <a:sym typeface="Raleway"/>
+            </a:endParaRPr>
+          </a:p>
+          <a:p>
+            <a:pPr indent="-292100" lvl="0" marL="457200" rtl="0" algn="just">
+              <a:lnSpc>
+                <a:spcPct val="100000"/>
+              </a:lnSpc>
+              <a:spcBef>
+                <a:spcPts val="0"/>
+              </a:spcBef>
+              <a:spcAft>
+                <a:spcPts val="0"/>
+              </a:spcAft>
+              <a:buSzPts val="1000"/>
+              <a:buFont typeface="Raleway"/>
+              <a:buChar char="●"/>
+            </a:pPr>
+            <a:r>
+              <a:rPr lang="en-GB" sz="1000">
+                <a:latin typeface="Raleway"/>
+                <a:ea typeface="Raleway"/>
+                <a:cs typeface="Raleway"/>
+                <a:sym typeface="Raleway"/>
+              </a:rPr>
+              <a:t>Reducing blind spots by fusing data from differently oriented sensors.</a:t>
+            </a:r>
+            <a:endParaRPr sz="1000">
+              <a:latin typeface="Raleway"/>
+              <a:ea typeface="Raleway"/>
+              <a:cs typeface="Raleway"/>
+              <a:sym typeface="Raleway"/>
+            </a:endParaRPr>
+          </a:p>
+          <a:p>
+            <a:pPr indent="0" lvl="0" marL="0" rtl="0" algn="just">
+              <a:lnSpc>
+                <a:spcPct val="100000"/>
+              </a:lnSpc>
+              <a:spcBef>
+                <a:spcPts val="0"/>
+              </a:spcBef>
+              <a:spcAft>
+                <a:spcPts val="0"/>
+              </a:spcAft>
+              <a:buNone/>
+            </a:pPr>
+            <a:r>
+              <a:t/>
+            </a:r>
+            <a:endParaRPr sz="1000">
+              <a:latin typeface="Raleway"/>
+              <a:ea typeface="Raleway"/>
+              <a:cs typeface="Raleway"/>
+              <a:sym typeface="Raleway"/>
+            </a:endParaRPr>
+          </a:p>
+          <a:p>
+            <a:pPr indent="0" lvl="0" marL="0" rtl="0" algn="just">
+              <a:lnSpc>
+                <a:spcPct val="100000"/>
+              </a:lnSpc>
+              <a:spcBef>
+                <a:spcPts val="0"/>
+              </a:spcBef>
+              <a:spcAft>
+                <a:spcPts val="0"/>
+              </a:spcAft>
+              <a:buNone/>
+            </a:pPr>
+            <a:r>
+              <a:rPr lang="en-GB" sz="1000">
+                <a:latin typeface="Raleway"/>
+                <a:ea typeface="Raleway"/>
+                <a:cs typeface="Raleway"/>
+                <a:sym typeface="Raleway"/>
+              </a:rPr>
+              <a:t>Robotics &amp; Drones</a:t>
+            </a:r>
+            <a:endParaRPr sz="1000">
+              <a:latin typeface="Raleway"/>
+              <a:ea typeface="Raleway"/>
+              <a:cs typeface="Raleway"/>
+              <a:sym typeface="Raleway"/>
+            </a:endParaRPr>
+          </a:p>
+          <a:p>
+            <a:pPr indent="-292100" lvl="0" marL="457200" rtl="0" algn="just">
+              <a:lnSpc>
+                <a:spcPct val="100000"/>
+              </a:lnSpc>
+              <a:spcBef>
+                <a:spcPts val="0"/>
+              </a:spcBef>
+              <a:spcAft>
+                <a:spcPts val="0"/>
+              </a:spcAft>
+              <a:buSzPts val="1000"/>
+              <a:buFont typeface="Raleway"/>
+              <a:buChar char="●"/>
+            </a:pPr>
+            <a:r>
+              <a:rPr lang="en-GB" sz="1000">
+                <a:latin typeface="Raleway"/>
+                <a:ea typeface="Raleway"/>
+                <a:cs typeface="Raleway"/>
+                <a:sym typeface="Raleway"/>
+              </a:rPr>
+              <a:t>Multi-LiDAR calibration for mobile robots operating in warehouses, mines, or construction sites.</a:t>
+            </a:r>
+            <a:endParaRPr sz="1000">
+              <a:latin typeface="Raleway"/>
+              <a:ea typeface="Raleway"/>
+              <a:cs typeface="Raleway"/>
+              <a:sym typeface="Raleway"/>
+            </a:endParaRPr>
+          </a:p>
+          <a:p>
+            <a:pPr indent="-292100" lvl="0" marL="457200" rtl="0" algn="just">
+              <a:lnSpc>
+                <a:spcPct val="100000"/>
+              </a:lnSpc>
+              <a:spcBef>
+                <a:spcPts val="0"/>
+              </a:spcBef>
+              <a:spcAft>
+                <a:spcPts val="0"/>
+              </a:spcAft>
+              <a:buSzPts val="1000"/>
+              <a:buFont typeface="Raleway"/>
+              <a:buChar char="●"/>
+            </a:pPr>
+            <a:r>
+              <a:rPr lang="en-GB" sz="1000">
+                <a:latin typeface="Raleway"/>
+                <a:ea typeface="Raleway"/>
+                <a:cs typeface="Raleway"/>
+                <a:sym typeface="Raleway"/>
+              </a:rPr>
+              <a:t>UAVs with forward and downward LiDARs needing consistent mapping.</a:t>
+            </a:r>
+            <a:endParaRPr sz="1000">
+              <a:latin typeface="Raleway"/>
+              <a:ea typeface="Raleway"/>
+              <a:cs typeface="Raleway"/>
+              <a:sym typeface="Raleway"/>
+            </a:endParaRPr>
+          </a:p>
+          <a:p>
+            <a:pPr indent="0" lvl="0" marL="0" rtl="0" algn="just">
+              <a:lnSpc>
+                <a:spcPct val="100000"/>
+              </a:lnSpc>
+              <a:spcBef>
+                <a:spcPts val="0"/>
+              </a:spcBef>
+              <a:spcAft>
+                <a:spcPts val="0"/>
+              </a:spcAft>
+              <a:buNone/>
+            </a:pPr>
+            <a:r>
+              <a:t/>
+            </a:r>
+            <a:endParaRPr sz="1000">
+              <a:latin typeface="Raleway"/>
+              <a:ea typeface="Raleway"/>
+              <a:cs typeface="Raleway"/>
+              <a:sym typeface="Raleway"/>
+            </a:endParaRPr>
+          </a:p>
+          <a:p>
+            <a:pPr indent="0" lvl="0" marL="0" rtl="0" algn="just">
+              <a:lnSpc>
+                <a:spcPct val="100000"/>
+              </a:lnSpc>
+              <a:spcBef>
+                <a:spcPts val="0"/>
+              </a:spcBef>
+              <a:spcAft>
+                <a:spcPts val="0"/>
+              </a:spcAft>
+              <a:buNone/>
+            </a:pPr>
+            <a:r>
+              <a:rPr lang="en-GB" sz="1000">
+                <a:latin typeface="Raleway"/>
+                <a:ea typeface="Raleway"/>
+                <a:cs typeface="Raleway"/>
+                <a:sym typeface="Raleway"/>
+              </a:rPr>
+              <a:t>Transportation &amp; Logistics</a:t>
+            </a:r>
+            <a:endParaRPr sz="1000">
+              <a:latin typeface="Raleway"/>
+              <a:ea typeface="Raleway"/>
+              <a:cs typeface="Raleway"/>
+              <a:sym typeface="Raleway"/>
+            </a:endParaRPr>
+          </a:p>
+          <a:p>
+            <a:pPr indent="-292100" lvl="0" marL="457200" rtl="0" algn="just">
+              <a:lnSpc>
+                <a:spcPct val="100000"/>
+              </a:lnSpc>
+              <a:spcBef>
+                <a:spcPts val="0"/>
+              </a:spcBef>
+              <a:spcAft>
+                <a:spcPts val="0"/>
+              </a:spcAft>
+              <a:buSzPts val="1000"/>
+              <a:buFont typeface="Raleway"/>
+              <a:buChar char="●"/>
+            </a:pPr>
+            <a:r>
+              <a:rPr lang="en-GB" sz="1000">
+                <a:latin typeface="Raleway"/>
+                <a:ea typeface="Raleway"/>
+                <a:cs typeface="Raleway"/>
+                <a:sym typeface="Raleway"/>
+              </a:rPr>
+              <a:t>Automated shuttles or delivery robots requiring consistent calibration without manual patterns.</a:t>
+            </a:r>
+            <a:endParaRPr sz="1000">
+              <a:latin typeface="Raleway"/>
+              <a:ea typeface="Raleway"/>
+              <a:cs typeface="Raleway"/>
+              <a:sym typeface="Raleway"/>
+            </a:endParaRPr>
+          </a:p>
+          <a:p>
+            <a:pPr indent="0" lvl="0" marL="0" rtl="0" algn="just">
+              <a:lnSpc>
+                <a:spcPct val="100000"/>
+              </a:lnSpc>
+              <a:spcBef>
+                <a:spcPts val="0"/>
+              </a:spcBef>
+              <a:spcAft>
+                <a:spcPts val="0"/>
+              </a:spcAft>
+              <a:buNone/>
+            </a:pPr>
+            <a:r>
+              <a:t/>
+            </a:r>
+            <a:endParaRPr sz="1000">
+              <a:latin typeface="Raleway"/>
+              <a:ea typeface="Raleway"/>
+              <a:cs typeface="Raleway"/>
+              <a:sym typeface="Raleway"/>
+            </a:endParaRPr>
+          </a:p>
+          <a:p>
+            <a:pPr indent="0" lvl="0" marL="0" rtl="0" algn="just">
+              <a:lnSpc>
+                <a:spcPct val="100000"/>
+              </a:lnSpc>
+              <a:spcBef>
+                <a:spcPts val="0"/>
+              </a:spcBef>
+              <a:spcAft>
+                <a:spcPts val="0"/>
+              </a:spcAft>
+              <a:buNone/>
+            </a:pPr>
+            <a:r>
+              <a:rPr lang="en-GB" sz="1000">
+                <a:latin typeface="Raleway"/>
+                <a:ea typeface="Raleway"/>
+                <a:cs typeface="Raleway"/>
+                <a:sym typeface="Raleway"/>
+              </a:rPr>
+              <a:t>Infrastructure Monitoring</a:t>
+            </a:r>
+            <a:endParaRPr sz="1000">
+              <a:latin typeface="Raleway"/>
+              <a:ea typeface="Raleway"/>
+              <a:cs typeface="Raleway"/>
+              <a:sym typeface="Raleway"/>
+            </a:endParaRPr>
+          </a:p>
+          <a:p>
+            <a:pPr indent="-292100" lvl="0" marL="457200" rtl="0" algn="just">
+              <a:lnSpc>
+                <a:spcPct val="100000"/>
+              </a:lnSpc>
+              <a:spcBef>
+                <a:spcPts val="0"/>
+              </a:spcBef>
+              <a:spcAft>
+                <a:spcPts val="0"/>
+              </a:spcAft>
+              <a:buSzPts val="1000"/>
+              <a:buFont typeface="Raleway"/>
+              <a:buChar char="●"/>
+            </a:pPr>
+            <a:r>
+              <a:rPr lang="en-GB" sz="1000">
+                <a:latin typeface="Raleway"/>
+                <a:ea typeface="Raleway"/>
+                <a:cs typeface="Raleway"/>
+                <a:sym typeface="Raleway"/>
+              </a:rPr>
+              <a:t>Road-mapping vehicles with multiple LiDARs for lane, curb, and building reconstruction.</a:t>
+            </a:r>
+            <a:endParaRPr sz="1000">
+              <a:latin typeface="Raleway"/>
+              <a:ea typeface="Raleway"/>
+              <a:cs typeface="Raleway"/>
+              <a:sym typeface="Raleway"/>
+            </a:endParaRPr>
+          </a:p>
+          <a:p>
+            <a:pPr indent="0" lvl="0" marL="457200" rtl="0" algn="just">
+              <a:lnSpc>
+                <a:spcPct val="100000"/>
+              </a:lnSpc>
+              <a:spcBef>
+                <a:spcPts val="0"/>
+              </a:spcBef>
+              <a:spcAft>
+                <a:spcPts val="0"/>
+              </a:spcAft>
+              <a:buNone/>
+            </a:pPr>
+            <a:r>
+              <a:t/>
+            </a:r>
+            <a:endParaRPr sz="1000">
+              <a:latin typeface="Raleway"/>
+              <a:ea typeface="Raleway"/>
+              <a:cs typeface="Raleway"/>
+              <a:sym typeface="Raleway"/>
+            </a:endParaRPr>
+          </a:p>
+          <a:p>
+            <a:pPr indent="0" lvl="0" marL="0" rtl="0" algn="just">
+              <a:lnSpc>
+                <a:spcPct val="100000"/>
+              </a:lnSpc>
+              <a:spcBef>
+                <a:spcPts val="0"/>
+              </a:spcBef>
+              <a:spcAft>
+                <a:spcPts val="0"/>
+              </a:spcAft>
+              <a:buNone/>
+            </a:pPr>
+            <a:r>
+              <a:rPr lang="en-GB" sz="1000">
+                <a:latin typeface="Raleway"/>
+                <a:ea typeface="Raleway"/>
+                <a:cs typeface="Raleway"/>
+                <a:sym typeface="Raleway"/>
+              </a:rPr>
+              <a:t>Research &amp; Development</a:t>
+            </a:r>
+            <a:endParaRPr sz="1000">
+              <a:latin typeface="Raleway"/>
+              <a:ea typeface="Raleway"/>
+              <a:cs typeface="Raleway"/>
+              <a:sym typeface="Raleway"/>
+            </a:endParaRPr>
+          </a:p>
+          <a:p>
+            <a:pPr indent="-292100" lvl="0" marL="457200" rtl="0" algn="just">
+              <a:lnSpc>
+                <a:spcPct val="100000"/>
+              </a:lnSpc>
+              <a:spcBef>
+                <a:spcPts val="0"/>
+              </a:spcBef>
+              <a:spcAft>
+                <a:spcPts val="0"/>
+              </a:spcAft>
+              <a:buSzPts val="1000"/>
+              <a:buFont typeface="Raleway"/>
+              <a:buChar char="●"/>
+            </a:pPr>
+            <a:r>
+              <a:rPr lang="en-GB" sz="1000">
+                <a:latin typeface="Raleway"/>
+                <a:ea typeface="Raleway"/>
+                <a:cs typeface="Raleway"/>
+                <a:sym typeface="Raleway"/>
+              </a:rPr>
+              <a:t>Providing an open-source tool (via ROS) for robotics and AV researchers to quickly calibrate sensors.</a:t>
+            </a:r>
+            <a:endParaRPr sz="1000">
+              <a:latin typeface="Raleway"/>
+              <a:ea typeface="Raleway"/>
+              <a:cs typeface="Raleway"/>
+              <a:sym typeface="Raleway"/>
+            </a:endParaRPr>
+          </a:p>
+          <a:p>
+            <a:pPr indent="0" lvl="0" marL="0" rtl="0" algn="just">
+              <a:lnSpc>
+                <a:spcPct val="100000"/>
+              </a:lnSpc>
+              <a:spcBef>
+                <a:spcPts val="0"/>
+              </a:spcBef>
+              <a:spcAft>
+                <a:spcPts val="0"/>
+              </a:spcAft>
+              <a:buNone/>
+            </a:pPr>
+            <a:r>
+              <a:t/>
+            </a:r>
+            <a:endParaRPr sz="1000">
+              <a:latin typeface="Raleway"/>
+              <a:ea typeface="Raleway"/>
+              <a:cs typeface="Raleway"/>
+              <a:sym typeface="Raleway"/>
+            </a:endParaRPr>
+          </a:p>
+          <a:p>
+            <a:pPr indent="0" lvl="0" marL="0" rtl="0" algn="just">
+              <a:lnSpc>
+                <a:spcPct val="100000"/>
+              </a:lnSpc>
+              <a:spcBef>
+                <a:spcPts val="0"/>
+              </a:spcBef>
+              <a:spcAft>
+                <a:spcPts val="0"/>
+              </a:spcAft>
+              <a:buNone/>
+            </a:pPr>
+            <a:r>
+              <a:rPr lang="en-GB" sz="1000">
+                <a:latin typeface="Raleway"/>
+                <a:ea typeface="Raleway"/>
+                <a:cs typeface="Raleway"/>
+                <a:sym typeface="Raleway"/>
+              </a:rPr>
+              <a:t>Sensor Fusion Systems</a:t>
+            </a:r>
+            <a:endParaRPr sz="1000">
+              <a:latin typeface="Raleway"/>
+              <a:ea typeface="Raleway"/>
+              <a:cs typeface="Raleway"/>
+              <a:sym typeface="Raleway"/>
+            </a:endParaRPr>
+          </a:p>
+          <a:p>
+            <a:pPr indent="-292100" lvl="0" marL="457200" rtl="0" algn="just">
+              <a:lnSpc>
+                <a:spcPct val="100000"/>
+              </a:lnSpc>
+              <a:spcBef>
+                <a:spcPts val="0"/>
+              </a:spcBef>
+              <a:spcAft>
+                <a:spcPts val="0"/>
+              </a:spcAft>
+              <a:buSzPts val="1000"/>
+              <a:buFont typeface="Raleway"/>
+              <a:buChar char="●"/>
+            </a:pPr>
+            <a:r>
+              <a:rPr lang="en-GB" sz="1000">
+                <a:latin typeface="Raleway"/>
+                <a:ea typeface="Raleway"/>
+                <a:cs typeface="Raleway"/>
+                <a:sym typeface="Raleway"/>
+              </a:rPr>
+              <a:t>Feeding downstream algorithms (object detection, SLAM, semantic mapping) with well-aligned LiDAR data.</a:t>
+            </a:r>
+            <a:endParaRPr sz="1000">
+              <a:latin typeface="Raleway"/>
+              <a:ea typeface="Raleway"/>
+              <a:cs typeface="Raleway"/>
+              <a:sym typeface="Raleway"/>
+            </a:endParaRPr>
+          </a:p>
+          <a:p>
+            <a:pPr indent="0" lvl="0" marL="0" marR="0" rtl="0" algn="l">
+              <a:lnSpc>
+                <a:spcPct val="100000"/>
+              </a:lnSpc>
+              <a:spcBef>
+                <a:spcPts val="0"/>
+              </a:spcBef>
+              <a:spcAft>
+                <a:spcPts val="0"/>
+              </a:spcAft>
+              <a:buNone/>
+            </a:pPr>
+            <a:r>
+              <a:t/>
+            </a:r>
+            <a:endParaRPr sz="1000">
+              <a:latin typeface="Raleway"/>
+              <a:ea typeface="Raleway"/>
+              <a:cs typeface="Raleway"/>
+              <a:sym typeface="Raleway"/>
             </a:endParaRPr>
           </a:p>
           <a:p>
@@ -16895,18 +18380,18 @@
             <a:r>
               <a:t/>
             </a:r>
-            <a:endParaRPr b="0" i="0" sz="1100" u="none" cap="none" strike="noStrike">
+            <a:endParaRPr i="0" sz="1000" u="none" cap="none" strike="noStrike">
               <a:solidFill>
                 <a:srgbClr val="000000"/>
               </a:solidFill>
-              <a:latin typeface="Verdana"/>
-              <a:ea typeface="Verdana"/>
-              <a:cs typeface="Verdana"/>
-              <a:sym typeface="Verdana"/>
+              <a:latin typeface="Raleway"/>
+              <a:ea typeface="Raleway"/>
+              <a:cs typeface="Raleway"/>
+              <a:sym typeface="Raleway"/>
             </a:endParaRPr>
           </a:p>
           <a:p>
-            <a:pPr indent="0" lvl="0" marL="0" marR="0" rtl="0" algn="l">
+            <a:pPr indent="-152400" lvl="0" marL="215900" marR="0" rtl="0" algn="l">
               <a:lnSpc>
                 <a:spcPct val="100000"/>
               </a:lnSpc>
@@ -16926,14 +18411,723 @@
             <a:r>
               <a:t/>
             </a:r>
-            <a:endParaRPr b="0" i="0" sz="1100" u="none" cap="none" strike="noStrike">
+            <a:endParaRPr i="0" sz="1000" u="none" cap="none" strike="noStrike">
               <a:solidFill>
                 <a:srgbClr val="000000"/>
               </a:solidFill>
-              <a:latin typeface="Verdana"/>
-              <a:ea typeface="Verdana"/>
-              <a:cs typeface="Verdana"/>
-              <a:sym typeface="Verdana"/>
+              <a:latin typeface="Raleway"/>
+              <a:ea typeface="Raleway"/>
+              <a:cs typeface="Raleway"/>
+              <a:sym typeface="Raleway"/>
+            </a:endParaRPr>
+          </a:p>
+        </p:txBody>
+      </p:sp>
+      <p:sp>
+        <p:nvSpPr>
+          <p:cNvPr id="157" name="Google Shape;157;p30"/>
+          <p:cNvSpPr txBox="1"/>
+          <p:nvPr/>
+        </p:nvSpPr>
+        <p:spPr>
+          <a:xfrm>
+            <a:off x="4776947" y="428990"/>
+            <a:ext cx="4409700" cy="4538400"/>
+          </a:xfrm>
+          <a:prstGeom prst="rect">
+            <a:avLst/>
+          </a:prstGeom>
+          <a:noFill/>
+          <a:ln>
+            <a:noFill/>
+          </a:ln>
+        </p:spPr>
+        <p:txBody>
+          <a:bodyPr anchorCtr="0" anchor="t" bIns="34275" lIns="68575" spcFirstLastPara="1" rIns="68575" wrap="square" tIns="34275">
+            <a:noAutofit/>
+          </a:bodyPr>
+          <a:lstStyle/>
+          <a:p>
+            <a:pPr indent="0" lvl="0" marL="0" marR="0" rtl="0" algn="just">
+              <a:lnSpc>
+                <a:spcPct val="100000"/>
+              </a:lnSpc>
+              <a:spcBef>
+                <a:spcPts val="0"/>
+              </a:spcBef>
+              <a:spcAft>
+                <a:spcPts val="0"/>
+              </a:spcAft>
+              <a:buClr>
+                <a:srgbClr val="000000"/>
+              </a:buClr>
+              <a:buSzPts val="1100"/>
+              <a:buFont typeface="Arial"/>
+              <a:buNone/>
+            </a:pPr>
+            <a:r>
+              <a:rPr b="1" i="0" lang="en-GB" u="none" cap="none" strike="noStrike">
+                <a:solidFill>
+                  <a:srgbClr val="000000"/>
+                </a:solidFill>
+                <a:latin typeface="Raleway"/>
+                <a:ea typeface="Raleway"/>
+                <a:cs typeface="Raleway"/>
+                <a:sym typeface="Raleway"/>
+              </a:rPr>
+              <a:t>Test Cases </a:t>
+            </a:r>
+            <a:endParaRPr b="1" i="0" u="none" cap="none" strike="noStrike">
+              <a:solidFill>
+                <a:srgbClr val="000000"/>
+              </a:solidFill>
+              <a:latin typeface="Raleway"/>
+              <a:ea typeface="Raleway"/>
+              <a:cs typeface="Raleway"/>
+              <a:sym typeface="Raleway"/>
+            </a:endParaRPr>
+          </a:p>
+          <a:p>
+            <a:pPr indent="0" lvl="0" marL="0" marR="0" rtl="0" algn="just">
+              <a:lnSpc>
+                <a:spcPct val="100000"/>
+              </a:lnSpc>
+              <a:spcBef>
+                <a:spcPts val="0"/>
+              </a:spcBef>
+              <a:spcAft>
+                <a:spcPts val="0"/>
+              </a:spcAft>
+              <a:buClr>
+                <a:srgbClr val="000000"/>
+              </a:buClr>
+              <a:buSzPts val="1100"/>
+              <a:buFont typeface="Arial"/>
+              <a:buNone/>
+            </a:pPr>
+            <a:r>
+              <a:t/>
+            </a:r>
+            <a:endParaRPr sz="1000">
+              <a:latin typeface="Raleway"/>
+              <a:ea typeface="Raleway"/>
+              <a:cs typeface="Raleway"/>
+              <a:sym typeface="Raleway"/>
+            </a:endParaRPr>
+          </a:p>
+          <a:p>
+            <a:pPr indent="-152400" lvl="0" marL="215900" rtl="0" algn="just">
+              <a:lnSpc>
+                <a:spcPct val="100000"/>
+              </a:lnSpc>
+              <a:spcBef>
+                <a:spcPts val="0"/>
+              </a:spcBef>
+              <a:spcAft>
+                <a:spcPts val="0"/>
+              </a:spcAft>
+              <a:buNone/>
+            </a:pPr>
+            <a:r>
+              <a:rPr b="1" lang="en-GB" sz="1000">
+                <a:latin typeface="Raleway"/>
+                <a:ea typeface="Raleway"/>
+                <a:cs typeface="Raleway"/>
+                <a:sym typeface="Raleway"/>
+              </a:rPr>
+              <a:t>Simulation-based accuracy tests</a:t>
+            </a:r>
+            <a:endParaRPr b="1" sz="1000">
+              <a:latin typeface="Raleway"/>
+              <a:ea typeface="Raleway"/>
+              <a:cs typeface="Raleway"/>
+              <a:sym typeface="Raleway"/>
+            </a:endParaRPr>
+          </a:p>
+          <a:p>
+            <a:pPr indent="-292100" lvl="0" marL="457200" rtl="0" algn="just">
+              <a:lnSpc>
+                <a:spcPct val="100000"/>
+              </a:lnSpc>
+              <a:spcBef>
+                <a:spcPts val="0"/>
+              </a:spcBef>
+              <a:spcAft>
+                <a:spcPts val="0"/>
+              </a:spcAft>
+              <a:buSzPts val="1000"/>
+              <a:buFont typeface="Raleway"/>
+              <a:buChar char="●"/>
+            </a:pPr>
+            <a:r>
+              <a:rPr lang="en-GB" sz="1000">
+                <a:latin typeface="Raleway"/>
+                <a:ea typeface="Raleway"/>
+                <a:cs typeface="Raleway"/>
+                <a:sym typeface="Raleway"/>
+              </a:rPr>
+              <a:t>Vary LiDAR configurations (aligned, tilted, etc).</a:t>
+            </a:r>
+            <a:endParaRPr sz="1000">
+              <a:latin typeface="Raleway"/>
+              <a:ea typeface="Raleway"/>
+              <a:cs typeface="Raleway"/>
+              <a:sym typeface="Raleway"/>
+            </a:endParaRPr>
+          </a:p>
+          <a:p>
+            <a:pPr indent="-292100" lvl="0" marL="457200" rtl="0" algn="just">
+              <a:lnSpc>
+                <a:spcPct val="100000"/>
+              </a:lnSpc>
+              <a:spcBef>
+                <a:spcPts val="0"/>
+              </a:spcBef>
+              <a:spcAft>
+                <a:spcPts val="0"/>
+              </a:spcAft>
+              <a:buSzPts val="1000"/>
+              <a:buFont typeface="Raleway"/>
+              <a:buChar char="●"/>
+            </a:pPr>
+            <a:r>
+              <a:rPr lang="en-GB" sz="1000">
+                <a:latin typeface="Raleway"/>
+                <a:ea typeface="Raleway"/>
+                <a:cs typeface="Raleway"/>
+                <a:sym typeface="Raleway"/>
+              </a:rPr>
+              <a:t>Introduce different initial guess errors (translation and rotation)</a:t>
+            </a:r>
+            <a:endParaRPr sz="1000">
+              <a:latin typeface="Raleway"/>
+              <a:ea typeface="Raleway"/>
+              <a:cs typeface="Raleway"/>
+              <a:sym typeface="Raleway"/>
+            </a:endParaRPr>
+          </a:p>
+          <a:p>
+            <a:pPr indent="0" lvl="0" marL="0" rtl="0" algn="just">
+              <a:lnSpc>
+                <a:spcPct val="100000"/>
+              </a:lnSpc>
+              <a:spcBef>
+                <a:spcPts val="0"/>
+              </a:spcBef>
+              <a:spcAft>
+                <a:spcPts val="0"/>
+              </a:spcAft>
+              <a:buNone/>
+            </a:pPr>
+            <a:r>
+              <a:rPr b="1" lang="en-GB" sz="1000">
+                <a:latin typeface="Raleway"/>
+                <a:ea typeface="Raleway"/>
+                <a:cs typeface="Raleway"/>
+                <a:sym typeface="Raleway"/>
+              </a:rPr>
+              <a:t>Convergence behavior</a:t>
+            </a:r>
+            <a:endParaRPr b="1" sz="1000">
+              <a:latin typeface="Raleway"/>
+              <a:ea typeface="Raleway"/>
+              <a:cs typeface="Raleway"/>
+              <a:sym typeface="Raleway"/>
+            </a:endParaRPr>
+          </a:p>
+          <a:p>
+            <a:pPr indent="-292100" lvl="0" marL="457200" rtl="0" algn="just">
+              <a:lnSpc>
+                <a:spcPct val="100000"/>
+              </a:lnSpc>
+              <a:spcBef>
+                <a:spcPts val="0"/>
+              </a:spcBef>
+              <a:spcAft>
+                <a:spcPts val="0"/>
+              </a:spcAft>
+              <a:buSzPts val="1000"/>
+              <a:buFont typeface="Raleway"/>
+              <a:buChar char="●"/>
+            </a:pPr>
+            <a:r>
+              <a:rPr lang="en-GB" sz="1000">
+                <a:latin typeface="Raleway"/>
+                <a:ea typeface="Raleway"/>
+                <a:cs typeface="Raleway"/>
+                <a:sym typeface="Raleway"/>
+              </a:rPr>
+              <a:t>Measure how many iterations are needed for stable calibration.</a:t>
+            </a:r>
+            <a:endParaRPr sz="1000">
+              <a:latin typeface="Raleway"/>
+              <a:ea typeface="Raleway"/>
+              <a:cs typeface="Raleway"/>
+              <a:sym typeface="Raleway"/>
+            </a:endParaRPr>
+          </a:p>
+          <a:p>
+            <a:pPr indent="-292100" lvl="0" marL="457200" rtl="0" algn="just">
+              <a:lnSpc>
+                <a:spcPct val="100000"/>
+              </a:lnSpc>
+              <a:spcBef>
+                <a:spcPts val="0"/>
+              </a:spcBef>
+              <a:spcAft>
+                <a:spcPts val="0"/>
+              </a:spcAft>
+              <a:buSzPts val="1000"/>
+              <a:buFont typeface="Raleway"/>
+              <a:buChar char="●"/>
+            </a:pPr>
+            <a:r>
+              <a:rPr lang="en-GB" sz="1000">
+                <a:latin typeface="Raleway"/>
+                <a:ea typeface="Raleway"/>
+                <a:cs typeface="Raleway"/>
+                <a:sym typeface="Raleway"/>
+              </a:rPr>
+              <a:t>Test with and without decay factor (γ) in ICP maximum correspondence distance.</a:t>
+            </a:r>
+            <a:endParaRPr sz="1000">
+              <a:latin typeface="Raleway"/>
+              <a:ea typeface="Raleway"/>
+              <a:cs typeface="Raleway"/>
+              <a:sym typeface="Raleway"/>
+            </a:endParaRPr>
+          </a:p>
+          <a:p>
+            <a:pPr indent="0" lvl="0" marL="0" rtl="0" algn="just">
+              <a:lnSpc>
+                <a:spcPct val="100000"/>
+              </a:lnSpc>
+              <a:spcBef>
+                <a:spcPts val="0"/>
+              </a:spcBef>
+              <a:spcAft>
+                <a:spcPts val="0"/>
+              </a:spcAft>
+              <a:buNone/>
+            </a:pPr>
+            <a:r>
+              <a:rPr b="1" lang="en-GB" sz="1000">
+                <a:latin typeface="Raleway"/>
+                <a:ea typeface="Raleway"/>
+                <a:cs typeface="Raleway"/>
+                <a:sym typeface="Raleway"/>
+              </a:rPr>
+              <a:t>Localization robustness</a:t>
+            </a:r>
+            <a:endParaRPr b="1" sz="1000">
+              <a:latin typeface="Raleway"/>
+              <a:ea typeface="Raleway"/>
+              <a:cs typeface="Raleway"/>
+              <a:sym typeface="Raleway"/>
+            </a:endParaRPr>
+          </a:p>
+          <a:p>
+            <a:pPr indent="-292100" lvl="0" marL="457200" rtl="0" algn="just">
+              <a:lnSpc>
+                <a:spcPct val="100000"/>
+              </a:lnSpc>
+              <a:spcBef>
+                <a:spcPts val="0"/>
+              </a:spcBef>
+              <a:spcAft>
+                <a:spcPts val="0"/>
+              </a:spcAft>
+              <a:buSzPts val="1000"/>
+              <a:buFont typeface="Raleway"/>
+              <a:buChar char="●"/>
+            </a:pPr>
+            <a:r>
+              <a:rPr lang="en-GB" sz="1000">
+                <a:latin typeface="Raleway"/>
+                <a:ea typeface="Raleway"/>
+                <a:cs typeface="Raleway"/>
+                <a:sym typeface="Raleway"/>
+              </a:rPr>
+              <a:t>Use perfect ground-truth localization vs noisy odometry </a:t>
+            </a:r>
+            <a:endParaRPr sz="1000">
+              <a:latin typeface="Raleway"/>
+              <a:ea typeface="Raleway"/>
+              <a:cs typeface="Raleway"/>
+              <a:sym typeface="Raleway"/>
+            </a:endParaRPr>
+          </a:p>
+          <a:p>
+            <a:pPr indent="-292100" lvl="0" marL="457200" rtl="0" algn="just">
+              <a:lnSpc>
+                <a:spcPct val="100000"/>
+              </a:lnSpc>
+              <a:spcBef>
+                <a:spcPts val="0"/>
+              </a:spcBef>
+              <a:spcAft>
+                <a:spcPts val="0"/>
+              </a:spcAft>
+              <a:buSzPts val="1000"/>
+              <a:buFont typeface="Raleway"/>
+              <a:buChar char="●"/>
+            </a:pPr>
+            <a:r>
+              <a:rPr lang="en-GB" sz="1000">
+                <a:latin typeface="Raleway"/>
+                <a:ea typeface="Raleway"/>
+                <a:cs typeface="Raleway"/>
+                <a:sym typeface="Raleway"/>
+              </a:rPr>
+              <a:t>Check calibration error sensitivity to noise levels.</a:t>
+            </a:r>
+            <a:br>
+              <a:rPr lang="en-GB" sz="1000">
+                <a:latin typeface="Raleway"/>
+                <a:ea typeface="Raleway"/>
+                <a:cs typeface="Raleway"/>
+                <a:sym typeface="Raleway"/>
+              </a:rPr>
+            </a:br>
+            <a:endParaRPr sz="1000">
+              <a:latin typeface="Raleway"/>
+              <a:ea typeface="Raleway"/>
+              <a:cs typeface="Raleway"/>
+              <a:sym typeface="Raleway"/>
+            </a:endParaRPr>
+          </a:p>
+          <a:p>
+            <a:pPr indent="0" lvl="0" marL="0" rtl="0" algn="just">
+              <a:lnSpc>
+                <a:spcPct val="100000"/>
+              </a:lnSpc>
+              <a:spcBef>
+                <a:spcPts val="0"/>
+              </a:spcBef>
+              <a:spcAft>
+                <a:spcPts val="0"/>
+              </a:spcAft>
+              <a:buNone/>
+            </a:pPr>
+            <a:r>
+              <a:rPr b="1" lang="en-GB" sz="1000">
+                <a:latin typeface="Raleway"/>
+                <a:ea typeface="Raleway"/>
+                <a:cs typeface="Raleway"/>
+                <a:sym typeface="Raleway"/>
+              </a:rPr>
+              <a:t>Different LiDAR specs</a:t>
+            </a:r>
+            <a:endParaRPr b="1" sz="1000">
+              <a:latin typeface="Raleway"/>
+              <a:ea typeface="Raleway"/>
+              <a:cs typeface="Raleway"/>
+              <a:sym typeface="Raleway"/>
+            </a:endParaRPr>
+          </a:p>
+          <a:p>
+            <a:pPr indent="-292100" lvl="0" marL="457200" rtl="0" algn="just">
+              <a:lnSpc>
+                <a:spcPct val="100000"/>
+              </a:lnSpc>
+              <a:spcBef>
+                <a:spcPts val="0"/>
+              </a:spcBef>
+              <a:spcAft>
+                <a:spcPts val="0"/>
+              </a:spcAft>
+              <a:buSzPts val="1000"/>
+              <a:buFont typeface="Raleway"/>
+              <a:buChar char="●"/>
+            </a:pPr>
+            <a:r>
+              <a:rPr lang="en-GB" sz="1000">
+                <a:latin typeface="Raleway"/>
+                <a:ea typeface="Raleway"/>
+                <a:cs typeface="Raleway"/>
+                <a:sym typeface="Raleway"/>
+              </a:rPr>
+              <a:t>Use sensors with different resolutions (16-layer vs 32-layer vs 64-layer).</a:t>
+            </a:r>
+            <a:endParaRPr sz="1000">
+              <a:latin typeface="Raleway"/>
+              <a:ea typeface="Raleway"/>
+              <a:cs typeface="Raleway"/>
+              <a:sym typeface="Raleway"/>
+            </a:endParaRPr>
+          </a:p>
+          <a:p>
+            <a:pPr indent="-292100" lvl="0" marL="457200" rtl="0" algn="just">
+              <a:lnSpc>
+                <a:spcPct val="100000"/>
+              </a:lnSpc>
+              <a:spcBef>
+                <a:spcPts val="0"/>
+              </a:spcBef>
+              <a:spcAft>
+                <a:spcPts val="0"/>
+              </a:spcAft>
+              <a:buSzPts val="1000"/>
+              <a:buFont typeface="Raleway"/>
+              <a:buChar char="●"/>
+            </a:pPr>
+            <a:r>
+              <a:rPr lang="en-GB" sz="1000">
+                <a:latin typeface="Raleway"/>
+                <a:ea typeface="Raleway"/>
+                <a:cs typeface="Raleway"/>
+                <a:sym typeface="Raleway"/>
+              </a:rPr>
+              <a:t>Validate whether the method still converges.</a:t>
+            </a:r>
+            <a:endParaRPr sz="1000">
+              <a:latin typeface="Raleway"/>
+              <a:ea typeface="Raleway"/>
+              <a:cs typeface="Raleway"/>
+              <a:sym typeface="Raleway"/>
+            </a:endParaRPr>
+          </a:p>
+          <a:p>
+            <a:pPr indent="-292100" lvl="0" marL="457200" rtl="0" algn="just">
+              <a:lnSpc>
+                <a:spcPct val="100000"/>
+              </a:lnSpc>
+              <a:spcBef>
+                <a:spcPts val="0"/>
+              </a:spcBef>
+              <a:spcAft>
+                <a:spcPts val="0"/>
+              </a:spcAft>
+              <a:buSzPts val="1000"/>
+              <a:buFont typeface="Raleway"/>
+              <a:buChar char="●"/>
+            </a:pPr>
+            <a:r>
+              <a:t/>
+            </a:r>
+            <a:endParaRPr sz="1000">
+              <a:latin typeface="Raleway"/>
+              <a:ea typeface="Raleway"/>
+              <a:cs typeface="Raleway"/>
+              <a:sym typeface="Raleway"/>
+            </a:endParaRPr>
+          </a:p>
+          <a:p>
+            <a:pPr indent="0" lvl="0" marL="0" rtl="0" algn="just">
+              <a:lnSpc>
+                <a:spcPct val="100000"/>
+              </a:lnSpc>
+              <a:spcBef>
+                <a:spcPts val="0"/>
+              </a:spcBef>
+              <a:spcAft>
+                <a:spcPts val="0"/>
+              </a:spcAft>
+              <a:buNone/>
+            </a:pPr>
+            <a:r>
+              <a:rPr b="1" lang="en-GB" sz="1000">
+                <a:latin typeface="Raleway"/>
+                <a:ea typeface="Raleway"/>
+                <a:cs typeface="Raleway"/>
+                <a:sym typeface="Raleway"/>
+              </a:rPr>
+              <a:t>Real-world experiments</a:t>
+            </a:r>
+            <a:endParaRPr b="1" sz="1000">
+              <a:latin typeface="Raleway"/>
+              <a:ea typeface="Raleway"/>
+              <a:cs typeface="Raleway"/>
+              <a:sym typeface="Raleway"/>
+            </a:endParaRPr>
+          </a:p>
+          <a:p>
+            <a:pPr indent="-292100" lvl="0" marL="457200" rtl="0" algn="just">
+              <a:lnSpc>
+                <a:spcPct val="100000"/>
+              </a:lnSpc>
+              <a:spcBef>
+                <a:spcPts val="0"/>
+              </a:spcBef>
+              <a:spcAft>
+                <a:spcPts val="0"/>
+              </a:spcAft>
+              <a:buSzPts val="1000"/>
+              <a:buFont typeface="Raleway"/>
+              <a:buChar char="●"/>
+            </a:pPr>
+            <a:r>
+              <a:rPr lang="en-GB" sz="1000">
+                <a:latin typeface="Raleway"/>
+                <a:ea typeface="Raleway"/>
+                <a:cs typeface="Raleway"/>
+                <a:sym typeface="Raleway"/>
+              </a:rPr>
+              <a:t>Mount LiDARs on autonomous vehicles and minibuses.</a:t>
+            </a:r>
+            <a:endParaRPr sz="1000">
+              <a:latin typeface="Raleway"/>
+              <a:ea typeface="Raleway"/>
+              <a:cs typeface="Raleway"/>
+              <a:sym typeface="Raleway"/>
+            </a:endParaRPr>
+          </a:p>
+          <a:p>
+            <a:pPr indent="-292100" lvl="0" marL="457200" rtl="0" algn="just">
+              <a:lnSpc>
+                <a:spcPct val="100000"/>
+              </a:lnSpc>
+              <a:spcBef>
+                <a:spcPts val="0"/>
+              </a:spcBef>
+              <a:spcAft>
+                <a:spcPts val="0"/>
+              </a:spcAft>
+              <a:buSzPts val="1000"/>
+              <a:buFont typeface="Raleway"/>
+              <a:buChar char="●"/>
+            </a:pPr>
+            <a:r>
+              <a:rPr lang="en-GB" sz="1000">
+                <a:latin typeface="Raleway"/>
+                <a:ea typeface="Raleway"/>
+                <a:cs typeface="Raleway"/>
+                <a:sym typeface="Raleway"/>
+              </a:rPr>
+              <a:t>Validate alignment qualitatively by overlaying point clouds.</a:t>
+            </a:r>
+            <a:br>
+              <a:rPr lang="en-GB" sz="1000">
+                <a:latin typeface="Raleway"/>
+                <a:ea typeface="Raleway"/>
+                <a:cs typeface="Raleway"/>
+                <a:sym typeface="Raleway"/>
+              </a:rPr>
+            </a:br>
+            <a:endParaRPr sz="1000">
+              <a:latin typeface="Raleway"/>
+              <a:ea typeface="Raleway"/>
+              <a:cs typeface="Raleway"/>
+              <a:sym typeface="Raleway"/>
+            </a:endParaRPr>
+          </a:p>
+          <a:p>
+            <a:pPr indent="0" lvl="0" marL="0" rtl="0" algn="just">
+              <a:lnSpc>
+                <a:spcPct val="100000"/>
+              </a:lnSpc>
+              <a:spcBef>
+                <a:spcPts val="0"/>
+              </a:spcBef>
+              <a:spcAft>
+                <a:spcPts val="0"/>
+              </a:spcAft>
+              <a:buNone/>
+            </a:pPr>
+            <a:r>
+              <a:rPr b="1" lang="en-GB" sz="1000">
+                <a:latin typeface="Raleway"/>
+                <a:ea typeface="Raleway"/>
+                <a:cs typeface="Raleway"/>
+                <a:sym typeface="Raleway"/>
+              </a:rPr>
+              <a:t>Comparison with baselines</a:t>
+            </a:r>
+            <a:endParaRPr b="1" sz="1000">
+              <a:latin typeface="Raleway"/>
+              <a:ea typeface="Raleway"/>
+              <a:cs typeface="Raleway"/>
+              <a:sym typeface="Raleway"/>
+            </a:endParaRPr>
+          </a:p>
+          <a:p>
+            <a:pPr indent="-292100" lvl="0" marL="457200" rtl="0" algn="just">
+              <a:lnSpc>
+                <a:spcPct val="100000"/>
+              </a:lnSpc>
+              <a:spcBef>
+                <a:spcPts val="0"/>
+              </a:spcBef>
+              <a:spcAft>
+                <a:spcPts val="0"/>
+              </a:spcAft>
+              <a:buSzPts val="1000"/>
+              <a:buFont typeface="Raleway"/>
+              <a:buChar char="●"/>
+            </a:pPr>
+            <a:r>
+              <a:rPr lang="en-GB" sz="1000">
+                <a:latin typeface="Raleway"/>
+                <a:ea typeface="Raleway"/>
+                <a:cs typeface="Raleway"/>
+                <a:sym typeface="Raleway"/>
+              </a:rPr>
+              <a:t>Benchmark against state-of-the-art methods (e.g., MLCC).</a:t>
+            </a:r>
+            <a:endParaRPr sz="1000">
+              <a:latin typeface="Raleway"/>
+              <a:ea typeface="Raleway"/>
+              <a:cs typeface="Raleway"/>
+              <a:sym typeface="Raleway"/>
+            </a:endParaRPr>
+          </a:p>
+          <a:p>
+            <a:pPr indent="-292100" lvl="0" marL="457200" rtl="0" algn="just">
+              <a:lnSpc>
+                <a:spcPct val="100000"/>
+              </a:lnSpc>
+              <a:spcBef>
+                <a:spcPts val="0"/>
+              </a:spcBef>
+              <a:spcAft>
+                <a:spcPts val="0"/>
+              </a:spcAft>
+              <a:buSzPts val="1000"/>
+              <a:buFont typeface="Raleway"/>
+              <a:buChar char="●"/>
+            </a:pPr>
+            <a:r>
+              <a:rPr lang="en-GB" sz="1000">
+                <a:latin typeface="Raleway"/>
+                <a:ea typeface="Raleway"/>
+                <a:cs typeface="Raleway"/>
+                <a:sym typeface="Raleway"/>
+              </a:rPr>
+              <a:t>Compare translation and rotation errors quantitatively.</a:t>
+            </a:r>
+            <a:endParaRPr sz="1000">
+              <a:latin typeface="Raleway"/>
+              <a:ea typeface="Raleway"/>
+              <a:cs typeface="Raleway"/>
+              <a:sym typeface="Raleway"/>
+            </a:endParaRPr>
+          </a:p>
+          <a:p>
+            <a:pPr indent="-152400" lvl="0" marL="215900" marR="0" rtl="0" algn="l">
+              <a:lnSpc>
+                <a:spcPct val="100000"/>
+              </a:lnSpc>
+              <a:spcBef>
+                <a:spcPts val="0"/>
+              </a:spcBef>
+              <a:spcAft>
+                <a:spcPts val="0"/>
+              </a:spcAft>
+              <a:buClr>
+                <a:srgbClr val="000000"/>
+              </a:buClr>
+              <a:buSzPts val="1100"/>
+              <a:buFont typeface="Arial"/>
+              <a:buNone/>
+            </a:pPr>
+            <a:r>
+              <a:t/>
+            </a:r>
+            <a:endParaRPr sz="600">
+              <a:latin typeface="Raleway"/>
+              <a:ea typeface="Raleway"/>
+              <a:cs typeface="Raleway"/>
+              <a:sym typeface="Raleway"/>
             </a:endParaRPr>
           </a:p>
         </p:txBody>
@@ -16951,7 +19145,7 @@
   <p:cSld>
     <p:spTree>
       <p:nvGrpSpPr>
-        <p:cNvPr id="158" name="Shape 158"/>
+        <p:cNvPr id="161" name="Shape 161"/>
         <p:cNvGrpSpPr/>
         <p:nvPr/>
       </p:nvGrpSpPr>
@@ -16965,7 +19159,7 @@
       </p:grpSpPr>
       <p:sp>
         <p:nvSpPr>
-          <p:cNvPr id="159" name="Google Shape;159;p31"/>
+          <p:cNvPr id="162" name="Google Shape;162;p31"/>
           <p:cNvSpPr txBox="1"/>
           <p:nvPr>
             <p:ph idx="12" type="sldNum"/>
@@ -17013,7 +19207,7 @@
       </p:sp>
       <p:sp>
         <p:nvSpPr>
-          <p:cNvPr id="160" name="Google Shape;160;p31"/>
+          <p:cNvPr id="163" name="Google Shape;163;p31"/>
           <p:cNvSpPr txBox="1"/>
           <p:nvPr/>
         </p:nvSpPr>
@@ -17063,7 +19257,16 @@
                 <a:cs typeface="Montserrat"/>
                 <a:sym typeface="Montserrat"/>
               </a:rPr>
-              <a:t>Implementation and Results – Iteration 3 (Optional)</a:t>
+              <a:t>Implementation and Results – Iteration </a:t>
+            </a:r>
+            <a:r>
+              <a:rPr b="1" lang="en-GB" sz="1800">
+                <a:latin typeface="Montserrat"/>
+                <a:ea typeface="Montserrat"/>
+                <a:cs typeface="Montserrat"/>
+                <a:sym typeface="Montserrat"/>
+              </a:rPr>
+              <a:t>1</a:t>
             </a:r>
             <a:endParaRPr b="0" i="0" sz="1100" u="none" cap="none" strike="noStrike">
               <a:solidFill>
@@ -17079,14 +19282,14 @@
       </p:sp>
       <p:sp>
         <p:nvSpPr>
-          <p:cNvPr id="161" name="Google Shape;161;p31"/>
+          <p:cNvPr id="164" name="Google Shape;164;p31"/>
           <p:cNvSpPr txBox="1"/>
           <p:nvPr/>
         </p:nvSpPr>
         <p:spPr>
           <a:xfrm>
-            <a:off x="339212" y="653649"/>
-            <a:ext cx="8495071" cy="4301821"/>
+            <a:off x="217475" y="653650"/>
+            <a:ext cx="8616900" cy="4262400"/>
           </a:xfrm>
           <a:prstGeom prst="rect">
             <a:avLst/>
@@ -17120,16 +19323,7 @@
               <a:buNone/>
             </a:pPr>
             <a:r>
-              <a:rPr b="1" i="0" lang="en-GB" sz="1100" u="none" cap="none" strike="noStrike">
-                <a:solidFill>
-                  <a:srgbClr val="000000"/>
-                </a:solidFill>
-                <a:latin typeface="Verdana"/>
-                <a:ea typeface="Verdana"/>
-                <a:cs typeface="Verdana"/>
-                <a:sym typeface="Verdana"/>
-              </a:rPr>
-              <a:t>Iteration : Results + Validation against the use cases and test cases </a:t>
+              <a:t/>
             </a:r>
             <a:endParaRPr b="0" i="0" sz="1100" u="none" cap="none" strike="noStrike">
               <a:solidFill>
@@ -17236,6 +19430,146 @@
           </a:p>
         </p:txBody>
       </p:sp>
+      <p:pic>
+        <p:nvPicPr>
+          <p:cNvPr id="165" name="Google Shape;165;p31"/>
+          <p:cNvPicPr preferRelativeResize="0"/>
+          <p:nvPr/>
+        </p:nvPicPr>
+        <p:blipFill>
+          <a:blip r:embed="rId3">
+            <a:alphaModFix/>
+          </a:blip>
+          <a:stretch>
+            <a:fillRect/>
+          </a:stretch>
+        </p:blipFill>
+        <p:spPr>
+          <a:xfrm>
+            <a:off x="4734510" y="699921"/>
+            <a:ext cx="4392845" cy="3551225"/>
+          </a:xfrm>
+          <a:prstGeom prst="rect">
+            <a:avLst/>
+          </a:prstGeom>
+          <a:noFill/>
+          <a:ln>
+            <a:noFill/>
+          </a:ln>
+        </p:spPr>
+      </p:pic>
+      <p:pic>
+        <p:nvPicPr>
+          <p:cNvPr id="166" name="Google Shape;166;p31"/>
+          <p:cNvPicPr preferRelativeResize="0"/>
+          <p:nvPr/>
+        </p:nvPicPr>
+        <p:blipFill>
+          <a:blip r:embed="rId4">
+            <a:alphaModFix/>
+          </a:blip>
+          <a:stretch>
+            <a:fillRect/>
+          </a:stretch>
+        </p:blipFill>
+        <p:spPr>
+          <a:xfrm>
+            <a:off x="263330" y="1154424"/>
+            <a:ext cx="4444725" cy="707696"/>
+          </a:xfrm>
+          <a:prstGeom prst="rect">
+            <a:avLst/>
+          </a:prstGeom>
+          <a:noFill/>
+          <a:ln>
+            <a:noFill/>
+          </a:ln>
+        </p:spPr>
+      </p:pic>
+      <p:pic>
+        <p:nvPicPr>
+          <p:cNvPr id="167" name="Google Shape;167;p31"/>
+          <p:cNvPicPr preferRelativeResize="0"/>
+          <p:nvPr/>
+        </p:nvPicPr>
+        <p:blipFill>
+          <a:blip r:embed="rId5">
+            <a:alphaModFix/>
+          </a:blip>
+          <a:stretch>
+            <a:fillRect/>
+          </a:stretch>
+        </p:blipFill>
+        <p:spPr>
+          <a:xfrm>
+            <a:off x="256718" y="2078574"/>
+            <a:ext cx="4444681" cy="707700"/>
+          </a:xfrm>
+          <a:prstGeom prst="rect">
+            <a:avLst/>
+          </a:prstGeom>
+          <a:noFill/>
+          <a:ln>
+            <a:noFill/>
+          </a:ln>
+        </p:spPr>
+      </p:pic>
+      <p:pic>
+        <p:nvPicPr>
+          <p:cNvPr id="168" name="Google Shape;168;p31"/>
+          <p:cNvPicPr preferRelativeResize="0"/>
+          <p:nvPr/>
+        </p:nvPicPr>
+        <p:blipFill>
+          <a:blip r:embed="rId6">
+            <a:alphaModFix/>
+          </a:blip>
+          <a:stretch>
+            <a:fillRect/>
+          </a:stretch>
+        </p:blipFill>
+        <p:spPr>
+          <a:xfrm>
+            <a:off x="217049" y="2957325"/>
+            <a:ext cx="4496025" cy="707700"/>
+          </a:xfrm>
+          <a:prstGeom prst="rect">
+            <a:avLst/>
+          </a:prstGeom>
+          <a:noFill/>
+          <a:ln>
+            <a:noFill/>
+          </a:ln>
+        </p:spPr>
+      </p:pic>
+      <p:pic>
+        <p:nvPicPr>
+          <p:cNvPr id="169" name="Google Shape;169;p31"/>
+          <p:cNvPicPr preferRelativeResize="0"/>
+          <p:nvPr/>
+        </p:nvPicPr>
+        <p:blipFill>
+          <a:blip r:embed="rId7">
+            <a:alphaModFix/>
+          </a:blip>
+          <a:stretch>
+            <a:fillRect/>
+          </a:stretch>
+        </p:blipFill>
+        <p:spPr>
+          <a:xfrm>
+            <a:off x="217475" y="3739925"/>
+            <a:ext cx="4496025" cy="745475"/>
+          </a:xfrm>
+          <a:prstGeom prst="rect">
+            <a:avLst/>
+          </a:prstGeom>
+          <a:noFill/>
+          <a:ln>
+            <a:noFill/>
+          </a:ln>
+        </p:spPr>
+      </p:pic>
     </p:spTree>
   </p:cSld>
   <p:clrMapOvr>
@@ -17245,285 +19579,6 @@
 </file>
 
 <file path=ppt/theme/theme1.xml><?xml version="1.0" encoding="utf-8"?>
-<a:theme xmlns:a="http://schemas.openxmlformats.org/drawingml/2006/main" xmlns:r="http://schemas.openxmlformats.org/officeDocument/2006/relationships" name="Office Theme">
-  <a:themeElements>
-    <a:clrScheme name="Custom 77">
-      <a:dk1>
-        <a:srgbClr val="282828"/>
-      </a:dk1>
-      <a:lt1>
-        <a:srgbClr val="FFFFFF"/>
-      </a:lt1>
-      <a:dk2>
-        <a:srgbClr val="282828"/>
-      </a:dk2>
-      <a:lt2>
-        <a:srgbClr val="FAFAFA"/>
-      </a:lt2>
-      <a:accent1>
-        <a:srgbClr val="FFC639"/>
-      </a:accent1>
-      <a:accent2>
-        <a:srgbClr val="F29B6B"/>
-      </a:accent2>
-      <a:accent3>
-        <a:srgbClr val="CCD4FB"/>
-      </a:accent3>
-      <a:accent4>
-        <a:srgbClr val="2B7158"/>
-      </a:accent4>
-      <a:accent5>
-        <a:srgbClr val="456AB8"/>
-      </a:accent5>
-      <a:accent6>
-        <a:srgbClr val="363836"/>
-      </a:accent6>
-      <a:hlink>
-        <a:srgbClr val="0563C1"/>
-      </a:hlink>
-      <a:folHlink>
-        <a:srgbClr val="954F72"/>
-      </a:folHlink>
-    </a:clrScheme>
-    <a:fontScheme name="Office">
-      <a:majorFont>
-        <a:latin typeface="Arial"/>
-        <a:ea typeface=""/>
-        <a:cs typeface=""/>
-        <a:font script="Jpan" typeface="ＭＳ Ｐゴシック"/>
-        <a:font script="Hang" typeface="맑은 고딕"/>
-        <a:font script="Hans" typeface="宋体"/>
-        <a:font script="Hant" typeface="新細明體"/>
-        <a:font script="Arab" typeface="Times New Roman"/>
-        <a:font script="Hebr" typeface="Times New Roman"/>
-        <a:font script="Thai" typeface="Angsana New"/>
-        <a:font script="Ethi" typeface="Nyala"/>
-        <a:font script="Beng" typeface="Vrinda"/>
-        <a:font script="Gujr" typeface="Shruti"/>
-        <a:font script="Khmr" typeface="MoolBoran"/>
-        <a:font script="Knda" typeface="Tunga"/>
-        <a:font script="Guru" typeface="Raavi"/>
-        <a:font script="Cans" typeface="Euphemia"/>
-        <a:font script="Cher" typeface="Plantagenet Cherokee"/>
-        <a:font script="Yiii" typeface="Microsoft Yi Baiti"/>
-        <a:font script="Tibt" typeface="Microsoft Himalaya"/>
-        <a:font script="Thaa" typeface="MV Boli"/>
-        <a:font script="Deva" typeface="Mangal"/>
-        <a:font script="Telu" typeface="Gautami"/>
-        <a:font script="Taml" typeface="Latha"/>
-        <a:font script="Syrc" typeface="Estrangelo Edessa"/>
-        <a:font script="Orya" typeface="Kalinga"/>
-        <a:font script="Mlym" typeface="Kartika"/>
-        <a:font script="Laoo" typeface="DokChampa"/>
-        <a:font script="Sinh" typeface="Iskoola Pota"/>
-        <a:font script="Mong" typeface="Mongolian Baiti"/>
-        <a:font script="Viet" typeface="Times New Roman"/>
-        <a:font script="Uigh" typeface="Microsoft Uighur"/>
-        <a:font script="Geor" typeface="Sylfaen"/>
-      </a:majorFont>
-      <a:minorFont>
-        <a:latin typeface="Arial"/>
-        <a:ea typeface=""/>
-        <a:cs typeface=""/>
-        <a:font script="Jpan" typeface="ＭＳ Ｐゴシック"/>
-        <a:font script="Hang" typeface="맑은 고딕"/>
-        <a:font script="Hans" typeface="宋体"/>
-        <a:font script="Hant" typeface="新細明體"/>
-        <a:font script="Arab" typeface="Arial"/>
-        <a:font script="Hebr" typeface="Arial"/>
-        <a:font script="Thai" typeface="Cordia New"/>
-        <a:font script="Ethi" typeface="Nyala"/>
-        <a:font script="Beng" typeface="Vrinda"/>
-        <a:font script="Gujr" typeface="Shruti"/>
-        <a:font script="Khmr" typeface="DaunPenh"/>
-        <a:font script="Knda" typeface="Tunga"/>
-        <a:font script="Guru" typeface="Raavi"/>
-        <a:font script="Cans" typeface="Euphemia"/>
-        <a:font script="Cher" typeface="Plantagenet Cherokee"/>
-        <a:font script="Yiii" typeface="Microsoft Yi Baiti"/>
-        <a:font script="Tibt" typeface="Microsoft Himalaya"/>
-        <a:font script="Thaa" typeface="MV Boli"/>
-        <a:font script="Deva" typeface="Mangal"/>
-        <a:font script="Telu" typeface="Gautami"/>
-        <a:font script="Taml" typeface="Latha"/>
-        <a:font script="Syrc" typeface="Estrangelo Edessa"/>
-        <a:font script="Orya" typeface="Kalinga"/>
-        <a:font script="Mlym" typeface="Kartika"/>
-        <a:font script="Laoo" typeface="DokChampa"/>
-        <a:font script="Sinh" typeface="Iskoola Pota"/>
-        <a:font script="Mong" typeface="Mongolian Baiti"/>
-        <a:font script="Viet" typeface="Arial"/>
-        <a:font script="Uigh" typeface="Microsoft Uighur"/>
-        <a:font script="Geor" typeface="Sylfaen"/>
-      </a:minorFont>
-    </a:fontScheme>
-    <a:fmtScheme name="Office">
-      <a:fillStyleLst>
-        <a:solidFill>
-          <a:schemeClr val="phClr"/>
-        </a:solidFill>
-        <a:gradFill rotWithShape="1">
-          <a:gsLst>
-            <a:gs pos="0">
-              <a:schemeClr val="phClr">
-                <a:tint val="50000"/>
-                <a:satMod val="300000"/>
-              </a:schemeClr>
-            </a:gs>
-            <a:gs pos="35000">
-              <a:schemeClr val="phClr">
-                <a:tint val="37000"/>
-                <a:satMod val="300000"/>
-              </a:schemeClr>
-            </a:gs>
-            <a:gs pos="100000">
-              <a:schemeClr val="phClr">
-                <a:tint val="15000"/>
-                <a:satMod val="350000"/>
-              </a:schemeClr>
-            </a:gs>
-          </a:gsLst>
-          <a:lin ang="16200000" scaled="1"/>
-        </a:gradFill>
-        <a:gradFill rotWithShape="1">
-          <a:gsLst>
-            <a:gs pos="0">
-              <a:schemeClr val="phClr">
-                <a:tint val="100000"/>
-                <a:shade val="100000"/>
-                <a:satMod val="130000"/>
-              </a:schemeClr>
-            </a:gs>
-            <a:gs pos="100000">
-              <a:schemeClr val="phClr">
-                <a:tint val="50000"/>
-                <a:shade val="100000"/>
-                <a:satMod val="350000"/>
-              </a:schemeClr>
-            </a:gs>
-          </a:gsLst>
-          <a:lin ang="16200000" scaled="0"/>
-        </a:gradFill>
-      </a:fillStyleLst>
-      <a:lnStyleLst>
-        <a:ln w="9525" cap="flat" cmpd="sng" algn="ctr">
-          <a:solidFill>
-            <a:schemeClr val="phClr">
-              <a:shade val="95000"/>
-              <a:satMod val="105000"/>
-            </a:schemeClr>
-          </a:solidFill>
-          <a:prstDash val="solid"/>
-        </a:ln>
-        <a:ln w="25400" cap="flat" cmpd="sng" algn="ctr">
-          <a:solidFill>
-            <a:schemeClr val="phClr"/>
-          </a:solidFill>
-          <a:prstDash val="solid"/>
-        </a:ln>
-        <a:ln w="38100" cap="flat" cmpd="sng" algn="ctr">
-          <a:solidFill>
-            <a:schemeClr val="phClr"/>
-          </a:solidFill>
-          <a:prstDash val="solid"/>
-        </a:ln>
-      </a:lnStyleLst>
-      <a:effectStyleLst>
-        <a:effectStyle>
-          <a:effectLst>
-            <a:outerShdw blurRad="40000" dist="20000" dir="5400000" rotWithShape="0">
-              <a:srgbClr val="000000">
-                <a:alpha val="38000"/>
-              </a:srgbClr>
-            </a:outerShdw>
-          </a:effectLst>
-        </a:effectStyle>
-        <a:effectStyle>
-          <a:effectLst>
-            <a:outerShdw blurRad="40000" dist="23000" dir="5400000" rotWithShape="0">
-              <a:srgbClr val="000000">
-                <a:alpha val="35000"/>
-              </a:srgbClr>
-            </a:outerShdw>
-          </a:effectLst>
-        </a:effectStyle>
-        <a:effectStyle>
-          <a:effectLst>
-            <a:outerShdw blurRad="40000" dist="23000" dir="5400000" rotWithShape="0">
-              <a:srgbClr val="000000">
-                <a:alpha val="35000"/>
-              </a:srgbClr>
-            </a:outerShdw>
-          </a:effectLst>
-          <a:scene3d>
-            <a:camera prst="orthographicFront">
-              <a:rot lat="0" lon="0" rev="0"/>
-            </a:camera>
-            <a:lightRig rig="threePt" dir="t">
-              <a:rot lat="0" lon="0" rev="1200000"/>
-            </a:lightRig>
-          </a:scene3d>
-          <a:sp3d>
-            <a:bevelT w="63500" h="25400"/>
-          </a:sp3d>
-        </a:effectStyle>
-      </a:effectStyleLst>
-      <a:bgFillStyleLst>
-        <a:solidFill>
-          <a:schemeClr val="phClr"/>
-        </a:solidFill>
-        <a:gradFill rotWithShape="1">
-          <a:gsLst>
-            <a:gs pos="0">
-              <a:schemeClr val="phClr">
-                <a:tint val="40000"/>
-                <a:satMod val="350000"/>
-              </a:schemeClr>
-            </a:gs>
-            <a:gs pos="40000">
-              <a:schemeClr val="phClr">
-                <a:tint val="45000"/>
-                <a:shade val="99000"/>
-                <a:satMod val="350000"/>
-              </a:schemeClr>
-            </a:gs>
-            <a:gs pos="100000">
-              <a:schemeClr val="phClr">
-                <a:shade val="20000"/>
-                <a:satMod val="255000"/>
-              </a:schemeClr>
-            </a:gs>
-          </a:gsLst>
-          <a:path path="circle">
-            <a:fillToRect l="50000" t="-80000" r="50000" b="180000"/>
-          </a:path>
-        </a:gradFill>
-        <a:gradFill rotWithShape="1">
-          <a:gsLst>
-            <a:gs pos="0">
-              <a:schemeClr val="phClr">
-                <a:tint val="80000"/>
-                <a:satMod val="300000"/>
-              </a:schemeClr>
-            </a:gs>
-            <a:gs pos="100000">
-              <a:schemeClr val="phClr">
-                <a:shade val="30000"/>
-                <a:satMod val="200000"/>
-              </a:schemeClr>
-            </a:gs>
-          </a:gsLst>
-          <a:path path="circle">
-            <a:fillToRect l="50000" t="50000" r="50000" b="50000"/>
-          </a:path>
-        </a:gradFill>
-      </a:bgFillStyleLst>
-    </a:fmtScheme>
-  </a:themeElements>
-</a:theme>
-</file>
-
-<file path=ppt/theme/theme2.xml><?xml version="1.0" encoding="utf-8"?>
 <a:theme xmlns:a="http://schemas.openxmlformats.org/drawingml/2006/main" xmlns:r="http://schemas.openxmlformats.org/officeDocument/2006/relationships">
   <a:themeElements>
     <a:clrScheme name="Default">
@@ -17802,7 +19857,7 @@
 </a:theme>
 </file>
 
-<file path=ppt/theme/theme3.xml><?xml version="1.0" encoding="utf-8"?>
+<file path=ppt/theme/theme2.xml><?xml version="1.0" encoding="utf-8"?>
 <a:theme xmlns:a="http://schemas.openxmlformats.org/drawingml/2006/main" xmlns:r="http://schemas.openxmlformats.org/officeDocument/2006/relationships" name="Simple Light">
   <a:themeElements>
     <a:clrScheme name="Simple Light">
@@ -18079,4 +20134,283 @@
     </a:fmtScheme>
   </a:themeElements>
 </a:theme>
+</file>
+
+<file path=ppt/theme/theme3.xml><?xml version="1.0" encoding="utf-8"?>
+<a:theme xmlns:a="http://schemas.openxmlformats.org/drawingml/2006/main" xmlns:r="http://schemas.openxmlformats.org/officeDocument/2006/relationships" name="Office Theme">
+  <a:themeElements>
+    <a:clrScheme name="Custom 77">
+      <a:dk1>
+        <a:srgbClr val="282828"/>
+      </a:dk1>
+      <a:lt1>
+        <a:srgbClr val="FFFFFF"/>
+      </a:lt1>
+      <a:dk2>
+        <a:srgbClr val="282828"/>
+      </a:dk2>
+      <a:lt2>
+        <a:srgbClr val="FAFAFA"/>
+      </a:lt2>
+      <a:accent1>
+        <a:srgbClr val="FFC639"/>
+      </a:accent1>
+      <a:accent2>
+        <a:srgbClr val="F29B6B"/>
+      </a:accent2>
+      <a:accent3>
+        <a:srgbClr val="CCD4FB"/>
+      </a:accent3>
+      <a:accent4>
+        <a:srgbClr val="2B7158"/>
+      </a:accent4>
+      <a:accent5>
+        <a:srgbClr val="456AB8"/>
+      </a:accent5>
+      <a:accent6>
+        <a:srgbClr val="363836"/>
+      </a:accent6>
+      <a:hlink>
+        <a:srgbClr val="0563C1"/>
+      </a:hlink>
+      <a:folHlink>
+        <a:srgbClr val="954F72"/>
+      </a:folHlink>
+    </a:clrScheme>
+    <a:fontScheme name="Office">
+      <a:majorFont>
+        <a:latin typeface="Arial"/>
+        <a:ea typeface=""/>
+        <a:cs typeface=""/>
+        <a:font script="Jpan" typeface="ＭＳ Ｐゴシック"/>
+        <a:font script="Hang" typeface="맑은 고딕"/>
+        <a:font script="Hans" typeface="宋体"/>
+        <a:font script="Hant" typeface="新細明體"/>
+        <a:font script="Arab" typeface="Times New Roman"/>
+        <a:font script="Hebr" typeface="Times New Roman"/>
+        <a:font script="Thai" typeface="Angsana New"/>
+        <a:font script="Ethi" typeface="Nyala"/>
+        <a:font script="Beng" typeface="Vrinda"/>
+        <a:font script="Gujr" typeface="Shruti"/>
+        <a:font script="Khmr" typeface="MoolBoran"/>
+        <a:font script="Knda" typeface="Tunga"/>
+        <a:font script="Guru" typeface="Raavi"/>
+        <a:font script="Cans" typeface="Euphemia"/>
+        <a:font script="Cher" typeface="Plantagenet Cherokee"/>
+        <a:font script="Yiii" typeface="Microsoft Yi Baiti"/>
+        <a:font script="Tibt" typeface="Microsoft Himalaya"/>
+        <a:font script="Thaa" typeface="MV Boli"/>
+        <a:font script="Deva" typeface="Mangal"/>
+        <a:font script="Telu" typeface="Gautami"/>
+        <a:font script="Taml" typeface="Latha"/>
+        <a:font script="Syrc" typeface="Estrangelo Edessa"/>
+        <a:font script="Orya" typeface="Kalinga"/>
+        <a:font script="Mlym" typeface="Kartika"/>
+        <a:font script="Laoo" typeface="DokChampa"/>
+        <a:font script="Sinh" typeface="Iskoola Pota"/>
+        <a:font script="Mong" typeface="Mongolian Baiti"/>
+        <a:font script="Viet" typeface="Times New Roman"/>
+        <a:font script="Uigh" typeface="Microsoft Uighur"/>
+        <a:font script="Geor" typeface="Sylfaen"/>
+      </a:majorFont>
+      <a:minorFont>
+        <a:latin typeface="Arial"/>
+        <a:ea typeface=""/>
+        <a:cs typeface=""/>
+        <a:font script="Jpan" typeface="ＭＳ Ｐゴシック"/>
+        <a:font script="Hang" typeface="맑은 고딕"/>
+        <a:font script="Hans" typeface="宋体"/>
+        <a:font script="Hant" typeface="新細明體"/>
+        <a:font script="Arab" typeface="Arial"/>
+        <a:font script="Hebr" typeface="Arial"/>
+        <a:font script="Thai" typeface="Cordia New"/>
+        <a:font script="Ethi" typeface="Nyala"/>
+        <a:font script="Beng" typeface="Vrinda"/>
+        <a:font script="Gujr" typeface="Shruti"/>
+        <a:font script="Khmr" typeface="DaunPenh"/>
+        <a:font script="Knda" typeface="Tunga"/>
+        <a:font script="Guru" typeface="Raavi"/>
+        <a:font script="Cans" typeface="Euphemia"/>
+        <a:font script="Cher" typeface="Plantagenet Cherokee"/>
+        <a:font script="Yiii" typeface="Microsoft Yi Baiti"/>
+        <a:font script="Tibt" typeface="Microsoft Himalaya"/>
+        <a:font script="Thaa" typeface="MV Boli"/>
+        <a:font script="Deva" typeface="Mangal"/>
+        <a:font script="Telu" typeface="Gautami"/>
+        <a:font script="Taml" typeface="Latha"/>
+        <a:font script="Syrc" typeface="Estrangelo Edessa"/>
+        <a:font script="Orya" typeface="Kalinga"/>
+        <a:font script="Mlym" typeface="Kartika"/>
+        <a:font script="Laoo" typeface="DokChampa"/>
+        <a:font script="Sinh" typeface="Iskoola Pota"/>
+        <a:font script="Mong" typeface="Mongolian Baiti"/>
+        <a:font script="Viet" typeface="Arial"/>
+        <a:font script="Uigh" typeface="Microsoft Uighur"/>
+        <a:font script="Geor" typeface="Sylfaen"/>
+      </a:minorFont>
+    </a:fontScheme>
+    <a:fmtScheme name="Office">
+      <a:fillStyleLst>
+        <a:solidFill>
+          <a:schemeClr val="phClr"/>
+        </a:solidFill>
+        <a:gradFill rotWithShape="1">
+          <a:gsLst>
+            <a:gs pos="0">
+              <a:schemeClr val="phClr">
+                <a:tint val="50000"/>
+                <a:satMod val="300000"/>
+              </a:schemeClr>
+            </a:gs>
+            <a:gs pos="35000">
+              <a:schemeClr val="phClr">
+                <a:tint val="37000"/>
+                <a:satMod val="300000"/>
+              </a:schemeClr>
+            </a:gs>
+            <a:gs pos="100000">
+              <a:schemeClr val="phClr">
+                <a:tint val="15000"/>
+                <a:satMod val="350000"/>
+              </a:schemeClr>
+            </a:gs>
+          </a:gsLst>
+          <a:lin ang="16200000" scaled="1"/>
+        </a:gradFill>
+        <a:gradFill rotWithShape="1">
+          <a:gsLst>
+            <a:gs pos="0">
+              <a:schemeClr val="phClr">
+                <a:tint val="100000"/>
+                <a:shade val="100000"/>
+                <a:satMod val="130000"/>
+              </a:schemeClr>
+            </a:gs>
+            <a:gs pos="100000">
+              <a:schemeClr val="phClr">
+                <a:tint val="50000"/>
+                <a:shade val="100000"/>
+                <a:satMod val="350000"/>
+              </a:schemeClr>
+            </a:gs>
+          </a:gsLst>
+          <a:lin ang="16200000" scaled="0"/>
+        </a:gradFill>
+      </a:fillStyleLst>
+      <a:lnStyleLst>
+        <a:ln w="9525" cap="flat" cmpd="sng" algn="ctr">
+          <a:solidFill>
+            <a:schemeClr val="phClr">
+              <a:shade val="95000"/>
+              <a:satMod val="105000"/>
+            </a:schemeClr>
+          </a:solidFill>
+          <a:prstDash val="solid"/>
+        </a:ln>
+        <a:ln w="25400" cap="flat" cmpd="sng" algn="ctr">
+          <a:solidFill>
+            <a:schemeClr val="phClr"/>
+          </a:solidFill>
+          <a:prstDash val="solid"/>
+        </a:ln>
+        <a:ln w="38100" cap="flat" cmpd="sng" algn="ctr">
+          <a:solidFill>
+            <a:schemeClr val="phClr"/>
+          </a:solidFill>
+          <a:prstDash val="solid"/>
+        </a:ln>
+      </a:lnStyleLst>
+      <a:effectStyleLst>
+        <a:effectStyle>
+          <a:effectLst>
+            <a:outerShdw blurRad="40000" dist="20000" dir="5400000" rotWithShape="0">
+              <a:srgbClr val="000000">
+                <a:alpha val="38000"/>
+              </a:srgbClr>
+            </a:outerShdw>
+          </a:effectLst>
+        </a:effectStyle>
+        <a:effectStyle>
+          <a:effectLst>
+            <a:outerShdw blurRad="40000" dist="23000" dir="5400000" rotWithShape="0">
+              <a:srgbClr val="000000">
+                <a:alpha val="35000"/>
+              </a:srgbClr>
+            </a:outerShdw>
+          </a:effectLst>
+        </a:effectStyle>
+        <a:effectStyle>
+          <a:effectLst>
+            <a:outerShdw blurRad="40000" dist="23000" dir="5400000" rotWithShape="0">
+              <a:srgbClr val="000000">
+                <a:alpha val="35000"/>
+              </a:srgbClr>
+            </a:outerShdw>
+          </a:effectLst>
+          <a:scene3d>
+            <a:camera prst="orthographicFront">
+              <a:rot lat="0" lon="0" rev="0"/>
+            </a:camera>
+            <a:lightRig rig="threePt" dir="t">
+              <a:rot lat="0" lon="0" rev="1200000"/>
+            </a:lightRig>
+          </a:scene3d>
+          <a:sp3d>
+            <a:bevelT w="63500" h="25400"/>
+          </a:sp3d>
+        </a:effectStyle>
+      </a:effectStyleLst>
+      <a:bgFillStyleLst>
+        <a:solidFill>
+          <a:schemeClr val="phClr"/>
+        </a:solidFill>
+        <a:gradFill rotWithShape="1">
+          <a:gsLst>
+            <a:gs pos="0">
+              <a:schemeClr val="phClr">
+                <a:tint val="40000"/>
+                <a:satMod val="350000"/>
+              </a:schemeClr>
+            </a:gs>
+            <a:gs pos="40000">
+              <a:schemeClr val="phClr">
+                <a:tint val="45000"/>
+                <a:shade val="99000"/>
+                <a:satMod val="350000"/>
+              </a:schemeClr>
+            </a:gs>
+            <a:gs pos="100000">
+              <a:schemeClr val="phClr">
+                <a:shade val="20000"/>
+                <a:satMod val="255000"/>
+              </a:schemeClr>
+            </a:gs>
+          </a:gsLst>
+          <a:path path="circle">
+            <a:fillToRect l="50000" t="-80000" r="50000" b="180000"/>
+          </a:path>
+        </a:gradFill>
+        <a:gradFill rotWithShape="1">
+          <a:gsLst>
+            <a:gs pos="0">
+              <a:schemeClr val="phClr">
+                <a:tint val="80000"/>
+                <a:satMod val="300000"/>
+              </a:schemeClr>
+            </a:gs>
+            <a:gs pos="100000">
+              <a:schemeClr val="phClr">
+                <a:shade val="30000"/>
+                <a:satMod val="200000"/>
+              </a:schemeClr>
+            </a:gs>
+          </a:gsLst>
+          <a:path path="circle">
+            <a:fillToRect l="50000" t="50000" r="50000" b="50000"/>
+          </a:path>
+        </a:gradFill>
+      </a:bgFillStyleLst>
+    </a:fmtScheme>
+  </a:themeElements>
+</a:theme>
 </file>